--- a/slides/Astar.pptx
+++ b/slides/Astar.pptx
@@ -14,15 +14,22 @@
     <p:sldId id="293" r:id="rId8"/>
     <p:sldId id="298" r:id="rId9"/>
     <p:sldId id="299" r:id="rId10"/>
-    <p:sldId id="294" r:id="rId11"/>
-    <p:sldId id="300" r:id="rId12"/>
-    <p:sldId id="295" r:id="rId13"/>
-    <p:sldId id="296" r:id="rId14"/>
-    <p:sldId id="301" r:id="rId15"/>
-    <p:sldId id="297" r:id="rId16"/>
-    <p:sldId id="302" r:id="rId17"/>
-    <p:sldId id="303" r:id="rId18"/>
-    <p:sldId id="304" r:id="rId19"/>
+    <p:sldId id="303" r:id="rId11"/>
+    <p:sldId id="294" r:id="rId12"/>
+    <p:sldId id="309" r:id="rId13"/>
+    <p:sldId id="310" r:id="rId14"/>
+    <p:sldId id="311" r:id="rId15"/>
+    <p:sldId id="312" r:id="rId16"/>
+    <p:sldId id="300" r:id="rId17"/>
+    <p:sldId id="308" r:id="rId18"/>
+    <p:sldId id="295" r:id="rId19"/>
+    <p:sldId id="296" r:id="rId20"/>
+    <p:sldId id="301" r:id="rId21"/>
+    <p:sldId id="297" r:id="rId22"/>
+    <p:sldId id="307" r:id="rId23"/>
+    <p:sldId id="305" r:id="rId24"/>
+    <p:sldId id="304" r:id="rId25"/>
+    <p:sldId id="306" r:id="rId26"/>
   </p:sldIdLst>
   <p:sldSz cx="9144000" cy="6858000" type="screen4x3"/>
   <p:notesSz cx="6858000" cy="9144000"/>
@@ -283,7 +290,7 @@
           <a:p>
             <a:fld id="{CFB5E580-610C-478E-87E4-2D004C324BCF}" type="datetimeFigureOut">
               <a:rPr lang="en-IN" smtClean="0"/>
-              <a:t>09-04-2014</a:t>
+              <a:t>16-04-2014</a:t>
             </a:fld>
             <a:endParaRPr lang="en-IN"/>
           </a:p>
@@ -642,7 +649,7 @@
           <a:p>
             <a:fld id="{CFB5E580-610C-478E-87E4-2D004C324BCF}" type="datetimeFigureOut">
               <a:rPr lang="en-IN" smtClean="0"/>
-              <a:t>09-04-2014</a:t>
+              <a:t>16-04-2014</a:t>
             </a:fld>
             <a:endParaRPr lang="en-IN"/>
           </a:p>
@@ -817,7 +824,7 @@
           <a:p>
             <a:fld id="{CFB5E580-610C-478E-87E4-2D004C324BCF}" type="datetimeFigureOut">
               <a:rPr lang="en-IN" smtClean="0"/>
-              <a:t>09-04-2014</a:t>
+              <a:t>16-04-2014</a:t>
             </a:fld>
             <a:endParaRPr lang="en-IN"/>
           </a:p>
@@ -1052,7 +1059,7 @@
           <a:p>
             <a:fld id="{CFB5E580-610C-478E-87E4-2D004C324BCF}" type="datetimeFigureOut">
               <a:rPr lang="en-IN" smtClean="0"/>
-              <a:t>09-04-2014</a:t>
+              <a:t>16-04-2014</a:t>
             </a:fld>
             <a:endParaRPr lang="en-IN"/>
           </a:p>
@@ -1321,7 +1328,7 @@
           <a:p>
             <a:fld id="{CFB5E580-610C-478E-87E4-2D004C324BCF}" type="datetimeFigureOut">
               <a:rPr lang="en-IN" smtClean="0"/>
-              <a:t>09-04-2014</a:t>
+              <a:t>16-04-2014</a:t>
             </a:fld>
             <a:endParaRPr lang="en-IN"/>
           </a:p>
@@ -1541,7 +1548,7 @@
           <a:p>
             <a:fld id="{CFB5E580-610C-478E-87E4-2D004C324BCF}" type="datetimeFigureOut">
               <a:rPr lang="en-IN" smtClean="0"/>
-              <a:t>09-04-2014</a:t>
+              <a:t>16-04-2014</a:t>
             </a:fld>
             <a:endParaRPr lang="en-IN"/>
           </a:p>
@@ -1893,7 +1900,7 @@
           <a:p>
             <a:fld id="{CFB5E580-610C-478E-87E4-2D004C324BCF}" type="datetimeFigureOut">
               <a:rPr lang="en-IN" smtClean="0"/>
-              <a:t>09-04-2014</a:t>
+              <a:t>16-04-2014</a:t>
             </a:fld>
             <a:endParaRPr lang="en-IN"/>
           </a:p>
@@ -2125,7 +2132,7 @@
           <a:p>
             <a:fld id="{CFB5E580-610C-478E-87E4-2D004C324BCF}" type="datetimeFigureOut">
               <a:rPr lang="en-IN" smtClean="0"/>
-              <a:t>09-04-2014</a:t>
+              <a:t>16-04-2014</a:t>
             </a:fld>
             <a:endParaRPr lang="en-IN"/>
           </a:p>
@@ -2265,7 +2272,7 @@
           <a:p>
             <a:fld id="{CFB5E580-610C-478E-87E4-2D004C324BCF}" type="datetimeFigureOut">
               <a:rPr lang="en-IN" smtClean="0"/>
-              <a:t>09-04-2014</a:t>
+              <a:t>16-04-2014</a:t>
             </a:fld>
             <a:endParaRPr lang="en-IN"/>
           </a:p>
@@ -2542,7 +2549,7 @@
           <a:p>
             <a:fld id="{CFB5E580-610C-478E-87E4-2D004C324BCF}" type="datetimeFigureOut">
               <a:rPr lang="en-IN" smtClean="0"/>
-              <a:t>09-04-2014</a:t>
+              <a:t>16-04-2014</a:t>
             </a:fld>
             <a:endParaRPr lang="en-IN"/>
           </a:p>
@@ -2949,7 +2956,7 @@
           <a:p>
             <a:fld id="{CFB5E580-610C-478E-87E4-2D004C324BCF}" type="datetimeFigureOut">
               <a:rPr lang="en-IN" smtClean="0"/>
-              <a:t>09-04-2014</a:t>
+              <a:t>16-04-2014</a:t>
             </a:fld>
             <a:endParaRPr lang="en-IN"/>
           </a:p>
@@ -3287,7 +3294,7 @@
           <a:p>
             <a:fld id="{CFB5E580-610C-478E-87E4-2D004C324BCF}" type="datetimeFigureOut">
               <a:rPr lang="en-IN" smtClean="0"/>
-              <a:t>09-04-2014</a:t>
+              <a:t>16-04-2014</a:t>
             </a:fld>
             <a:endParaRPr lang="en-IN"/>
           </a:p>
@@ -3904,6 +3911,126 @@
       </p:grpSpPr>
       <p:sp>
         <p:nvSpPr>
+          <p:cNvPr id="6" name="Text Placeholder 5"/>
+          <p:cNvSpPr>
+            <a:spLocks noGrp="1"/>
+          </p:cNvSpPr>
+          <p:nvPr>
+            <p:ph type="body" idx="2"/>
+          </p:nvPr>
+        </p:nvSpPr>
+        <p:spPr/>
+        <p:txBody>
+          <a:bodyPr anchor="t"/>
+          <a:lstStyle/>
+          <a:p>
+            <a:r>
+              <a:rPr lang="en-US" sz="2000" b="1" dirty="0" smtClean="0">
+                <a:solidFill>
+                  <a:srgbClr val="464653"/>
+                </a:solidFill>
+              </a:rPr>
+              <a:t>8-Tiles : Better Heuristic Performs Better</a:t>
+            </a:r>
+            <a:endParaRPr lang="en-US" dirty="0" smtClean="0"/>
+          </a:p>
+          <a:p>
+            <a:r>
+              <a:rPr lang="en-US" dirty="0" smtClean="0"/>
+              <a:t>1. Comparison of various heuristics employed for 8-tiles problem. </a:t>
+            </a:r>
+          </a:p>
+          <a:p>
+            <a:r>
+              <a:rPr lang="en-US" dirty="0" smtClean="0"/>
+              <a:t>2. Manhattan distance performs best whereas the trivial heuristic is the poorest. </a:t>
+            </a:r>
+          </a:p>
+          <a:p>
+            <a:r>
+              <a:rPr lang="en-US" dirty="0" smtClean="0"/>
+              <a:t>3. The </a:t>
+            </a:r>
+            <a:r>
+              <a:rPr lang="en-US" dirty="0" err="1" smtClean="0"/>
+              <a:t>inversion_pairs</a:t>
+            </a:r>
+            <a:r>
+              <a:rPr lang="en-US" dirty="0" smtClean="0"/>
+              <a:t>/2 heuristic performs worse than Manhattan and displaced tiles. </a:t>
+            </a:r>
+            <a:endParaRPr lang="en-IN" dirty="0"/>
+          </a:p>
+        </p:txBody>
+      </p:sp>
+      <p:pic>
+        <p:nvPicPr>
+          <p:cNvPr id="5" name="Content Placeholder 4"/>
+          <p:cNvPicPr>
+            <a:picLocks noGrp="1" noChangeAspect="1"/>
+          </p:cNvPicPr>
+          <p:nvPr>
+            <p:ph sz="quarter" idx="1"/>
+          </p:nvPr>
+        </p:nvPicPr>
+        <p:blipFill>
+          <a:blip r:embed="rId2">
+            <a:extLst>
+              <a:ext uri="{28A0092B-C50C-407E-A947-70E740481C1C}">
+                <a14:useLocalDpi xmlns:a14="http://schemas.microsoft.com/office/drawing/2010/main" val="0"/>
+              </a:ext>
+            </a:extLst>
+          </a:blip>
+          <a:stretch>
+            <a:fillRect/>
+          </a:stretch>
+        </p:blipFill>
+        <p:spPr>
+          <a:xfrm>
+            <a:off x="107504" y="1346318"/>
+            <a:ext cx="6048672" cy="4242921"/>
+          </a:xfrm>
+        </p:spPr>
+      </p:pic>
+    </p:spTree>
+    <p:extLst>
+      <p:ext uri="{BB962C8B-B14F-4D97-AF65-F5344CB8AC3E}">
+        <p14:creationId xmlns:p14="http://schemas.microsoft.com/office/powerpoint/2010/main" val="4199229702"/>
+      </p:ext>
+    </p:extLst>
+  </p:cSld>
+  <p:clrMapOvr>
+    <a:masterClrMapping/>
+  </p:clrMapOvr>
+  <p:timing>
+    <p:tnLst>
+      <p:par>
+        <p:cTn id="1" dur="indefinite" restart="never" nodeType="tmRoot"/>
+      </p:par>
+    </p:tnLst>
+  </p:timing>
+</p:sld>
+</file>
+
+<file path=ppt/slides/slide11.xml><?xml version="1.0" encoding="utf-8"?>
+<p:sld xmlns:a="http://schemas.openxmlformats.org/drawingml/2006/main" xmlns:r="http://schemas.openxmlformats.org/officeDocument/2006/relationships" xmlns:p="http://schemas.openxmlformats.org/presentationml/2006/main">
+  <p:cSld>
+    <p:spTree>
+      <p:nvGrpSpPr>
+        <p:cNvPr id="1" name=""/>
+        <p:cNvGrpSpPr/>
+        <p:nvPr/>
+      </p:nvGrpSpPr>
+      <p:grpSpPr>
+        <a:xfrm>
+          <a:off x="0" y="0"/>
+          <a:ext cx="0" cy="0"/>
+          <a:chOff x="0" y="0"/>
+          <a:chExt cx="0" cy="0"/>
+        </a:xfrm>
+      </p:grpSpPr>
+      <p:sp>
+        <p:nvSpPr>
           <p:cNvPr id="2" name="Title 1"/>
           <p:cNvSpPr>
             <a:spLocks noGrp="1"/>
@@ -3998,15 +4125,11 @@
             <a:pPr lvl="1"/>
             <a:r>
               <a:rPr lang="en-US" dirty="0" smtClean="0"/>
-              <a:t>Violates </a:t>
-            </a:r>
-            <a:r>
-              <a:rPr lang="en-US" dirty="0" err="1"/>
-              <a:t>admissiblity</a:t>
+              <a:t>Violates admissibility </a:t>
             </a:r>
             <a:r>
               <a:rPr lang="en-US" dirty="0"/>
-              <a:t> of A</a:t>
+              <a:t>of A</a:t>
             </a:r>
             <a:r>
               <a:rPr lang="en-US" dirty="0" smtClean="0"/>
@@ -4018,19 +4141,7 @@
             <a:pPr lvl="1"/>
             <a:r>
               <a:rPr lang="en-US" dirty="0" smtClean="0"/>
-              <a:t>Violates </a:t>
-            </a:r>
-            <a:r>
-              <a:rPr lang="en-US" dirty="0" err="1"/>
-              <a:t>Montone</a:t>
-            </a:r>
-            <a:r>
-              <a:rPr lang="en-US" dirty="0"/>
-              <a:t> </a:t>
-            </a:r>
-            <a:r>
-              <a:rPr lang="en-US" dirty="0" smtClean="0"/>
-              <a:t>Restriction.</a:t>
+              <a:t>Violates Monotone Restriction.</a:t>
             </a:r>
           </a:p>
           <a:p>
@@ -5129,114 +5240,6 @@
 </p:sld>
 </file>
 
-<file path=ppt/slides/slide11.xml><?xml version="1.0" encoding="utf-8"?>
-<p:sld xmlns:a="http://schemas.openxmlformats.org/drawingml/2006/main" xmlns:r="http://schemas.openxmlformats.org/officeDocument/2006/relationships" xmlns:p="http://schemas.openxmlformats.org/presentationml/2006/main">
-  <p:cSld>
-    <p:spTree>
-      <p:nvGrpSpPr>
-        <p:cNvPr id="1" name=""/>
-        <p:cNvGrpSpPr/>
-        <p:nvPr/>
-      </p:nvGrpSpPr>
-      <p:grpSpPr>
-        <a:xfrm>
-          <a:off x="0" y="0"/>
-          <a:ext cx="0" cy="0"/>
-          <a:chOff x="0" y="0"/>
-          <a:chExt cx="0" cy="0"/>
-        </a:xfrm>
-      </p:grpSpPr>
-      <p:sp>
-        <p:nvSpPr>
-          <p:cNvPr id="2" name="Title 1"/>
-          <p:cNvSpPr>
-            <a:spLocks noGrp="1"/>
-          </p:cNvSpPr>
-          <p:nvPr>
-            <p:ph type="title"/>
-          </p:nvPr>
-        </p:nvSpPr>
-        <p:spPr/>
-        <p:txBody>
-          <a:bodyPr/>
-          <a:lstStyle/>
-          <a:p>
-            <a:r>
-              <a:rPr lang="en-US" dirty="0" smtClean="0"/>
-              <a:t>8-Tiles Puzzle : Non-Reachability</a:t>
-            </a:r>
-            <a:endParaRPr lang="en-IN" dirty="0"/>
-          </a:p>
-        </p:txBody>
-      </p:sp>
-      <p:sp>
-        <p:nvSpPr>
-          <p:cNvPr id="3" name="Content Placeholder 2"/>
-          <p:cNvSpPr>
-            <a:spLocks noGrp="1"/>
-          </p:cNvSpPr>
-          <p:nvPr>
-            <p:ph sz="quarter" idx="1"/>
-          </p:nvPr>
-        </p:nvSpPr>
-        <p:spPr/>
-        <p:txBody>
-          <a:bodyPr/>
-          <a:lstStyle/>
-          <a:p>
-            <a:pPr lvl="1"/>
-            <a:r>
-              <a:rPr lang="en-US" dirty="0"/>
-              <a:t>One operation i.e. moving a tile to the blank space results in change in number of inversion pairs either by 0 or 2. </a:t>
-            </a:r>
-            <a:endParaRPr lang="en-US" dirty="0" smtClean="0"/>
-          </a:p>
-          <a:p>
-            <a:pPr marL="274320" lvl="1" indent="0">
-              <a:buNone/>
-            </a:pPr>
-            <a:endParaRPr lang="en-US" dirty="0"/>
-          </a:p>
-          <a:p>
-            <a:pPr lvl="1"/>
-            <a:r>
-              <a:rPr lang="en-US" dirty="0" smtClean="0"/>
-              <a:t>Therefore, the difference between the number of inversion pairs of the start configuration and the goal configuration should be even for reachability.</a:t>
-            </a:r>
-          </a:p>
-          <a:p>
-            <a:pPr lvl="1"/>
-            <a:endParaRPr lang="en-US" dirty="0"/>
-          </a:p>
-          <a:p>
-            <a:pPr lvl="1"/>
-            <a:r>
-              <a:rPr lang="en-US" dirty="0" smtClean="0"/>
-              <a:t>If the difference between the number of inversion pairs is odd, then the 8-puzzle problem is not solvable. </a:t>
-            </a:r>
-          </a:p>
-        </p:txBody>
-      </p:sp>
-    </p:spTree>
-    <p:extLst>
-      <p:ext uri="{BB962C8B-B14F-4D97-AF65-F5344CB8AC3E}">
-        <p14:creationId xmlns:p14="http://schemas.microsoft.com/office/powerpoint/2010/main" val="259317267"/>
-      </p:ext>
-    </p:extLst>
-  </p:cSld>
-  <p:clrMapOvr>
-    <a:masterClrMapping/>
-  </p:clrMapOvr>
-  <p:timing>
-    <p:tnLst>
-      <p:par>
-        <p:cTn id="1" dur="indefinite" restart="never" nodeType="tmRoot"/>
-      </p:par>
-    </p:tnLst>
-  </p:timing>
-</p:sld>
-</file>
-
 <file path=ppt/slides/slide12.xml><?xml version="1.0" encoding="utf-8"?>
 <p:sld xmlns:a="http://schemas.openxmlformats.org/drawingml/2006/main" xmlns:r="http://schemas.openxmlformats.org/officeDocument/2006/relationships" xmlns:p="http://schemas.openxmlformats.org/presentationml/2006/main">
   <p:cSld>
@@ -5267,13 +5270,13 @@
         <p:spPr/>
         <p:txBody>
           <a:bodyPr>
-            <a:normAutofit/>
+            <a:normAutofit fontScale="90000"/>
           </a:bodyPr>
           <a:lstStyle/>
           <a:p>
             <a:r>
               <a:rPr lang="en-US" dirty="0" smtClean="0"/>
-              <a:t>Missionaries and Cannibal Problem</a:t>
+              <a:t>8-Tiles: Parent Pointer Redirection with H4</a:t>
             </a:r>
             <a:endParaRPr lang="en-IN" dirty="0"/>
           </a:p>
@@ -5291,118 +5294,361 @@
         </p:nvSpPr>
         <p:spPr/>
         <p:txBody>
-          <a:bodyPr>
-            <a:normAutofit lnSpcReduction="10000"/>
-          </a:bodyPr>
+          <a:bodyPr/>
           <a:lstStyle/>
           <a:p>
             <a:r>
               <a:rPr lang="en-US" dirty="0" smtClean="0"/>
-              <a:t>Configuration</a:t>
-            </a:r>
-          </a:p>
-          <a:p>
-            <a:pPr lvl="1"/>
-            <a:r>
-              <a:rPr lang="en-US" dirty="0" smtClean="0"/>
-              <a:t>&lt;#M, #C, P&gt; </a:t>
-            </a:r>
-          </a:p>
-          <a:p>
-            <a:pPr lvl="1"/>
-            <a:r>
-              <a:rPr lang="en-IN" sz="2500" i="1" dirty="0"/>
-              <a:t>#M </a:t>
-            </a:r>
-            <a:r>
-              <a:rPr lang="en-IN" sz="2500" dirty="0"/>
-              <a:t>= Number of missionaries on bank </a:t>
-            </a:r>
-            <a:r>
-              <a:rPr lang="en-IN" sz="2500" i="1" dirty="0"/>
-              <a:t>L</a:t>
-            </a:r>
-          </a:p>
-          <a:p>
-            <a:pPr lvl="1"/>
-            <a:r>
-              <a:rPr lang="en-IN" sz="2500" i="1" dirty="0"/>
-              <a:t>#C </a:t>
-            </a:r>
-            <a:r>
-              <a:rPr lang="en-IN" sz="2500" dirty="0"/>
-              <a:t>= Number of cannibals on bank </a:t>
-            </a:r>
-            <a:r>
-              <a:rPr lang="en-IN" sz="2500" i="1" dirty="0"/>
-              <a:t>L</a:t>
-            </a:r>
-          </a:p>
-          <a:p>
-            <a:pPr lvl="1"/>
-            <a:r>
-              <a:rPr lang="en-IN" sz="2500" i="1" dirty="0"/>
-              <a:t>P </a:t>
-            </a:r>
-            <a:r>
-              <a:rPr lang="en-IN" sz="2500" dirty="0"/>
-              <a:t>= Position of the boat</a:t>
+              <a:t>Keeping the final state = </a:t>
+            </a:r>
+            <a:r>
+              <a:rPr lang="en-IN" dirty="0"/>
+              <a:t>[[1,2,3],[8,0,4],[7,6,5]]</a:t>
             </a:r>
             <a:endParaRPr lang="en-US" dirty="0" smtClean="0"/>
           </a:p>
           <a:p>
-            <a:r>
-              <a:rPr lang="en-US" dirty="0" smtClean="0"/>
-              <a:t>Constraint</a:t>
-            </a:r>
-          </a:p>
-          <a:p>
-            <a:pPr lvl="1"/>
-            <a:r>
-              <a:rPr lang="en-IN" dirty="0" smtClean="0"/>
-              <a:t>For </a:t>
-            </a:r>
-            <a:r>
-              <a:rPr lang="en-IN" dirty="0"/>
-              <a:t>both banks, if there are missionaries present on the bank, they cannot be outnumbered by cannibals (if they were, the cannibals would eat the missionaries</a:t>
-            </a:r>
-            <a:r>
-              <a:rPr lang="en-IN" dirty="0" smtClean="0"/>
-              <a:t>).</a:t>
-            </a:r>
-          </a:p>
-          <a:p>
-            <a:r>
-              <a:rPr lang="en-US" dirty="0" smtClean="0"/>
-              <a:t>Objective</a:t>
-            </a:r>
-          </a:p>
-          <a:p>
-            <a:pPr lvl="1"/>
-            <a:r>
-              <a:rPr lang="en-IN" dirty="0"/>
-              <a:t>How can the boat be used to safely carry all the missionaries and cannibals across the river?</a:t>
-            </a:r>
+            <a:pPr lvl="1"/>
             <a:endParaRPr lang="en-US" dirty="0" smtClean="0"/>
           </a:p>
           <a:p>
             <a:pPr lvl="1"/>
             <a:endParaRPr lang="en-US" dirty="0" smtClean="0"/>
           </a:p>
-          <a:p>
-            <a:pPr lvl="1"/>
-            <a:endParaRPr lang="en-US" dirty="0" smtClean="0"/>
-          </a:p>
-          <a:p>
-            <a:pPr lvl="1"/>
-            <a:endParaRPr lang="en-US" dirty="0" smtClean="0"/>
-          </a:p>
-        </p:txBody>
-      </p:sp>
+        </p:txBody>
+      </p:sp>
+      <p:graphicFrame>
+        <p:nvGraphicFramePr>
+          <p:cNvPr id="4" name="Table 3"/>
+          <p:cNvGraphicFramePr>
+            <a:graphicFrameLocks noGrp="1"/>
+          </p:cNvGraphicFramePr>
+          <p:nvPr>
+            <p:extLst>
+              <p:ext uri="{D42A27DB-BD31-4B8C-83A1-F6EECF244321}">
+                <p14:modId xmlns:p14="http://schemas.microsoft.com/office/powerpoint/2010/main" val="2581412974"/>
+              </p:ext>
+            </p:extLst>
+          </p:nvPr>
+        </p:nvGraphicFramePr>
+        <p:xfrm>
+          <a:off x="1187624" y="1829006"/>
+          <a:ext cx="6648400" cy="3616218"/>
+        </p:xfrm>
+        <a:graphic>
+          <a:graphicData uri="http://schemas.openxmlformats.org/drawingml/2006/table">
+            <a:tbl>
+              <a:tblPr firstRow="1" bandRow="1">
+                <a:tableStyleId>{5C22544A-7EE6-4342-B048-85BDC9FD1C3A}</a:tableStyleId>
+              </a:tblPr>
+              <a:tblGrid>
+                <a:gridCol w="3324200"/>
+                <a:gridCol w="3324200"/>
+              </a:tblGrid>
+              <a:tr h="496023">
+                <a:tc>
+                  <a:txBody>
+                    <a:bodyPr/>
+                    <a:lstStyle/>
+                    <a:p>
+                      <a:pPr algn="ctr"/>
+                      <a:r>
+                        <a:rPr lang="en-US" dirty="0" smtClean="0"/>
+                        <a:t>Start State</a:t>
+                      </a:r>
+                      <a:endParaRPr lang="en-IN" dirty="0"/>
+                    </a:p>
+                  </a:txBody>
+                  <a:tcPr/>
+                </a:tc>
+                <a:tc>
+                  <a:txBody>
+                    <a:bodyPr/>
+                    <a:lstStyle/>
+                    <a:p>
+                      <a:pPr algn="ctr"/>
+                      <a:r>
+                        <a:rPr lang="en-US" dirty="0" smtClean="0"/>
+                        <a:t>Parent Pointer Direction Happens</a:t>
+                      </a:r>
+                      <a:endParaRPr lang="en-IN" dirty="0"/>
+                    </a:p>
+                  </a:txBody>
+                  <a:tcPr/>
+                </a:tc>
+              </a:tr>
+              <a:tr h="496023">
+                <a:tc>
+                  <a:txBody>
+                    <a:bodyPr/>
+                    <a:lstStyle/>
+                    <a:p>
+                      <a:pPr algn="ctr"/>
+                      <a:r>
+                        <a:rPr lang="en-IN" dirty="0" smtClean="0"/>
+                        <a:t>[[3,5,8],[4,1,6],[2,7,0]]</a:t>
+                      </a:r>
+                      <a:endParaRPr lang="en-IN" dirty="0"/>
+                    </a:p>
+                  </a:txBody>
+                  <a:tcPr/>
+                </a:tc>
+                <a:tc>
+                  <a:txBody>
+                    <a:bodyPr/>
+                    <a:lstStyle/>
+                    <a:p>
+                      <a:pPr algn="ctr"/>
+                      <a:r>
+                        <a:rPr lang="en-IN" dirty="0" smtClean="0">
+                          <a:sym typeface="Wingdings"/>
+                        </a:rPr>
+                        <a:t></a:t>
+                      </a:r>
+                      <a:endParaRPr lang="en-IN" dirty="0"/>
+                    </a:p>
+                  </a:txBody>
+                  <a:tcPr/>
+                </a:tc>
+              </a:tr>
+              <a:tr h="496023">
+                <a:tc>
+                  <a:txBody>
+                    <a:bodyPr/>
+                    <a:lstStyle/>
+                    <a:p>
+                      <a:pPr marL="0" marR="0" indent="0" algn="ctr" defTabSz="914400" rtl="0" eaLnBrk="1" fontAlgn="auto" latinLnBrk="0" hangingPunct="1">
+                        <a:lnSpc>
+                          <a:spcPct val="100000"/>
+                        </a:lnSpc>
+                        <a:spcBef>
+                          <a:spcPts val="0"/>
+                        </a:spcBef>
+                        <a:spcAft>
+                          <a:spcPts val="0"/>
+                        </a:spcAft>
+                        <a:buClrTx/>
+                        <a:buSzTx/>
+                        <a:buFontTx/>
+                        <a:buNone/>
+                        <a:tabLst/>
+                        <a:defRPr/>
+                      </a:pPr>
+                      <a:r>
+                        <a:rPr lang="en-IN" dirty="0" smtClean="0"/>
+                        <a:t>[[3,1,4],[6,2,8],[0,5,7]]</a:t>
+                      </a:r>
+                    </a:p>
+                  </a:txBody>
+                  <a:tcPr/>
+                </a:tc>
+                <a:tc>
+                  <a:txBody>
+                    <a:bodyPr/>
+                    <a:lstStyle/>
+                    <a:p>
+                      <a:pPr marL="0" marR="0" indent="0" algn="ctr" defTabSz="914400" rtl="0" eaLnBrk="1" fontAlgn="auto" latinLnBrk="0" hangingPunct="1">
+                        <a:lnSpc>
+                          <a:spcPct val="100000"/>
+                        </a:lnSpc>
+                        <a:spcBef>
+                          <a:spcPts val="0"/>
+                        </a:spcBef>
+                        <a:spcAft>
+                          <a:spcPts val="0"/>
+                        </a:spcAft>
+                        <a:buClrTx/>
+                        <a:buSzTx/>
+                        <a:buFontTx/>
+                        <a:buNone/>
+                        <a:tabLst/>
+                        <a:defRPr/>
+                      </a:pPr>
+                      <a:r>
+                        <a:rPr lang="en-IN" dirty="0" smtClean="0">
+                          <a:sym typeface="Wingdings"/>
+                        </a:rPr>
+                        <a:t></a:t>
+                      </a:r>
+                      <a:endParaRPr lang="en-IN" dirty="0" smtClean="0"/>
+                    </a:p>
+                  </a:txBody>
+                  <a:tcPr/>
+                </a:tc>
+              </a:tr>
+              <a:tr h="496023">
+                <a:tc>
+                  <a:txBody>
+                    <a:bodyPr/>
+                    <a:lstStyle/>
+                    <a:p>
+                      <a:pPr algn="ctr"/>
+                      <a:r>
+                        <a:rPr lang="en-IN" dirty="0" smtClean="0"/>
+                        <a:t>[[8,3,5],[4,1,6],[2,7,0]]</a:t>
+                      </a:r>
+                      <a:endParaRPr lang="en-IN" dirty="0"/>
+                    </a:p>
+                  </a:txBody>
+                  <a:tcPr/>
+                </a:tc>
+                <a:tc>
+                  <a:txBody>
+                    <a:bodyPr/>
+                    <a:lstStyle/>
+                    <a:p>
+                      <a:pPr marL="0" marR="0" indent="0" algn="ctr" defTabSz="914400" rtl="0" eaLnBrk="1" fontAlgn="auto" latinLnBrk="0" hangingPunct="1">
+                        <a:lnSpc>
+                          <a:spcPct val="100000"/>
+                        </a:lnSpc>
+                        <a:spcBef>
+                          <a:spcPts val="0"/>
+                        </a:spcBef>
+                        <a:spcAft>
+                          <a:spcPts val="0"/>
+                        </a:spcAft>
+                        <a:buClrTx/>
+                        <a:buSzTx/>
+                        <a:buFontTx/>
+                        <a:buNone/>
+                        <a:tabLst/>
+                        <a:defRPr/>
+                      </a:pPr>
+                      <a:r>
+                        <a:rPr lang="en-IN" dirty="0" smtClean="0">
+                          <a:sym typeface="Wingdings"/>
+                        </a:rPr>
+                        <a:t></a:t>
+                      </a:r>
+                      <a:endParaRPr lang="en-IN" dirty="0" smtClean="0"/>
+                    </a:p>
+                  </a:txBody>
+                  <a:tcPr/>
+                </a:tc>
+              </a:tr>
+              <a:tr h="496023">
+                <a:tc>
+                  <a:txBody>
+                    <a:bodyPr/>
+                    <a:lstStyle/>
+                    <a:p>
+                      <a:pPr algn="ctr"/>
+                      <a:r>
+                        <a:rPr lang="en-IN" dirty="0" smtClean="0"/>
+                        <a:t>[[2,8,1],[4,6,3],[0,7,5]]</a:t>
+                      </a:r>
+                    </a:p>
+                  </a:txBody>
+                  <a:tcPr/>
+                </a:tc>
+                <a:tc>
+                  <a:txBody>
+                    <a:bodyPr/>
+                    <a:lstStyle/>
+                    <a:p>
+                      <a:pPr algn="ctr"/>
+                      <a:r>
+                        <a:rPr lang="en-IN" dirty="0" smtClean="0">
+                          <a:sym typeface="Wingdings"/>
+                        </a:rPr>
+                        <a:t></a:t>
+                      </a:r>
+                      <a:endParaRPr lang="en-IN" dirty="0"/>
+                    </a:p>
+                  </a:txBody>
+                  <a:tcPr/>
+                </a:tc>
+              </a:tr>
+              <a:tr h="496023">
+                <a:tc>
+                  <a:txBody>
+                    <a:bodyPr/>
+                    <a:lstStyle/>
+                    <a:p>
+                      <a:pPr algn="ctr"/>
+                      <a:r>
+                        <a:rPr lang="en-IN" dirty="0" smtClean="0"/>
+                        <a:t>[[1,2,3],[6,5,4],[0,7,8]]</a:t>
+                      </a:r>
+                    </a:p>
+                  </a:txBody>
+                  <a:tcPr/>
+                </a:tc>
+                <a:tc>
+                  <a:txBody>
+                    <a:bodyPr/>
+                    <a:lstStyle/>
+                    <a:p>
+                      <a:pPr algn="ctr"/>
+                      <a:r>
+                        <a:rPr lang="en-IN" dirty="0" smtClean="0">
+                          <a:sym typeface="Wingdings"/>
+                        </a:rPr>
+                        <a:t></a:t>
+                      </a:r>
+                      <a:endParaRPr lang="en-IN" dirty="0"/>
+                    </a:p>
+                  </a:txBody>
+                  <a:tcPr/>
+                </a:tc>
+              </a:tr>
+              <a:tr h="496023">
+                <a:tc>
+                  <a:txBody>
+                    <a:bodyPr/>
+                    <a:lstStyle/>
+                    <a:p>
+                      <a:pPr marL="0" marR="0" indent="0" algn="ctr" defTabSz="914400" rtl="0" eaLnBrk="1" fontAlgn="auto" latinLnBrk="0" hangingPunct="1">
+                        <a:lnSpc>
+                          <a:spcPct val="100000"/>
+                        </a:lnSpc>
+                        <a:spcBef>
+                          <a:spcPts val="0"/>
+                        </a:spcBef>
+                        <a:spcAft>
+                          <a:spcPts val="0"/>
+                        </a:spcAft>
+                        <a:buClrTx/>
+                        <a:buSzTx/>
+                        <a:buFontTx/>
+                        <a:buNone/>
+                        <a:tabLst/>
+                        <a:defRPr/>
+                      </a:pPr>
+                      <a:r>
+                        <a:rPr lang="en-IN" dirty="0" smtClean="0"/>
+                        <a:t>[[1,3,2],[4,0,8],[7,6,5]]</a:t>
+                      </a:r>
+                    </a:p>
+                  </a:txBody>
+                  <a:tcPr/>
+                </a:tc>
+                <a:tc>
+                  <a:txBody>
+                    <a:bodyPr/>
+                    <a:lstStyle/>
+                    <a:p>
+                      <a:pPr algn="ctr"/>
+                      <a:r>
+                        <a:rPr lang="en-IN" dirty="0" smtClean="0">
+                          <a:sym typeface="Wingdings"/>
+                        </a:rPr>
+                        <a:t></a:t>
+                      </a:r>
+                      <a:endParaRPr lang="en-IN" dirty="0"/>
+                    </a:p>
+                  </a:txBody>
+                  <a:tcPr/>
+                </a:tc>
+              </a:tr>
+            </a:tbl>
+          </a:graphicData>
+        </a:graphic>
+      </p:graphicFrame>
     </p:spTree>
     <p:extLst>
       <p:ext uri="{BB962C8B-B14F-4D97-AF65-F5344CB8AC3E}">
-        <p14:creationId xmlns:p14="http://schemas.microsoft.com/office/powerpoint/2010/main" val="3502751093"/>
+        <p14:creationId xmlns:p14="http://schemas.microsoft.com/office/powerpoint/2010/main" val="859966058"/>
       </p:ext>
     </p:extLst>
   </p:cSld>
@@ -5448,18 +5694,12 @@
         </p:nvSpPr>
         <p:spPr/>
         <p:txBody>
-          <a:bodyPr>
-            <a:normAutofit/>
-          </a:bodyPr>
+          <a:bodyPr/>
           <a:lstStyle/>
           <a:p>
             <a:r>
-              <a:rPr lang="en-US" dirty="0"/>
-              <a:t>Missionaries and </a:t>
-            </a:r>
-            <a:r>
-              <a:rPr lang="en-US" dirty="0" smtClean="0"/>
-              <a:t>Cannibals: Heuristics</a:t>
+              <a:rPr lang="en-US" dirty="0" smtClean="0"/>
+              <a:t>8-Tiles Puzzle Problem : Heuristics</a:t>
             </a:r>
             <a:endParaRPr lang="en-IN" dirty="0"/>
           </a:p>
@@ -5477,13 +5717,24 @@
         </p:nvSpPr>
         <p:spPr/>
         <p:txBody>
-          <a:bodyPr/>
+          <a:bodyPr>
+            <a:normAutofit lnSpcReduction="10000"/>
+          </a:bodyPr>
           <a:lstStyle/>
           <a:p>
             <a:r>
-              <a:rPr lang="en-IN" dirty="0"/>
-              <a:t>H0 : Trivial Heuristic</a:t>
-            </a:r>
+              <a:rPr lang="en-US" dirty="0" smtClean="0"/>
+              <a:t>H5 </a:t>
+            </a:r>
+            <a:r>
+              <a:rPr lang="en-US" dirty="0"/>
+              <a:t>: </a:t>
+            </a:r>
+            <a:r>
+              <a:rPr lang="en-US" dirty="0" smtClean="0"/>
+              <a:t>modified displaced tiles</a:t>
+            </a:r>
+            <a:endParaRPr lang="en-US" dirty="0"/>
           </a:p>
           <a:p>
             <a:pPr lvl="1"/>
@@ -5493,102 +5744,34 @@
             </a:r>
             <a:r>
               <a:rPr lang="en-US" i="1" dirty="0"/>
-              <a:t> = 0 </a:t>
-            </a:r>
-          </a:p>
-          <a:p>
-            <a:pPr lvl="1"/>
-            <a:r>
-              <a:rPr lang="en-US" dirty="0"/>
-              <a:t>Satisfies </a:t>
-            </a:r>
-            <a:r>
-              <a:rPr lang="en-US" dirty="0" err="1"/>
-              <a:t>admissiblity</a:t>
-            </a:r>
-            <a:r>
-              <a:rPr lang="en-US" dirty="0"/>
-              <a:t> of A* .</a:t>
-            </a:r>
-          </a:p>
-          <a:p>
-            <a:pPr lvl="1"/>
-            <a:r>
-              <a:rPr lang="en-US" dirty="0"/>
-              <a:t>Follows </a:t>
-            </a:r>
-            <a:r>
-              <a:rPr lang="en-US" dirty="0" err="1"/>
-              <a:t>Montone</a:t>
-            </a:r>
-            <a:r>
-              <a:rPr lang="en-US" dirty="0"/>
-              <a:t> Restriction</a:t>
-            </a:r>
-            <a:r>
-              <a:rPr lang="en-US" dirty="0" smtClean="0"/>
-              <a:t>.</a:t>
-            </a:r>
+              <a:t> </a:t>
+            </a:r>
+            <a:r>
+              <a:rPr lang="en-US" dirty="0" smtClean="0"/>
+              <a:t>=[#displaced tiles w.r.t. start state]*20 + 20</a:t>
+            </a:r>
+          </a:p>
+          <a:p>
+            <a:pPr lvl="1"/>
+            <a:r>
+              <a:rPr lang="en-US" dirty="0" smtClean="0"/>
+              <a:t>Violates admissibility of A*.</a:t>
+            </a:r>
+          </a:p>
+          <a:p>
+            <a:pPr lvl="1"/>
+            <a:r>
+              <a:rPr lang="en-US" dirty="0" smtClean="0"/>
+              <a:t>Violates Monotone Restriction.</a:t>
+            </a:r>
+          </a:p>
+          <a:p>
+            <a:pPr lvl="1"/>
+            <a:endParaRPr lang="en-US" dirty="0"/>
           </a:p>
           <a:p>
             <a:pPr lvl="1"/>
             <a:endParaRPr lang="en-US" dirty="0" smtClean="0"/>
-          </a:p>
-          <a:p>
-            <a:r>
-              <a:rPr lang="en-IN" dirty="0"/>
-              <a:t>H1 </a:t>
-            </a:r>
-            <a:r>
-              <a:rPr lang="en-IN" dirty="0" smtClean="0"/>
-              <a:t>: No. of persons left on L bank / 2</a:t>
-            </a:r>
-            <a:endParaRPr lang="en-IN" dirty="0"/>
-          </a:p>
-          <a:p>
-            <a:pPr lvl="1"/>
-            <a:r>
-              <a:rPr lang="en-US" i="1" dirty="0" err="1"/>
-              <a:t>hvalue</a:t>
-            </a:r>
-            <a:r>
-              <a:rPr lang="en-US" i="1" dirty="0"/>
-              <a:t> = </a:t>
-            </a:r>
-            <a:r>
-              <a:rPr lang="en-US" i="1" dirty="0" smtClean="0"/>
-              <a:t>(#M + #C)/2</a:t>
-            </a:r>
-          </a:p>
-          <a:p>
-            <a:pPr lvl="1"/>
-            <a:r>
-              <a:rPr lang="en-US" dirty="0" smtClean="0"/>
-              <a:t>Satisfies </a:t>
-            </a:r>
-            <a:r>
-              <a:rPr lang="en-US" dirty="0" err="1"/>
-              <a:t>admissiblity</a:t>
-            </a:r>
-            <a:r>
-              <a:rPr lang="en-US" dirty="0"/>
-              <a:t> of A* .</a:t>
-            </a:r>
-          </a:p>
-          <a:p>
-            <a:pPr lvl="1"/>
-            <a:r>
-              <a:rPr lang="en-US" dirty="0"/>
-              <a:t>Follows </a:t>
-            </a:r>
-            <a:r>
-              <a:rPr lang="en-US" dirty="0" err="1"/>
-              <a:t>Montone</a:t>
-            </a:r>
-            <a:r>
-              <a:rPr lang="en-US" dirty="0"/>
-              <a:t> Restriction.</a:t>
-            </a:r>
           </a:p>
           <a:p>
             <a:pPr marL="274320" lvl="1" indent="0">
@@ -5597,6 +5780,37 @@
             <a:endParaRPr lang="en-US" dirty="0"/>
           </a:p>
           <a:p>
+            <a:pPr lvl="1"/>
+            <a:endParaRPr lang="en-US" dirty="0" smtClean="0"/>
+          </a:p>
+          <a:p>
+            <a:pPr marL="274320" lvl="1" indent="0">
+              <a:buNone/>
+            </a:pPr>
+            <a:endParaRPr lang="en-US" dirty="0"/>
+          </a:p>
+          <a:p>
+            <a:pPr lvl="1"/>
+            <a:r>
+              <a:rPr lang="en-US" dirty="0" smtClean="0"/>
+              <a:t>          start state                    n                     final state</a:t>
+            </a:r>
+          </a:p>
+          <a:p>
+            <a:pPr lvl="1"/>
+            <a:r>
+              <a:rPr lang="en-US" dirty="0" smtClean="0"/>
+              <a:t>h(n) = 1*20+20 = 40 , h*(n) = 1	</a:t>
+            </a:r>
+          </a:p>
+          <a:p>
+            <a:pPr lvl="1"/>
+            <a:r>
+              <a:rPr lang="en-US" dirty="0" smtClean="0"/>
+              <a:t>Since h(n) &gt; h*(n), H5 is inadmissible. </a:t>
+            </a:r>
+          </a:p>
+          <a:p>
             <a:pPr marL="274320" lvl="1" indent="0">
               <a:buNone/>
             </a:pPr>
@@ -5612,10 +5826,1546 @@
           </a:p>
         </p:txBody>
       </p:sp>
+      <p:graphicFrame>
+        <p:nvGraphicFramePr>
+          <p:cNvPr id="5" name="Table 4"/>
+          <p:cNvGraphicFramePr>
+            <a:graphicFrameLocks noGrp="1"/>
+          </p:cNvGraphicFramePr>
+          <p:nvPr>
+            <p:extLst>
+              <p:ext uri="{D42A27DB-BD31-4B8C-83A1-F6EECF244321}">
+                <p14:modId xmlns:p14="http://schemas.microsoft.com/office/powerpoint/2010/main" val="4213095796"/>
+              </p:ext>
+            </p:extLst>
+          </p:nvPr>
+        </p:nvGraphicFramePr>
+        <p:xfrm>
+          <a:off x="3894589" y="3068960"/>
+          <a:ext cx="1469499" cy="1512168"/>
+        </p:xfrm>
+        <a:graphic>
+          <a:graphicData uri="http://schemas.openxmlformats.org/drawingml/2006/table">
+            <a:tbl>
+              <a:tblPr>
+                <a:tableStyleId>{5C22544A-7EE6-4342-B048-85BDC9FD1C3A}</a:tableStyleId>
+              </a:tblPr>
+              <a:tblGrid>
+                <a:gridCol w="489833"/>
+                <a:gridCol w="489833"/>
+                <a:gridCol w="489833"/>
+              </a:tblGrid>
+              <a:tr h="504056">
+                <a:tc>
+                  <a:txBody>
+                    <a:bodyPr/>
+                    <a:lstStyle/>
+                    <a:p>
+                      <a:pPr algn="ctr"/>
+                      <a:r>
+                        <a:rPr lang="en-US" dirty="0" smtClean="0"/>
+                        <a:t>1</a:t>
+                      </a:r>
+                      <a:endParaRPr lang="en-IN" dirty="0"/>
+                    </a:p>
+                  </a:txBody>
+                  <a:tcPr anchor="ctr">
+                    <a:lnL w="12700" cap="flat" cmpd="sng" algn="ctr">
+                      <a:solidFill>
+                        <a:schemeClr val="tx1"/>
+                      </a:solidFill>
+                      <a:prstDash val="solid"/>
+                      <a:round/>
+                      <a:headEnd type="none" w="med" len="med"/>
+                      <a:tailEnd type="none" w="med" len="med"/>
+                    </a:lnL>
+                    <a:lnR w="12700" cap="flat" cmpd="sng" algn="ctr">
+                      <a:solidFill>
+                        <a:schemeClr val="tx1"/>
+                      </a:solidFill>
+                      <a:prstDash val="solid"/>
+                      <a:round/>
+                      <a:headEnd type="none" w="med" len="med"/>
+                      <a:tailEnd type="none" w="med" len="med"/>
+                    </a:lnR>
+                    <a:lnT w="12700" cap="flat" cmpd="sng" algn="ctr">
+                      <a:solidFill>
+                        <a:schemeClr val="tx1"/>
+                      </a:solidFill>
+                      <a:prstDash val="solid"/>
+                      <a:round/>
+                      <a:headEnd type="none" w="med" len="med"/>
+                      <a:tailEnd type="none" w="med" len="med"/>
+                    </a:lnT>
+                    <a:lnB w="12700" cap="flat" cmpd="sng" algn="ctr">
+                      <a:solidFill>
+                        <a:schemeClr val="tx1"/>
+                      </a:solidFill>
+                      <a:prstDash val="solid"/>
+                      <a:round/>
+                      <a:headEnd type="none" w="med" len="med"/>
+                      <a:tailEnd type="none" w="med" len="med"/>
+                    </a:lnB>
+                    <a:noFill/>
+                  </a:tcPr>
+                </a:tc>
+                <a:tc>
+                  <a:txBody>
+                    <a:bodyPr/>
+                    <a:lstStyle/>
+                    <a:p>
+                      <a:pPr algn="ctr"/>
+                      <a:r>
+                        <a:rPr lang="en-US" dirty="0" smtClean="0"/>
+                        <a:t>2</a:t>
+                      </a:r>
+                      <a:endParaRPr lang="en-IN" dirty="0"/>
+                    </a:p>
+                  </a:txBody>
+                  <a:tcPr anchor="ctr">
+                    <a:lnL w="12700" cap="flat" cmpd="sng" algn="ctr">
+                      <a:solidFill>
+                        <a:schemeClr val="tx1"/>
+                      </a:solidFill>
+                      <a:prstDash val="solid"/>
+                      <a:round/>
+                      <a:headEnd type="none" w="med" len="med"/>
+                      <a:tailEnd type="none" w="med" len="med"/>
+                    </a:lnL>
+                    <a:lnR w="12700" cap="flat" cmpd="sng" algn="ctr">
+                      <a:solidFill>
+                        <a:schemeClr val="tx1"/>
+                      </a:solidFill>
+                      <a:prstDash val="solid"/>
+                      <a:round/>
+                      <a:headEnd type="none" w="med" len="med"/>
+                      <a:tailEnd type="none" w="med" len="med"/>
+                    </a:lnR>
+                    <a:lnT w="12700" cap="flat" cmpd="sng" algn="ctr">
+                      <a:solidFill>
+                        <a:schemeClr val="tx1"/>
+                      </a:solidFill>
+                      <a:prstDash val="solid"/>
+                      <a:round/>
+                      <a:headEnd type="none" w="med" len="med"/>
+                      <a:tailEnd type="none" w="med" len="med"/>
+                    </a:lnT>
+                    <a:lnB w="12700" cap="flat" cmpd="sng" algn="ctr">
+                      <a:solidFill>
+                        <a:schemeClr val="tx1"/>
+                      </a:solidFill>
+                      <a:prstDash val="solid"/>
+                      <a:round/>
+                      <a:headEnd type="none" w="med" len="med"/>
+                      <a:tailEnd type="none" w="med" len="med"/>
+                    </a:lnB>
+                    <a:noFill/>
+                  </a:tcPr>
+                </a:tc>
+                <a:tc>
+                  <a:txBody>
+                    <a:bodyPr/>
+                    <a:lstStyle/>
+                    <a:p>
+                      <a:pPr algn="ctr"/>
+                      <a:r>
+                        <a:rPr lang="en-US" dirty="0" smtClean="0"/>
+                        <a:t>3</a:t>
+                      </a:r>
+                      <a:endParaRPr lang="en-IN" dirty="0"/>
+                    </a:p>
+                  </a:txBody>
+                  <a:tcPr anchor="ctr">
+                    <a:lnL w="12700" cap="flat" cmpd="sng" algn="ctr">
+                      <a:solidFill>
+                        <a:schemeClr val="tx1"/>
+                      </a:solidFill>
+                      <a:prstDash val="solid"/>
+                      <a:round/>
+                      <a:headEnd type="none" w="med" len="med"/>
+                      <a:tailEnd type="none" w="med" len="med"/>
+                    </a:lnL>
+                    <a:lnR w="12700" cap="flat" cmpd="sng" algn="ctr">
+                      <a:solidFill>
+                        <a:schemeClr val="tx1"/>
+                      </a:solidFill>
+                      <a:prstDash val="solid"/>
+                      <a:round/>
+                      <a:headEnd type="none" w="med" len="med"/>
+                      <a:tailEnd type="none" w="med" len="med"/>
+                    </a:lnR>
+                    <a:lnT w="12700" cap="flat" cmpd="sng" algn="ctr">
+                      <a:solidFill>
+                        <a:schemeClr val="tx1"/>
+                      </a:solidFill>
+                      <a:prstDash val="solid"/>
+                      <a:round/>
+                      <a:headEnd type="none" w="med" len="med"/>
+                      <a:tailEnd type="none" w="med" len="med"/>
+                    </a:lnT>
+                    <a:lnB w="12700" cap="flat" cmpd="sng" algn="ctr">
+                      <a:solidFill>
+                        <a:schemeClr val="tx1"/>
+                      </a:solidFill>
+                      <a:prstDash val="solid"/>
+                      <a:round/>
+                      <a:headEnd type="none" w="med" len="med"/>
+                      <a:tailEnd type="none" w="med" len="med"/>
+                    </a:lnB>
+                    <a:noFill/>
+                  </a:tcPr>
+                </a:tc>
+              </a:tr>
+              <a:tr h="504056">
+                <a:tc>
+                  <a:txBody>
+                    <a:bodyPr/>
+                    <a:lstStyle/>
+                    <a:p>
+                      <a:pPr algn="ctr"/>
+                      <a:r>
+                        <a:rPr lang="en-US" dirty="0" smtClean="0"/>
+                        <a:t>4</a:t>
+                      </a:r>
+                      <a:endParaRPr lang="en-IN" dirty="0"/>
+                    </a:p>
+                  </a:txBody>
+                  <a:tcPr anchor="ctr">
+                    <a:lnL w="12700" cap="flat" cmpd="sng" algn="ctr">
+                      <a:solidFill>
+                        <a:schemeClr val="tx1"/>
+                      </a:solidFill>
+                      <a:prstDash val="solid"/>
+                      <a:round/>
+                      <a:headEnd type="none" w="med" len="med"/>
+                      <a:tailEnd type="none" w="med" len="med"/>
+                    </a:lnL>
+                    <a:lnR w="12700" cap="flat" cmpd="sng" algn="ctr">
+                      <a:solidFill>
+                        <a:schemeClr val="tx1"/>
+                      </a:solidFill>
+                      <a:prstDash val="solid"/>
+                      <a:round/>
+                      <a:headEnd type="none" w="med" len="med"/>
+                      <a:tailEnd type="none" w="med" len="med"/>
+                    </a:lnR>
+                    <a:lnT w="12700" cap="flat" cmpd="sng" algn="ctr">
+                      <a:solidFill>
+                        <a:schemeClr val="tx1"/>
+                      </a:solidFill>
+                      <a:prstDash val="solid"/>
+                      <a:round/>
+                      <a:headEnd type="none" w="med" len="med"/>
+                      <a:tailEnd type="none" w="med" len="med"/>
+                    </a:lnT>
+                    <a:lnB w="12700" cap="flat" cmpd="sng" algn="ctr">
+                      <a:solidFill>
+                        <a:schemeClr val="tx1"/>
+                      </a:solidFill>
+                      <a:prstDash val="solid"/>
+                      <a:round/>
+                      <a:headEnd type="none" w="med" len="med"/>
+                      <a:tailEnd type="none" w="med" len="med"/>
+                    </a:lnB>
+                    <a:noFill/>
+                  </a:tcPr>
+                </a:tc>
+                <a:tc>
+                  <a:txBody>
+                    <a:bodyPr/>
+                    <a:lstStyle/>
+                    <a:p>
+                      <a:pPr algn="ctr"/>
+                      <a:r>
+                        <a:rPr lang="en-US" dirty="0" smtClean="0"/>
+                        <a:t>5</a:t>
+                      </a:r>
+                      <a:endParaRPr lang="en-IN" dirty="0"/>
+                    </a:p>
+                  </a:txBody>
+                  <a:tcPr anchor="ctr">
+                    <a:lnL w="12700" cap="flat" cmpd="sng" algn="ctr">
+                      <a:solidFill>
+                        <a:schemeClr val="tx1"/>
+                      </a:solidFill>
+                      <a:prstDash val="solid"/>
+                      <a:round/>
+                      <a:headEnd type="none" w="med" len="med"/>
+                      <a:tailEnd type="none" w="med" len="med"/>
+                    </a:lnL>
+                    <a:lnR w="12700" cap="flat" cmpd="sng" algn="ctr">
+                      <a:solidFill>
+                        <a:schemeClr val="tx1"/>
+                      </a:solidFill>
+                      <a:prstDash val="solid"/>
+                      <a:round/>
+                      <a:headEnd type="none" w="med" len="med"/>
+                      <a:tailEnd type="none" w="med" len="med"/>
+                    </a:lnR>
+                    <a:lnT w="12700" cap="flat" cmpd="sng" algn="ctr">
+                      <a:solidFill>
+                        <a:schemeClr val="tx1"/>
+                      </a:solidFill>
+                      <a:prstDash val="solid"/>
+                      <a:round/>
+                      <a:headEnd type="none" w="med" len="med"/>
+                      <a:tailEnd type="none" w="med" len="med"/>
+                    </a:lnT>
+                    <a:lnB w="12700" cap="flat" cmpd="sng" algn="ctr">
+                      <a:solidFill>
+                        <a:schemeClr val="tx1"/>
+                      </a:solidFill>
+                      <a:prstDash val="solid"/>
+                      <a:round/>
+                      <a:headEnd type="none" w="med" len="med"/>
+                      <a:tailEnd type="none" w="med" len="med"/>
+                    </a:lnB>
+                    <a:noFill/>
+                  </a:tcPr>
+                </a:tc>
+                <a:tc>
+                  <a:txBody>
+                    <a:bodyPr/>
+                    <a:lstStyle/>
+                    <a:p>
+                      <a:pPr algn="ctr"/>
+                      <a:endParaRPr lang="en-IN" dirty="0"/>
+                    </a:p>
+                  </a:txBody>
+                  <a:tcPr anchor="ctr">
+                    <a:lnL w="12700" cap="flat" cmpd="sng" algn="ctr">
+                      <a:solidFill>
+                        <a:schemeClr val="tx1"/>
+                      </a:solidFill>
+                      <a:prstDash val="solid"/>
+                      <a:round/>
+                      <a:headEnd type="none" w="med" len="med"/>
+                      <a:tailEnd type="none" w="med" len="med"/>
+                    </a:lnL>
+                    <a:lnR w="12700" cap="flat" cmpd="sng" algn="ctr">
+                      <a:solidFill>
+                        <a:schemeClr val="tx1"/>
+                      </a:solidFill>
+                      <a:prstDash val="solid"/>
+                      <a:round/>
+                      <a:headEnd type="none" w="med" len="med"/>
+                      <a:tailEnd type="none" w="med" len="med"/>
+                    </a:lnR>
+                    <a:lnT w="12700" cap="flat" cmpd="sng" algn="ctr">
+                      <a:solidFill>
+                        <a:schemeClr val="tx1"/>
+                      </a:solidFill>
+                      <a:prstDash val="solid"/>
+                      <a:round/>
+                      <a:headEnd type="none" w="med" len="med"/>
+                      <a:tailEnd type="none" w="med" len="med"/>
+                    </a:lnT>
+                    <a:lnB w="12700" cap="flat" cmpd="sng" algn="ctr">
+                      <a:solidFill>
+                        <a:schemeClr val="tx1"/>
+                      </a:solidFill>
+                      <a:prstDash val="solid"/>
+                      <a:round/>
+                      <a:headEnd type="none" w="med" len="med"/>
+                      <a:tailEnd type="none" w="med" len="med"/>
+                    </a:lnB>
+                    <a:noFill/>
+                  </a:tcPr>
+                </a:tc>
+              </a:tr>
+              <a:tr h="504056">
+                <a:tc>
+                  <a:txBody>
+                    <a:bodyPr/>
+                    <a:lstStyle/>
+                    <a:p>
+                      <a:pPr algn="ctr"/>
+                      <a:r>
+                        <a:rPr lang="en-US" dirty="0" smtClean="0"/>
+                        <a:t>7</a:t>
+                      </a:r>
+                      <a:endParaRPr lang="en-IN" dirty="0"/>
+                    </a:p>
+                  </a:txBody>
+                  <a:tcPr anchor="ctr">
+                    <a:lnL w="12700" cap="flat" cmpd="sng" algn="ctr">
+                      <a:solidFill>
+                        <a:schemeClr val="tx1"/>
+                      </a:solidFill>
+                      <a:prstDash val="solid"/>
+                      <a:round/>
+                      <a:headEnd type="none" w="med" len="med"/>
+                      <a:tailEnd type="none" w="med" len="med"/>
+                    </a:lnL>
+                    <a:lnR w="12700" cap="flat" cmpd="sng" algn="ctr">
+                      <a:solidFill>
+                        <a:schemeClr val="tx1"/>
+                      </a:solidFill>
+                      <a:prstDash val="solid"/>
+                      <a:round/>
+                      <a:headEnd type="none" w="med" len="med"/>
+                      <a:tailEnd type="none" w="med" len="med"/>
+                    </a:lnR>
+                    <a:lnT w="12700" cap="flat" cmpd="sng" algn="ctr">
+                      <a:solidFill>
+                        <a:schemeClr val="tx1"/>
+                      </a:solidFill>
+                      <a:prstDash val="solid"/>
+                      <a:round/>
+                      <a:headEnd type="none" w="med" len="med"/>
+                      <a:tailEnd type="none" w="med" len="med"/>
+                    </a:lnT>
+                    <a:lnB w="12700" cap="flat" cmpd="sng" algn="ctr">
+                      <a:solidFill>
+                        <a:schemeClr val="tx1"/>
+                      </a:solidFill>
+                      <a:prstDash val="solid"/>
+                      <a:round/>
+                      <a:headEnd type="none" w="med" len="med"/>
+                      <a:tailEnd type="none" w="med" len="med"/>
+                    </a:lnB>
+                    <a:noFill/>
+                  </a:tcPr>
+                </a:tc>
+                <a:tc>
+                  <a:txBody>
+                    <a:bodyPr/>
+                    <a:lstStyle/>
+                    <a:p>
+                      <a:pPr algn="ctr"/>
+                      <a:r>
+                        <a:rPr lang="en-US" dirty="0" smtClean="0"/>
+                        <a:t>8</a:t>
+                      </a:r>
+                      <a:endParaRPr lang="en-IN" dirty="0"/>
+                    </a:p>
+                  </a:txBody>
+                  <a:tcPr anchor="ctr">
+                    <a:lnL w="12700" cap="flat" cmpd="sng" algn="ctr">
+                      <a:solidFill>
+                        <a:schemeClr val="tx1"/>
+                      </a:solidFill>
+                      <a:prstDash val="solid"/>
+                      <a:round/>
+                      <a:headEnd type="none" w="med" len="med"/>
+                      <a:tailEnd type="none" w="med" len="med"/>
+                    </a:lnL>
+                    <a:lnR w="12700" cap="flat" cmpd="sng" algn="ctr">
+                      <a:solidFill>
+                        <a:schemeClr val="tx1"/>
+                      </a:solidFill>
+                      <a:prstDash val="solid"/>
+                      <a:round/>
+                      <a:headEnd type="none" w="med" len="med"/>
+                      <a:tailEnd type="none" w="med" len="med"/>
+                    </a:lnR>
+                    <a:lnT w="12700" cap="flat" cmpd="sng" algn="ctr">
+                      <a:solidFill>
+                        <a:schemeClr val="tx1"/>
+                      </a:solidFill>
+                      <a:prstDash val="solid"/>
+                      <a:round/>
+                      <a:headEnd type="none" w="med" len="med"/>
+                      <a:tailEnd type="none" w="med" len="med"/>
+                    </a:lnT>
+                    <a:lnB w="12700" cap="flat" cmpd="sng" algn="ctr">
+                      <a:solidFill>
+                        <a:schemeClr val="tx1"/>
+                      </a:solidFill>
+                      <a:prstDash val="solid"/>
+                      <a:round/>
+                      <a:headEnd type="none" w="med" len="med"/>
+                      <a:tailEnd type="none" w="med" len="med"/>
+                    </a:lnB>
+                    <a:noFill/>
+                  </a:tcPr>
+                </a:tc>
+                <a:tc>
+                  <a:txBody>
+                    <a:bodyPr/>
+                    <a:lstStyle/>
+                    <a:p>
+                      <a:pPr algn="ctr"/>
+                      <a:r>
+                        <a:rPr lang="en-US" dirty="0" smtClean="0"/>
+                        <a:t>6</a:t>
+                      </a:r>
+                      <a:endParaRPr lang="en-IN" dirty="0"/>
+                    </a:p>
+                  </a:txBody>
+                  <a:tcPr anchor="ctr">
+                    <a:lnL w="12700" cap="flat" cmpd="sng" algn="ctr">
+                      <a:solidFill>
+                        <a:schemeClr val="tx1"/>
+                      </a:solidFill>
+                      <a:prstDash val="solid"/>
+                      <a:round/>
+                      <a:headEnd type="none" w="med" len="med"/>
+                      <a:tailEnd type="none" w="med" len="med"/>
+                    </a:lnL>
+                    <a:lnR w="12700" cap="flat" cmpd="sng" algn="ctr">
+                      <a:solidFill>
+                        <a:schemeClr val="tx1"/>
+                      </a:solidFill>
+                      <a:prstDash val="solid"/>
+                      <a:round/>
+                      <a:headEnd type="none" w="med" len="med"/>
+                      <a:tailEnd type="none" w="med" len="med"/>
+                    </a:lnR>
+                    <a:lnT w="12700" cap="flat" cmpd="sng" algn="ctr">
+                      <a:solidFill>
+                        <a:schemeClr val="tx1"/>
+                      </a:solidFill>
+                      <a:prstDash val="solid"/>
+                      <a:round/>
+                      <a:headEnd type="none" w="med" len="med"/>
+                      <a:tailEnd type="none" w="med" len="med"/>
+                    </a:lnT>
+                    <a:lnB w="12700" cap="flat" cmpd="sng" algn="ctr">
+                      <a:solidFill>
+                        <a:schemeClr val="tx1"/>
+                      </a:solidFill>
+                      <a:prstDash val="solid"/>
+                      <a:round/>
+                      <a:headEnd type="none" w="med" len="med"/>
+                      <a:tailEnd type="none" w="med" len="med"/>
+                    </a:lnB>
+                    <a:noFill/>
+                  </a:tcPr>
+                </a:tc>
+              </a:tr>
+            </a:tbl>
+          </a:graphicData>
+        </a:graphic>
+      </p:graphicFrame>
+      <p:graphicFrame>
+        <p:nvGraphicFramePr>
+          <p:cNvPr id="6" name="Table 5"/>
+          <p:cNvGraphicFramePr>
+            <a:graphicFrameLocks noGrp="1"/>
+          </p:cNvGraphicFramePr>
+          <p:nvPr>
+            <p:extLst>
+              <p:ext uri="{D42A27DB-BD31-4B8C-83A1-F6EECF244321}">
+                <p14:modId xmlns:p14="http://schemas.microsoft.com/office/powerpoint/2010/main" val="3847500798"/>
+              </p:ext>
+            </p:extLst>
+          </p:nvPr>
+        </p:nvGraphicFramePr>
+        <p:xfrm>
+          <a:off x="6054829" y="3068960"/>
+          <a:ext cx="1469499" cy="1512168"/>
+        </p:xfrm>
+        <a:graphic>
+          <a:graphicData uri="http://schemas.openxmlformats.org/drawingml/2006/table">
+            <a:tbl>
+              <a:tblPr>
+                <a:tableStyleId>{5C22544A-7EE6-4342-B048-85BDC9FD1C3A}</a:tableStyleId>
+              </a:tblPr>
+              <a:tblGrid>
+                <a:gridCol w="489833"/>
+                <a:gridCol w="489833"/>
+                <a:gridCol w="489833"/>
+              </a:tblGrid>
+              <a:tr h="504056">
+                <a:tc>
+                  <a:txBody>
+                    <a:bodyPr/>
+                    <a:lstStyle/>
+                    <a:p>
+                      <a:pPr algn="ctr"/>
+                      <a:r>
+                        <a:rPr lang="en-US" dirty="0" smtClean="0"/>
+                        <a:t>1</a:t>
+                      </a:r>
+                      <a:endParaRPr lang="en-IN" dirty="0"/>
+                    </a:p>
+                  </a:txBody>
+                  <a:tcPr anchor="ctr">
+                    <a:lnL w="12700" cap="flat" cmpd="sng" algn="ctr">
+                      <a:solidFill>
+                        <a:schemeClr val="tx1"/>
+                      </a:solidFill>
+                      <a:prstDash val="solid"/>
+                      <a:round/>
+                      <a:headEnd type="none" w="med" len="med"/>
+                      <a:tailEnd type="none" w="med" len="med"/>
+                    </a:lnL>
+                    <a:lnR w="12700" cap="flat" cmpd="sng" algn="ctr">
+                      <a:solidFill>
+                        <a:schemeClr val="tx1"/>
+                      </a:solidFill>
+                      <a:prstDash val="solid"/>
+                      <a:round/>
+                      <a:headEnd type="none" w="med" len="med"/>
+                      <a:tailEnd type="none" w="med" len="med"/>
+                    </a:lnR>
+                    <a:lnT w="12700" cap="flat" cmpd="sng" algn="ctr">
+                      <a:solidFill>
+                        <a:schemeClr val="tx1"/>
+                      </a:solidFill>
+                      <a:prstDash val="solid"/>
+                      <a:round/>
+                      <a:headEnd type="none" w="med" len="med"/>
+                      <a:tailEnd type="none" w="med" len="med"/>
+                    </a:lnT>
+                    <a:lnB w="12700" cap="flat" cmpd="sng" algn="ctr">
+                      <a:solidFill>
+                        <a:schemeClr val="tx1"/>
+                      </a:solidFill>
+                      <a:prstDash val="solid"/>
+                      <a:round/>
+                      <a:headEnd type="none" w="med" len="med"/>
+                      <a:tailEnd type="none" w="med" len="med"/>
+                    </a:lnB>
+                    <a:noFill/>
+                  </a:tcPr>
+                </a:tc>
+                <a:tc>
+                  <a:txBody>
+                    <a:bodyPr/>
+                    <a:lstStyle/>
+                    <a:p>
+                      <a:pPr algn="ctr"/>
+                      <a:r>
+                        <a:rPr lang="en-US" dirty="0" smtClean="0"/>
+                        <a:t>2</a:t>
+                      </a:r>
+                      <a:endParaRPr lang="en-IN" dirty="0"/>
+                    </a:p>
+                  </a:txBody>
+                  <a:tcPr anchor="ctr">
+                    <a:lnL w="12700" cap="flat" cmpd="sng" algn="ctr">
+                      <a:solidFill>
+                        <a:schemeClr val="tx1"/>
+                      </a:solidFill>
+                      <a:prstDash val="solid"/>
+                      <a:round/>
+                      <a:headEnd type="none" w="med" len="med"/>
+                      <a:tailEnd type="none" w="med" len="med"/>
+                    </a:lnL>
+                    <a:lnR w="12700" cap="flat" cmpd="sng" algn="ctr">
+                      <a:solidFill>
+                        <a:schemeClr val="tx1"/>
+                      </a:solidFill>
+                      <a:prstDash val="solid"/>
+                      <a:round/>
+                      <a:headEnd type="none" w="med" len="med"/>
+                      <a:tailEnd type="none" w="med" len="med"/>
+                    </a:lnR>
+                    <a:lnT w="12700" cap="flat" cmpd="sng" algn="ctr">
+                      <a:solidFill>
+                        <a:schemeClr val="tx1"/>
+                      </a:solidFill>
+                      <a:prstDash val="solid"/>
+                      <a:round/>
+                      <a:headEnd type="none" w="med" len="med"/>
+                      <a:tailEnd type="none" w="med" len="med"/>
+                    </a:lnT>
+                    <a:lnB w="12700" cap="flat" cmpd="sng" algn="ctr">
+                      <a:solidFill>
+                        <a:schemeClr val="tx1"/>
+                      </a:solidFill>
+                      <a:prstDash val="solid"/>
+                      <a:round/>
+                      <a:headEnd type="none" w="med" len="med"/>
+                      <a:tailEnd type="none" w="med" len="med"/>
+                    </a:lnB>
+                    <a:noFill/>
+                  </a:tcPr>
+                </a:tc>
+                <a:tc>
+                  <a:txBody>
+                    <a:bodyPr/>
+                    <a:lstStyle/>
+                    <a:p>
+                      <a:pPr algn="ctr"/>
+                      <a:r>
+                        <a:rPr lang="en-US" dirty="0" smtClean="0"/>
+                        <a:t>3</a:t>
+                      </a:r>
+                      <a:endParaRPr lang="en-IN" dirty="0"/>
+                    </a:p>
+                  </a:txBody>
+                  <a:tcPr anchor="ctr">
+                    <a:lnL w="12700" cap="flat" cmpd="sng" algn="ctr">
+                      <a:solidFill>
+                        <a:schemeClr val="tx1"/>
+                      </a:solidFill>
+                      <a:prstDash val="solid"/>
+                      <a:round/>
+                      <a:headEnd type="none" w="med" len="med"/>
+                      <a:tailEnd type="none" w="med" len="med"/>
+                    </a:lnL>
+                    <a:lnR w="12700" cap="flat" cmpd="sng" algn="ctr">
+                      <a:solidFill>
+                        <a:schemeClr val="tx1"/>
+                      </a:solidFill>
+                      <a:prstDash val="solid"/>
+                      <a:round/>
+                      <a:headEnd type="none" w="med" len="med"/>
+                      <a:tailEnd type="none" w="med" len="med"/>
+                    </a:lnR>
+                    <a:lnT w="12700" cap="flat" cmpd="sng" algn="ctr">
+                      <a:solidFill>
+                        <a:schemeClr val="tx1"/>
+                      </a:solidFill>
+                      <a:prstDash val="solid"/>
+                      <a:round/>
+                      <a:headEnd type="none" w="med" len="med"/>
+                      <a:tailEnd type="none" w="med" len="med"/>
+                    </a:lnT>
+                    <a:lnB w="12700" cap="flat" cmpd="sng" algn="ctr">
+                      <a:solidFill>
+                        <a:schemeClr val="tx1"/>
+                      </a:solidFill>
+                      <a:prstDash val="solid"/>
+                      <a:round/>
+                      <a:headEnd type="none" w="med" len="med"/>
+                      <a:tailEnd type="none" w="med" len="med"/>
+                    </a:lnB>
+                    <a:noFill/>
+                  </a:tcPr>
+                </a:tc>
+              </a:tr>
+              <a:tr h="504056">
+                <a:tc>
+                  <a:txBody>
+                    <a:bodyPr/>
+                    <a:lstStyle/>
+                    <a:p>
+                      <a:pPr algn="ctr"/>
+                      <a:r>
+                        <a:rPr lang="en-US" dirty="0" smtClean="0"/>
+                        <a:t>4</a:t>
+                      </a:r>
+                      <a:endParaRPr lang="en-IN" dirty="0"/>
+                    </a:p>
+                  </a:txBody>
+                  <a:tcPr anchor="ctr">
+                    <a:lnL w="12700" cap="flat" cmpd="sng" algn="ctr">
+                      <a:solidFill>
+                        <a:schemeClr val="tx1"/>
+                      </a:solidFill>
+                      <a:prstDash val="solid"/>
+                      <a:round/>
+                      <a:headEnd type="none" w="med" len="med"/>
+                      <a:tailEnd type="none" w="med" len="med"/>
+                    </a:lnL>
+                    <a:lnR w="12700" cap="flat" cmpd="sng" algn="ctr">
+                      <a:solidFill>
+                        <a:schemeClr val="tx1"/>
+                      </a:solidFill>
+                      <a:prstDash val="solid"/>
+                      <a:round/>
+                      <a:headEnd type="none" w="med" len="med"/>
+                      <a:tailEnd type="none" w="med" len="med"/>
+                    </a:lnR>
+                    <a:lnT w="12700" cap="flat" cmpd="sng" algn="ctr">
+                      <a:solidFill>
+                        <a:schemeClr val="tx1"/>
+                      </a:solidFill>
+                      <a:prstDash val="solid"/>
+                      <a:round/>
+                      <a:headEnd type="none" w="med" len="med"/>
+                      <a:tailEnd type="none" w="med" len="med"/>
+                    </a:lnT>
+                    <a:lnB w="12700" cap="flat" cmpd="sng" algn="ctr">
+                      <a:solidFill>
+                        <a:schemeClr val="tx1"/>
+                      </a:solidFill>
+                      <a:prstDash val="solid"/>
+                      <a:round/>
+                      <a:headEnd type="none" w="med" len="med"/>
+                      <a:tailEnd type="none" w="med" len="med"/>
+                    </a:lnB>
+                    <a:noFill/>
+                  </a:tcPr>
+                </a:tc>
+                <a:tc>
+                  <a:txBody>
+                    <a:bodyPr/>
+                    <a:lstStyle/>
+                    <a:p>
+                      <a:pPr algn="ctr"/>
+                      <a:r>
+                        <a:rPr lang="en-US" dirty="0" smtClean="0"/>
+                        <a:t>5</a:t>
+                      </a:r>
+                      <a:endParaRPr lang="en-IN" dirty="0"/>
+                    </a:p>
+                  </a:txBody>
+                  <a:tcPr anchor="ctr">
+                    <a:lnL w="12700" cap="flat" cmpd="sng" algn="ctr">
+                      <a:solidFill>
+                        <a:schemeClr val="tx1"/>
+                      </a:solidFill>
+                      <a:prstDash val="solid"/>
+                      <a:round/>
+                      <a:headEnd type="none" w="med" len="med"/>
+                      <a:tailEnd type="none" w="med" len="med"/>
+                    </a:lnL>
+                    <a:lnR w="12700" cap="flat" cmpd="sng" algn="ctr">
+                      <a:solidFill>
+                        <a:schemeClr val="tx1"/>
+                      </a:solidFill>
+                      <a:prstDash val="solid"/>
+                      <a:round/>
+                      <a:headEnd type="none" w="med" len="med"/>
+                      <a:tailEnd type="none" w="med" len="med"/>
+                    </a:lnR>
+                    <a:lnT w="12700" cap="flat" cmpd="sng" algn="ctr">
+                      <a:solidFill>
+                        <a:schemeClr val="tx1"/>
+                      </a:solidFill>
+                      <a:prstDash val="solid"/>
+                      <a:round/>
+                      <a:headEnd type="none" w="med" len="med"/>
+                      <a:tailEnd type="none" w="med" len="med"/>
+                    </a:lnT>
+                    <a:lnB w="12700" cap="flat" cmpd="sng" algn="ctr">
+                      <a:solidFill>
+                        <a:schemeClr val="tx1"/>
+                      </a:solidFill>
+                      <a:prstDash val="solid"/>
+                      <a:round/>
+                      <a:headEnd type="none" w="med" len="med"/>
+                      <a:tailEnd type="none" w="med" len="med"/>
+                    </a:lnB>
+                    <a:noFill/>
+                  </a:tcPr>
+                </a:tc>
+                <a:tc>
+                  <a:txBody>
+                    <a:bodyPr/>
+                    <a:lstStyle/>
+                    <a:p>
+                      <a:pPr algn="ctr"/>
+                      <a:r>
+                        <a:rPr lang="en-US" dirty="0" smtClean="0"/>
+                        <a:t>6</a:t>
+                      </a:r>
+                      <a:endParaRPr lang="en-IN" dirty="0"/>
+                    </a:p>
+                  </a:txBody>
+                  <a:tcPr anchor="ctr">
+                    <a:lnL w="12700" cap="flat" cmpd="sng" algn="ctr">
+                      <a:solidFill>
+                        <a:schemeClr val="tx1"/>
+                      </a:solidFill>
+                      <a:prstDash val="solid"/>
+                      <a:round/>
+                      <a:headEnd type="none" w="med" len="med"/>
+                      <a:tailEnd type="none" w="med" len="med"/>
+                    </a:lnL>
+                    <a:lnR w="12700" cap="flat" cmpd="sng" algn="ctr">
+                      <a:solidFill>
+                        <a:schemeClr val="tx1"/>
+                      </a:solidFill>
+                      <a:prstDash val="solid"/>
+                      <a:round/>
+                      <a:headEnd type="none" w="med" len="med"/>
+                      <a:tailEnd type="none" w="med" len="med"/>
+                    </a:lnR>
+                    <a:lnT w="12700" cap="flat" cmpd="sng" algn="ctr">
+                      <a:solidFill>
+                        <a:schemeClr val="tx1"/>
+                      </a:solidFill>
+                      <a:prstDash val="solid"/>
+                      <a:round/>
+                      <a:headEnd type="none" w="med" len="med"/>
+                      <a:tailEnd type="none" w="med" len="med"/>
+                    </a:lnT>
+                    <a:lnB w="12700" cap="flat" cmpd="sng" algn="ctr">
+                      <a:solidFill>
+                        <a:schemeClr val="tx1"/>
+                      </a:solidFill>
+                      <a:prstDash val="solid"/>
+                      <a:round/>
+                      <a:headEnd type="none" w="med" len="med"/>
+                      <a:tailEnd type="none" w="med" len="med"/>
+                    </a:lnB>
+                    <a:noFill/>
+                  </a:tcPr>
+                </a:tc>
+              </a:tr>
+              <a:tr h="504056">
+                <a:tc>
+                  <a:txBody>
+                    <a:bodyPr/>
+                    <a:lstStyle/>
+                    <a:p>
+                      <a:pPr algn="ctr"/>
+                      <a:r>
+                        <a:rPr lang="en-US" dirty="0" smtClean="0"/>
+                        <a:t>7</a:t>
+                      </a:r>
+                      <a:endParaRPr lang="en-IN" dirty="0"/>
+                    </a:p>
+                  </a:txBody>
+                  <a:tcPr anchor="ctr">
+                    <a:lnL w="12700" cap="flat" cmpd="sng" algn="ctr">
+                      <a:solidFill>
+                        <a:schemeClr val="tx1"/>
+                      </a:solidFill>
+                      <a:prstDash val="solid"/>
+                      <a:round/>
+                      <a:headEnd type="none" w="med" len="med"/>
+                      <a:tailEnd type="none" w="med" len="med"/>
+                    </a:lnL>
+                    <a:lnR w="12700" cap="flat" cmpd="sng" algn="ctr">
+                      <a:solidFill>
+                        <a:schemeClr val="tx1"/>
+                      </a:solidFill>
+                      <a:prstDash val="solid"/>
+                      <a:round/>
+                      <a:headEnd type="none" w="med" len="med"/>
+                      <a:tailEnd type="none" w="med" len="med"/>
+                    </a:lnR>
+                    <a:lnT w="12700" cap="flat" cmpd="sng" algn="ctr">
+                      <a:solidFill>
+                        <a:schemeClr val="tx1"/>
+                      </a:solidFill>
+                      <a:prstDash val="solid"/>
+                      <a:round/>
+                      <a:headEnd type="none" w="med" len="med"/>
+                      <a:tailEnd type="none" w="med" len="med"/>
+                    </a:lnT>
+                    <a:lnB w="12700" cap="flat" cmpd="sng" algn="ctr">
+                      <a:solidFill>
+                        <a:schemeClr val="tx1"/>
+                      </a:solidFill>
+                      <a:prstDash val="solid"/>
+                      <a:round/>
+                      <a:headEnd type="none" w="med" len="med"/>
+                      <a:tailEnd type="none" w="med" len="med"/>
+                    </a:lnB>
+                    <a:noFill/>
+                  </a:tcPr>
+                </a:tc>
+                <a:tc>
+                  <a:txBody>
+                    <a:bodyPr/>
+                    <a:lstStyle/>
+                    <a:p>
+                      <a:pPr algn="ctr"/>
+                      <a:r>
+                        <a:rPr lang="en-US" dirty="0" smtClean="0"/>
+                        <a:t>8</a:t>
+                      </a:r>
+                      <a:endParaRPr lang="en-IN" dirty="0"/>
+                    </a:p>
+                  </a:txBody>
+                  <a:tcPr anchor="ctr">
+                    <a:lnL w="12700" cap="flat" cmpd="sng" algn="ctr">
+                      <a:solidFill>
+                        <a:schemeClr val="tx1"/>
+                      </a:solidFill>
+                      <a:prstDash val="solid"/>
+                      <a:round/>
+                      <a:headEnd type="none" w="med" len="med"/>
+                      <a:tailEnd type="none" w="med" len="med"/>
+                    </a:lnL>
+                    <a:lnR w="12700" cap="flat" cmpd="sng" algn="ctr">
+                      <a:solidFill>
+                        <a:schemeClr val="tx1"/>
+                      </a:solidFill>
+                      <a:prstDash val="solid"/>
+                      <a:round/>
+                      <a:headEnd type="none" w="med" len="med"/>
+                      <a:tailEnd type="none" w="med" len="med"/>
+                    </a:lnR>
+                    <a:lnT w="12700" cap="flat" cmpd="sng" algn="ctr">
+                      <a:solidFill>
+                        <a:schemeClr val="tx1"/>
+                      </a:solidFill>
+                      <a:prstDash val="solid"/>
+                      <a:round/>
+                      <a:headEnd type="none" w="med" len="med"/>
+                      <a:tailEnd type="none" w="med" len="med"/>
+                    </a:lnT>
+                    <a:lnB w="12700" cap="flat" cmpd="sng" algn="ctr">
+                      <a:solidFill>
+                        <a:schemeClr val="tx1"/>
+                      </a:solidFill>
+                      <a:prstDash val="solid"/>
+                      <a:round/>
+                      <a:headEnd type="none" w="med" len="med"/>
+                      <a:tailEnd type="none" w="med" len="med"/>
+                    </a:lnB>
+                    <a:noFill/>
+                  </a:tcPr>
+                </a:tc>
+                <a:tc>
+                  <a:txBody>
+                    <a:bodyPr/>
+                    <a:lstStyle/>
+                    <a:p>
+                      <a:pPr algn="ctr"/>
+                      <a:endParaRPr lang="en-IN" dirty="0"/>
+                    </a:p>
+                  </a:txBody>
+                  <a:tcPr anchor="ctr">
+                    <a:lnL w="12700" cap="flat" cmpd="sng" algn="ctr">
+                      <a:solidFill>
+                        <a:schemeClr val="tx1"/>
+                      </a:solidFill>
+                      <a:prstDash val="solid"/>
+                      <a:round/>
+                      <a:headEnd type="none" w="med" len="med"/>
+                      <a:tailEnd type="none" w="med" len="med"/>
+                    </a:lnL>
+                    <a:lnR w="12700" cap="flat" cmpd="sng" algn="ctr">
+                      <a:solidFill>
+                        <a:schemeClr val="tx1"/>
+                      </a:solidFill>
+                      <a:prstDash val="solid"/>
+                      <a:round/>
+                      <a:headEnd type="none" w="med" len="med"/>
+                      <a:tailEnd type="none" w="med" len="med"/>
+                    </a:lnR>
+                    <a:lnT w="12700" cap="flat" cmpd="sng" algn="ctr">
+                      <a:solidFill>
+                        <a:schemeClr val="tx1"/>
+                      </a:solidFill>
+                      <a:prstDash val="solid"/>
+                      <a:round/>
+                      <a:headEnd type="none" w="med" len="med"/>
+                      <a:tailEnd type="none" w="med" len="med"/>
+                    </a:lnT>
+                    <a:lnB w="12700" cap="flat" cmpd="sng" algn="ctr">
+                      <a:solidFill>
+                        <a:schemeClr val="tx1"/>
+                      </a:solidFill>
+                      <a:prstDash val="solid"/>
+                      <a:round/>
+                      <a:headEnd type="none" w="med" len="med"/>
+                      <a:tailEnd type="none" w="med" len="med"/>
+                    </a:lnB>
+                    <a:noFill/>
+                  </a:tcPr>
+                </a:tc>
+              </a:tr>
+            </a:tbl>
+          </a:graphicData>
+        </a:graphic>
+      </p:graphicFrame>
+      <p:graphicFrame>
+        <p:nvGraphicFramePr>
+          <p:cNvPr id="7" name="Table 6"/>
+          <p:cNvGraphicFramePr>
+            <a:graphicFrameLocks noGrp="1"/>
+          </p:cNvGraphicFramePr>
+          <p:nvPr>
+            <p:extLst>
+              <p:ext uri="{D42A27DB-BD31-4B8C-83A1-F6EECF244321}">
+                <p14:modId xmlns:p14="http://schemas.microsoft.com/office/powerpoint/2010/main" val="668019263"/>
+              </p:ext>
+            </p:extLst>
+          </p:nvPr>
+        </p:nvGraphicFramePr>
+        <p:xfrm>
+          <a:off x="1662341" y="3068960"/>
+          <a:ext cx="1469499" cy="1512168"/>
+        </p:xfrm>
+        <a:graphic>
+          <a:graphicData uri="http://schemas.openxmlformats.org/drawingml/2006/table">
+            <a:tbl>
+              <a:tblPr>
+                <a:tableStyleId>{5C22544A-7EE6-4342-B048-85BDC9FD1C3A}</a:tableStyleId>
+              </a:tblPr>
+              <a:tblGrid>
+                <a:gridCol w="489833"/>
+                <a:gridCol w="489833"/>
+                <a:gridCol w="489833"/>
+              </a:tblGrid>
+              <a:tr h="504056">
+                <a:tc>
+                  <a:txBody>
+                    <a:bodyPr/>
+                    <a:lstStyle/>
+                    <a:p>
+                      <a:pPr algn="ctr"/>
+                      <a:r>
+                        <a:rPr lang="en-US" dirty="0" smtClean="0"/>
+                        <a:t>1</a:t>
+                      </a:r>
+                      <a:endParaRPr lang="en-IN" dirty="0"/>
+                    </a:p>
+                  </a:txBody>
+                  <a:tcPr anchor="ctr">
+                    <a:lnL w="12700" cap="flat" cmpd="sng" algn="ctr">
+                      <a:solidFill>
+                        <a:schemeClr val="tx1"/>
+                      </a:solidFill>
+                      <a:prstDash val="solid"/>
+                      <a:round/>
+                      <a:headEnd type="none" w="med" len="med"/>
+                      <a:tailEnd type="none" w="med" len="med"/>
+                    </a:lnL>
+                    <a:lnR w="12700" cap="flat" cmpd="sng" algn="ctr">
+                      <a:solidFill>
+                        <a:schemeClr val="tx1"/>
+                      </a:solidFill>
+                      <a:prstDash val="solid"/>
+                      <a:round/>
+                      <a:headEnd type="none" w="med" len="med"/>
+                      <a:tailEnd type="none" w="med" len="med"/>
+                    </a:lnR>
+                    <a:lnT w="12700" cap="flat" cmpd="sng" algn="ctr">
+                      <a:solidFill>
+                        <a:schemeClr val="tx1"/>
+                      </a:solidFill>
+                      <a:prstDash val="solid"/>
+                      <a:round/>
+                      <a:headEnd type="none" w="med" len="med"/>
+                      <a:tailEnd type="none" w="med" len="med"/>
+                    </a:lnT>
+                    <a:lnB w="12700" cap="flat" cmpd="sng" algn="ctr">
+                      <a:solidFill>
+                        <a:schemeClr val="tx1"/>
+                      </a:solidFill>
+                      <a:prstDash val="solid"/>
+                      <a:round/>
+                      <a:headEnd type="none" w="med" len="med"/>
+                      <a:tailEnd type="none" w="med" len="med"/>
+                    </a:lnB>
+                    <a:noFill/>
+                  </a:tcPr>
+                </a:tc>
+                <a:tc>
+                  <a:txBody>
+                    <a:bodyPr/>
+                    <a:lstStyle/>
+                    <a:p>
+                      <a:pPr algn="ctr"/>
+                      <a:r>
+                        <a:rPr lang="en-US" dirty="0" smtClean="0"/>
+                        <a:t>2</a:t>
+                      </a:r>
+                      <a:endParaRPr lang="en-IN" dirty="0"/>
+                    </a:p>
+                  </a:txBody>
+                  <a:tcPr anchor="ctr">
+                    <a:lnL w="12700" cap="flat" cmpd="sng" algn="ctr">
+                      <a:solidFill>
+                        <a:schemeClr val="tx1"/>
+                      </a:solidFill>
+                      <a:prstDash val="solid"/>
+                      <a:round/>
+                      <a:headEnd type="none" w="med" len="med"/>
+                      <a:tailEnd type="none" w="med" len="med"/>
+                    </a:lnL>
+                    <a:lnR w="12700" cap="flat" cmpd="sng" algn="ctr">
+                      <a:solidFill>
+                        <a:schemeClr val="tx1"/>
+                      </a:solidFill>
+                      <a:prstDash val="solid"/>
+                      <a:round/>
+                      <a:headEnd type="none" w="med" len="med"/>
+                      <a:tailEnd type="none" w="med" len="med"/>
+                    </a:lnR>
+                    <a:lnT w="12700" cap="flat" cmpd="sng" algn="ctr">
+                      <a:solidFill>
+                        <a:schemeClr val="tx1"/>
+                      </a:solidFill>
+                      <a:prstDash val="solid"/>
+                      <a:round/>
+                      <a:headEnd type="none" w="med" len="med"/>
+                      <a:tailEnd type="none" w="med" len="med"/>
+                    </a:lnT>
+                    <a:lnB w="12700" cap="flat" cmpd="sng" algn="ctr">
+                      <a:solidFill>
+                        <a:schemeClr val="tx1"/>
+                      </a:solidFill>
+                      <a:prstDash val="solid"/>
+                      <a:round/>
+                      <a:headEnd type="none" w="med" len="med"/>
+                      <a:tailEnd type="none" w="med" len="med"/>
+                    </a:lnB>
+                    <a:noFill/>
+                  </a:tcPr>
+                </a:tc>
+                <a:tc>
+                  <a:txBody>
+                    <a:bodyPr/>
+                    <a:lstStyle/>
+                    <a:p>
+                      <a:pPr algn="ctr"/>
+                      <a:r>
+                        <a:rPr lang="en-US" dirty="0" smtClean="0"/>
+                        <a:t>3</a:t>
+                      </a:r>
+                      <a:endParaRPr lang="en-IN" dirty="0"/>
+                    </a:p>
+                  </a:txBody>
+                  <a:tcPr anchor="ctr">
+                    <a:lnL w="12700" cap="flat" cmpd="sng" algn="ctr">
+                      <a:solidFill>
+                        <a:schemeClr val="tx1"/>
+                      </a:solidFill>
+                      <a:prstDash val="solid"/>
+                      <a:round/>
+                      <a:headEnd type="none" w="med" len="med"/>
+                      <a:tailEnd type="none" w="med" len="med"/>
+                    </a:lnL>
+                    <a:lnR w="12700" cap="flat" cmpd="sng" algn="ctr">
+                      <a:solidFill>
+                        <a:schemeClr val="tx1"/>
+                      </a:solidFill>
+                      <a:prstDash val="solid"/>
+                      <a:round/>
+                      <a:headEnd type="none" w="med" len="med"/>
+                      <a:tailEnd type="none" w="med" len="med"/>
+                    </a:lnR>
+                    <a:lnT w="12700" cap="flat" cmpd="sng" algn="ctr">
+                      <a:solidFill>
+                        <a:schemeClr val="tx1"/>
+                      </a:solidFill>
+                      <a:prstDash val="solid"/>
+                      <a:round/>
+                      <a:headEnd type="none" w="med" len="med"/>
+                      <a:tailEnd type="none" w="med" len="med"/>
+                    </a:lnT>
+                    <a:lnB w="12700" cap="flat" cmpd="sng" algn="ctr">
+                      <a:solidFill>
+                        <a:schemeClr val="tx1"/>
+                      </a:solidFill>
+                      <a:prstDash val="solid"/>
+                      <a:round/>
+                      <a:headEnd type="none" w="med" len="med"/>
+                      <a:tailEnd type="none" w="med" len="med"/>
+                    </a:lnB>
+                    <a:noFill/>
+                  </a:tcPr>
+                </a:tc>
+              </a:tr>
+              <a:tr h="504056">
+                <a:tc>
+                  <a:txBody>
+                    <a:bodyPr/>
+                    <a:lstStyle/>
+                    <a:p>
+                      <a:pPr algn="ctr"/>
+                      <a:r>
+                        <a:rPr lang="en-US" dirty="0" smtClean="0"/>
+                        <a:t>4</a:t>
+                      </a:r>
+                      <a:endParaRPr lang="en-IN" dirty="0"/>
+                    </a:p>
+                  </a:txBody>
+                  <a:tcPr anchor="ctr">
+                    <a:lnL w="12700" cap="flat" cmpd="sng" algn="ctr">
+                      <a:solidFill>
+                        <a:schemeClr val="tx1"/>
+                      </a:solidFill>
+                      <a:prstDash val="solid"/>
+                      <a:round/>
+                      <a:headEnd type="none" w="med" len="med"/>
+                      <a:tailEnd type="none" w="med" len="med"/>
+                    </a:lnL>
+                    <a:lnR w="12700" cap="flat" cmpd="sng" algn="ctr">
+                      <a:solidFill>
+                        <a:schemeClr val="tx1"/>
+                      </a:solidFill>
+                      <a:prstDash val="solid"/>
+                      <a:round/>
+                      <a:headEnd type="none" w="med" len="med"/>
+                      <a:tailEnd type="none" w="med" len="med"/>
+                    </a:lnR>
+                    <a:lnT w="12700" cap="flat" cmpd="sng" algn="ctr">
+                      <a:solidFill>
+                        <a:schemeClr val="tx1"/>
+                      </a:solidFill>
+                      <a:prstDash val="solid"/>
+                      <a:round/>
+                      <a:headEnd type="none" w="med" len="med"/>
+                      <a:tailEnd type="none" w="med" len="med"/>
+                    </a:lnT>
+                    <a:lnB w="12700" cap="flat" cmpd="sng" algn="ctr">
+                      <a:solidFill>
+                        <a:schemeClr val="tx1"/>
+                      </a:solidFill>
+                      <a:prstDash val="solid"/>
+                      <a:round/>
+                      <a:headEnd type="none" w="med" len="med"/>
+                      <a:tailEnd type="none" w="med" len="med"/>
+                    </a:lnB>
+                    <a:noFill/>
+                  </a:tcPr>
+                </a:tc>
+                <a:tc>
+                  <a:txBody>
+                    <a:bodyPr/>
+                    <a:lstStyle/>
+                    <a:p>
+                      <a:pPr algn="ctr"/>
+                      <a:endParaRPr lang="en-IN" dirty="0"/>
+                    </a:p>
+                  </a:txBody>
+                  <a:tcPr anchor="ctr">
+                    <a:lnL w="12700" cap="flat" cmpd="sng" algn="ctr">
+                      <a:solidFill>
+                        <a:schemeClr val="tx1"/>
+                      </a:solidFill>
+                      <a:prstDash val="solid"/>
+                      <a:round/>
+                      <a:headEnd type="none" w="med" len="med"/>
+                      <a:tailEnd type="none" w="med" len="med"/>
+                    </a:lnL>
+                    <a:lnR w="12700" cap="flat" cmpd="sng" algn="ctr">
+                      <a:solidFill>
+                        <a:schemeClr val="tx1"/>
+                      </a:solidFill>
+                      <a:prstDash val="solid"/>
+                      <a:round/>
+                      <a:headEnd type="none" w="med" len="med"/>
+                      <a:tailEnd type="none" w="med" len="med"/>
+                    </a:lnR>
+                    <a:lnT w="12700" cap="flat" cmpd="sng" algn="ctr">
+                      <a:solidFill>
+                        <a:schemeClr val="tx1"/>
+                      </a:solidFill>
+                      <a:prstDash val="solid"/>
+                      <a:round/>
+                      <a:headEnd type="none" w="med" len="med"/>
+                      <a:tailEnd type="none" w="med" len="med"/>
+                    </a:lnT>
+                    <a:lnB w="12700" cap="flat" cmpd="sng" algn="ctr">
+                      <a:solidFill>
+                        <a:schemeClr val="tx1"/>
+                      </a:solidFill>
+                      <a:prstDash val="solid"/>
+                      <a:round/>
+                      <a:headEnd type="none" w="med" len="med"/>
+                      <a:tailEnd type="none" w="med" len="med"/>
+                    </a:lnB>
+                    <a:noFill/>
+                  </a:tcPr>
+                </a:tc>
+                <a:tc>
+                  <a:txBody>
+                    <a:bodyPr/>
+                    <a:lstStyle/>
+                    <a:p>
+                      <a:pPr algn="ctr"/>
+                      <a:r>
+                        <a:rPr lang="en-US" dirty="0" smtClean="0"/>
+                        <a:t>5</a:t>
+                      </a:r>
+                      <a:endParaRPr lang="en-IN" dirty="0"/>
+                    </a:p>
+                  </a:txBody>
+                  <a:tcPr anchor="ctr">
+                    <a:lnL w="12700" cap="flat" cmpd="sng" algn="ctr">
+                      <a:solidFill>
+                        <a:schemeClr val="tx1"/>
+                      </a:solidFill>
+                      <a:prstDash val="solid"/>
+                      <a:round/>
+                      <a:headEnd type="none" w="med" len="med"/>
+                      <a:tailEnd type="none" w="med" len="med"/>
+                    </a:lnL>
+                    <a:lnR w="12700" cap="flat" cmpd="sng" algn="ctr">
+                      <a:solidFill>
+                        <a:schemeClr val="tx1"/>
+                      </a:solidFill>
+                      <a:prstDash val="solid"/>
+                      <a:round/>
+                      <a:headEnd type="none" w="med" len="med"/>
+                      <a:tailEnd type="none" w="med" len="med"/>
+                    </a:lnR>
+                    <a:lnT w="12700" cap="flat" cmpd="sng" algn="ctr">
+                      <a:solidFill>
+                        <a:schemeClr val="tx1"/>
+                      </a:solidFill>
+                      <a:prstDash val="solid"/>
+                      <a:round/>
+                      <a:headEnd type="none" w="med" len="med"/>
+                      <a:tailEnd type="none" w="med" len="med"/>
+                    </a:lnT>
+                    <a:lnB w="12700" cap="flat" cmpd="sng" algn="ctr">
+                      <a:solidFill>
+                        <a:schemeClr val="tx1"/>
+                      </a:solidFill>
+                      <a:prstDash val="solid"/>
+                      <a:round/>
+                      <a:headEnd type="none" w="med" len="med"/>
+                      <a:tailEnd type="none" w="med" len="med"/>
+                    </a:lnB>
+                    <a:noFill/>
+                  </a:tcPr>
+                </a:tc>
+              </a:tr>
+              <a:tr h="504056">
+                <a:tc>
+                  <a:txBody>
+                    <a:bodyPr/>
+                    <a:lstStyle/>
+                    <a:p>
+                      <a:pPr algn="ctr"/>
+                      <a:r>
+                        <a:rPr lang="en-US" dirty="0" smtClean="0"/>
+                        <a:t>7</a:t>
+                      </a:r>
+                      <a:endParaRPr lang="en-IN" dirty="0"/>
+                    </a:p>
+                  </a:txBody>
+                  <a:tcPr anchor="ctr">
+                    <a:lnL w="12700" cap="flat" cmpd="sng" algn="ctr">
+                      <a:solidFill>
+                        <a:schemeClr val="tx1"/>
+                      </a:solidFill>
+                      <a:prstDash val="solid"/>
+                      <a:round/>
+                      <a:headEnd type="none" w="med" len="med"/>
+                      <a:tailEnd type="none" w="med" len="med"/>
+                    </a:lnL>
+                    <a:lnR w="12700" cap="flat" cmpd="sng" algn="ctr">
+                      <a:solidFill>
+                        <a:schemeClr val="tx1"/>
+                      </a:solidFill>
+                      <a:prstDash val="solid"/>
+                      <a:round/>
+                      <a:headEnd type="none" w="med" len="med"/>
+                      <a:tailEnd type="none" w="med" len="med"/>
+                    </a:lnR>
+                    <a:lnT w="12700" cap="flat" cmpd="sng" algn="ctr">
+                      <a:solidFill>
+                        <a:schemeClr val="tx1"/>
+                      </a:solidFill>
+                      <a:prstDash val="solid"/>
+                      <a:round/>
+                      <a:headEnd type="none" w="med" len="med"/>
+                      <a:tailEnd type="none" w="med" len="med"/>
+                    </a:lnT>
+                    <a:lnB w="12700" cap="flat" cmpd="sng" algn="ctr">
+                      <a:solidFill>
+                        <a:schemeClr val="tx1"/>
+                      </a:solidFill>
+                      <a:prstDash val="solid"/>
+                      <a:round/>
+                      <a:headEnd type="none" w="med" len="med"/>
+                      <a:tailEnd type="none" w="med" len="med"/>
+                    </a:lnB>
+                    <a:noFill/>
+                  </a:tcPr>
+                </a:tc>
+                <a:tc>
+                  <a:txBody>
+                    <a:bodyPr/>
+                    <a:lstStyle/>
+                    <a:p>
+                      <a:pPr algn="ctr"/>
+                      <a:r>
+                        <a:rPr lang="en-US" dirty="0" smtClean="0"/>
+                        <a:t>8</a:t>
+                      </a:r>
+                      <a:endParaRPr lang="en-IN" dirty="0"/>
+                    </a:p>
+                  </a:txBody>
+                  <a:tcPr anchor="ctr">
+                    <a:lnL w="12700" cap="flat" cmpd="sng" algn="ctr">
+                      <a:solidFill>
+                        <a:schemeClr val="tx1"/>
+                      </a:solidFill>
+                      <a:prstDash val="solid"/>
+                      <a:round/>
+                      <a:headEnd type="none" w="med" len="med"/>
+                      <a:tailEnd type="none" w="med" len="med"/>
+                    </a:lnL>
+                    <a:lnR w="12700" cap="flat" cmpd="sng" algn="ctr">
+                      <a:solidFill>
+                        <a:schemeClr val="tx1"/>
+                      </a:solidFill>
+                      <a:prstDash val="solid"/>
+                      <a:round/>
+                      <a:headEnd type="none" w="med" len="med"/>
+                      <a:tailEnd type="none" w="med" len="med"/>
+                    </a:lnR>
+                    <a:lnT w="12700" cap="flat" cmpd="sng" algn="ctr">
+                      <a:solidFill>
+                        <a:schemeClr val="tx1"/>
+                      </a:solidFill>
+                      <a:prstDash val="solid"/>
+                      <a:round/>
+                      <a:headEnd type="none" w="med" len="med"/>
+                      <a:tailEnd type="none" w="med" len="med"/>
+                    </a:lnT>
+                    <a:lnB w="12700" cap="flat" cmpd="sng" algn="ctr">
+                      <a:solidFill>
+                        <a:schemeClr val="tx1"/>
+                      </a:solidFill>
+                      <a:prstDash val="solid"/>
+                      <a:round/>
+                      <a:headEnd type="none" w="med" len="med"/>
+                      <a:tailEnd type="none" w="med" len="med"/>
+                    </a:lnB>
+                    <a:noFill/>
+                  </a:tcPr>
+                </a:tc>
+                <a:tc>
+                  <a:txBody>
+                    <a:bodyPr/>
+                    <a:lstStyle/>
+                    <a:p>
+                      <a:pPr algn="ctr"/>
+                      <a:r>
+                        <a:rPr lang="en-US" dirty="0" smtClean="0"/>
+                        <a:t>6</a:t>
+                      </a:r>
+                      <a:endParaRPr lang="en-IN" dirty="0"/>
+                    </a:p>
+                  </a:txBody>
+                  <a:tcPr anchor="ctr">
+                    <a:lnL w="12700" cap="flat" cmpd="sng" algn="ctr">
+                      <a:solidFill>
+                        <a:schemeClr val="tx1"/>
+                      </a:solidFill>
+                      <a:prstDash val="solid"/>
+                      <a:round/>
+                      <a:headEnd type="none" w="med" len="med"/>
+                      <a:tailEnd type="none" w="med" len="med"/>
+                    </a:lnL>
+                    <a:lnR w="12700" cap="flat" cmpd="sng" algn="ctr">
+                      <a:solidFill>
+                        <a:schemeClr val="tx1"/>
+                      </a:solidFill>
+                      <a:prstDash val="solid"/>
+                      <a:round/>
+                      <a:headEnd type="none" w="med" len="med"/>
+                      <a:tailEnd type="none" w="med" len="med"/>
+                    </a:lnR>
+                    <a:lnT w="12700" cap="flat" cmpd="sng" algn="ctr">
+                      <a:solidFill>
+                        <a:schemeClr val="tx1"/>
+                      </a:solidFill>
+                      <a:prstDash val="solid"/>
+                      <a:round/>
+                      <a:headEnd type="none" w="med" len="med"/>
+                      <a:tailEnd type="none" w="med" len="med"/>
+                    </a:lnT>
+                    <a:lnB w="12700" cap="flat" cmpd="sng" algn="ctr">
+                      <a:solidFill>
+                        <a:schemeClr val="tx1"/>
+                      </a:solidFill>
+                      <a:prstDash val="solid"/>
+                      <a:round/>
+                      <a:headEnd type="none" w="med" len="med"/>
+                      <a:tailEnd type="none" w="med" len="med"/>
+                    </a:lnB>
+                    <a:noFill/>
+                  </a:tcPr>
+                </a:tc>
+              </a:tr>
+            </a:tbl>
+          </a:graphicData>
+        </a:graphic>
+      </p:graphicFrame>
     </p:spTree>
     <p:extLst>
       <p:ext uri="{BB962C8B-B14F-4D97-AF65-F5344CB8AC3E}">
-        <p14:creationId xmlns:p14="http://schemas.microsoft.com/office/powerpoint/2010/main" val="1282326198"/>
+        <p14:creationId xmlns:p14="http://schemas.microsoft.com/office/powerpoint/2010/main" val="3216230689"/>
       </p:ext>
     </p:extLst>
   </p:cSld>
@@ -5666,7 +7416,7 @@
           <a:p>
             <a:r>
               <a:rPr lang="en-US" dirty="0" smtClean="0"/>
-              <a:t>H1 : Proof of admissibility</a:t>
+              <a:t>Non-optimality of H5</a:t>
             </a:r>
             <a:endParaRPr lang="en-IN" dirty="0"/>
           </a:p>
@@ -5689,119 +7439,83 @@
           </a:bodyPr>
           <a:lstStyle/>
           <a:p>
-            <a:pPr marL="502920" indent="-457200"/>
-            <a:r>
-              <a:rPr lang="en-US" dirty="0" smtClean="0"/>
-              <a:t>A boat can carry at most two persons at a time.</a:t>
-            </a:r>
-          </a:p>
-          <a:p>
-            <a:pPr marL="502920" indent="-457200"/>
-            <a:r>
-              <a:rPr lang="en-US" dirty="0" smtClean="0"/>
-              <a:t>The number of persons at the left bank = #M + #C.</a:t>
-            </a:r>
-          </a:p>
-          <a:p>
-            <a:pPr marL="502920" indent="-457200"/>
-            <a:r>
-              <a:rPr lang="en-US" dirty="0" smtClean="0"/>
-              <a:t>Therefore, </a:t>
-            </a:r>
-          </a:p>
-          <a:p>
-            <a:pPr marL="777240" lvl="1" indent="-457200"/>
-            <a:r>
-              <a:rPr lang="en-US" dirty="0" smtClean="0"/>
-              <a:t>Min # steps required = (#</a:t>
-            </a:r>
-            <a:r>
-              <a:rPr lang="en-US" dirty="0"/>
-              <a:t>M + #</a:t>
-            </a:r>
-            <a:r>
-              <a:rPr lang="en-US" dirty="0" smtClean="0"/>
-              <a:t>C</a:t>
-            </a:r>
-            <a:r>
-              <a:rPr lang="en-US" dirty="0"/>
-              <a:t>)</a:t>
-            </a:r>
-            <a:r>
-              <a:rPr lang="en-US" dirty="0" smtClean="0"/>
-              <a:t>/2</a:t>
-            </a:r>
-          </a:p>
-          <a:p>
-            <a:pPr marL="777240" lvl="1" indent="-457200"/>
-            <a:r>
-              <a:rPr lang="en-US" dirty="0" smtClean="0"/>
-              <a:t>Also, h*(n) &gt;= min steps required.</a:t>
-            </a:r>
-          </a:p>
-          <a:p>
-            <a:pPr marL="777240" lvl="1" indent="-457200"/>
-            <a:r>
-              <a:rPr lang="en-US" dirty="0" smtClean="0"/>
-              <a:t>h(n) = min steps required =  </a:t>
-            </a:r>
-            <a:r>
-              <a:rPr lang="en-US" dirty="0"/>
-              <a:t>(#M + #C)/</a:t>
-            </a:r>
-            <a:r>
-              <a:rPr lang="en-US" dirty="0" smtClean="0"/>
-              <a:t>2.</a:t>
-            </a:r>
-          </a:p>
-          <a:p>
-            <a:pPr marL="777240" lvl="1" indent="-457200"/>
-            <a:r>
-              <a:rPr lang="en-US" dirty="0" smtClean="0"/>
-              <a:t>Therefore, h(n) &lt;= h*(n).</a:t>
-            </a:r>
-          </a:p>
-          <a:p>
-            <a:pPr marL="777240" lvl="1" indent="-457200"/>
+            <a:r>
+              <a:rPr lang="en-US" dirty="0" smtClean="0"/>
+              <a:t>Start state = [[0, 1, 2][3, 4, 5][6, 7, 8]]</a:t>
+            </a:r>
+          </a:p>
+          <a:p>
+            <a:r>
+              <a:rPr lang="en-US" dirty="0" smtClean="0"/>
+              <a:t>Final state = [[4, 1, 2][0, 6, 3][7, 5, 8]]</a:t>
+            </a:r>
+          </a:p>
+          <a:p>
+            <a:r>
+              <a:rPr lang="en-US" dirty="0" smtClean="0"/>
+              <a:t>With </a:t>
+            </a:r>
+            <a:r>
+              <a:rPr lang="en-US" dirty="0" err="1" smtClean="0"/>
+              <a:t>manhattan</a:t>
+            </a:r>
+            <a:r>
+              <a:rPr lang="en-US" dirty="0" smtClean="0"/>
+              <a:t> distance heuristic</a:t>
+            </a:r>
+          </a:p>
+          <a:p>
+            <a:pPr lvl="1"/>
+            <a:r>
+              <a:rPr lang="en-US" dirty="0" smtClean="0"/>
+              <a:t>#steps = 114</a:t>
+            </a:r>
+          </a:p>
+          <a:p>
+            <a:pPr lvl="1"/>
+            <a:r>
+              <a:rPr lang="en-US" dirty="0" err="1" smtClean="0"/>
+              <a:t>Pathlength</a:t>
+            </a:r>
+            <a:r>
+              <a:rPr lang="en-US" dirty="0" smtClean="0"/>
+              <a:t> </a:t>
+            </a:r>
+            <a:r>
+              <a:rPr lang="en-US" dirty="0" smtClean="0"/>
+              <a:t>= 16</a:t>
+            </a:r>
             <a:endParaRPr lang="en-US" dirty="0" smtClean="0"/>
           </a:p>
           <a:p>
-            <a:pPr marL="502920" indent="-457200"/>
-            <a:r>
-              <a:rPr lang="en-US" dirty="0" smtClean="0"/>
-              <a:t>Hence, Heuristic H1 is admissible. </a:t>
-            </a:r>
-            <a:endParaRPr lang="en-US" dirty="0"/>
-          </a:p>
-          <a:p>
-            <a:pPr marL="777240" lvl="1" indent="-457200"/>
-            <a:endParaRPr lang="en-US" dirty="0"/>
-          </a:p>
-          <a:p>
-            <a:pPr lvl="3"/>
-            <a:endParaRPr lang="en-US" i="1" dirty="0" smtClean="0"/>
-          </a:p>
-          <a:p>
-            <a:pPr lvl="2"/>
-            <a:endParaRPr lang="en-US" dirty="0" smtClean="0"/>
-          </a:p>
-          <a:p>
-            <a:pPr marL="274320" lvl="1" indent="0">
-              <a:buNone/>
-            </a:pPr>
-            <a:endParaRPr lang="en-US" i="1" dirty="0" smtClean="0"/>
-          </a:p>
-          <a:p>
-            <a:pPr marL="274320" lvl="1" indent="0">
-              <a:buNone/>
-            </a:pPr>
-            <a:endParaRPr lang="en-US" dirty="0" smtClean="0"/>
-          </a:p>
-          <a:p>
-            <a:pPr marL="274320" lvl="1" indent="0">
-              <a:buNone/>
-            </a:pPr>
-            <a:endParaRPr lang="en-US" dirty="0" smtClean="0"/>
+            <a:r>
+              <a:rPr lang="en-US" dirty="0" smtClean="0"/>
+              <a:t>With H5 heuristic</a:t>
+            </a:r>
+          </a:p>
+          <a:p>
+            <a:pPr lvl="1"/>
+            <a:r>
+              <a:rPr lang="en-US" dirty="0" smtClean="0"/>
+              <a:t>#steps = 1085</a:t>
+            </a:r>
+          </a:p>
+          <a:p>
+            <a:pPr lvl="1"/>
+            <a:r>
+              <a:rPr lang="en-US" dirty="0" err="1" smtClean="0"/>
+              <a:t>Pathlength</a:t>
+            </a:r>
+            <a:r>
+              <a:rPr lang="en-US" dirty="0" smtClean="0"/>
+              <a:t> =  18</a:t>
+            </a:r>
+          </a:p>
+          <a:p>
+            <a:r>
+              <a:rPr lang="en-US" dirty="0" smtClean="0"/>
+              <a:t>H5 gives sub-optimal path. </a:t>
+            </a:r>
           </a:p>
           <a:p>
             <a:pPr lvl="1"/>
@@ -5812,7 +7526,7 @@
     </p:spTree>
     <p:extLst>
       <p:ext uri="{BB962C8B-B14F-4D97-AF65-F5344CB8AC3E}">
-        <p14:creationId xmlns:p14="http://schemas.microsoft.com/office/powerpoint/2010/main" val="1838261244"/>
+        <p14:creationId xmlns:p14="http://schemas.microsoft.com/office/powerpoint/2010/main" val="3776706275"/>
       </p:ext>
     </p:extLst>
   </p:cSld>
@@ -5858,18 +7572,12 @@
         </p:nvSpPr>
         <p:spPr/>
         <p:txBody>
-          <a:bodyPr>
-            <a:normAutofit/>
-          </a:bodyPr>
+          <a:bodyPr/>
           <a:lstStyle/>
           <a:p>
             <a:r>
-              <a:rPr lang="en-US" dirty="0"/>
-              <a:t>Missionaries and </a:t>
-            </a:r>
-            <a:r>
-              <a:rPr lang="en-US" dirty="0" smtClean="0"/>
-              <a:t>Cannibals: Heuristics</a:t>
+              <a:rPr lang="en-US" dirty="0" smtClean="0"/>
+              <a:t>Non-optimality of H5</a:t>
             </a:r>
             <a:endParaRPr lang="en-IN" dirty="0"/>
           </a:p>
@@ -5887,139 +7595,166 @@
         </p:nvSpPr>
         <p:spPr/>
         <p:txBody>
-          <a:bodyPr/>
+          <a:bodyPr>
+            <a:normAutofit/>
+          </a:bodyPr>
           <a:lstStyle/>
           <a:p>
             <a:r>
-              <a:rPr lang="en-IN" dirty="0" smtClean="0"/>
-              <a:t>H2 </a:t>
-            </a:r>
-            <a:r>
-              <a:rPr lang="en-IN" dirty="0"/>
-              <a:t>: </a:t>
-            </a:r>
-            <a:r>
-              <a:rPr lang="en-IN" dirty="0" smtClean="0"/>
-              <a:t>No. of persons left on L bank</a:t>
-            </a:r>
-            <a:endParaRPr lang="en-IN" dirty="0"/>
-          </a:p>
-          <a:p>
-            <a:pPr lvl="1"/>
-            <a:r>
-              <a:rPr lang="en-US" i="1" dirty="0" err="1"/>
-              <a:t>hvalue</a:t>
-            </a:r>
-            <a:r>
-              <a:rPr lang="en-US" i="1" dirty="0"/>
-              <a:t> = (#M + #C</a:t>
-            </a:r>
-            <a:r>
-              <a:rPr lang="en-US" i="1" dirty="0" smtClean="0"/>
-              <a:t>)</a:t>
-            </a:r>
-            <a:endParaRPr lang="en-US" i="1" dirty="0"/>
-          </a:p>
-          <a:p>
-            <a:pPr lvl="1"/>
-            <a:r>
-              <a:rPr lang="en-US" dirty="0" smtClean="0"/>
-              <a:t>Violates </a:t>
-            </a:r>
+              <a:rPr lang="en-US" dirty="0" smtClean="0"/>
+              <a:t>Start state = </a:t>
+            </a:r>
+            <a:r>
+              <a:rPr lang="en-US" dirty="0"/>
+              <a:t>[[1</a:t>
+            </a:r>
+            <a:r>
+              <a:rPr lang="en-US" dirty="0" smtClean="0"/>
+              <a:t>, 3, 6], [</a:t>
+            </a:r>
+            <a:r>
+              <a:rPr lang="en-US" dirty="0"/>
+              <a:t>4</a:t>
+            </a:r>
+            <a:r>
+              <a:rPr lang="en-US" dirty="0" smtClean="0"/>
+              <a:t>, 0, 2], [</a:t>
+            </a:r>
+            <a:r>
+              <a:rPr lang="en-US" dirty="0"/>
+              <a:t>7</a:t>
+            </a:r>
+            <a:r>
+              <a:rPr lang="en-US" dirty="0" smtClean="0"/>
+              <a:t>, 5, 8</a:t>
+            </a:r>
+            <a:r>
+              <a:rPr lang="en-US" dirty="0"/>
+              <a:t>]]</a:t>
+            </a:r>
+            <a:endParaRPr lang="en-US" dirty="0" smtClean="0"/>
+          </a:p>
+          <a:p>
+            <a:r>
+              <a:rPr lang="en-US" dirty="0" smtClean="0"/>
+              <a:t>Final state = </a:t>
+            </a:r>
+            <a:r>
+              <a:rPr lang="en-US" dirty="0"/>
+              <a:t>[[1</a:t>
+            </a:r>
+            <a:r>
+              <a:rPr lang="en-US" dirty="0" smtClean="0"/>
+              <a:t>, 2, 3], [</a:t>
+            </a:r>
+            <a:r>
+              <a:rPr lang="en-US" dirty="0"/>
+              <a:t>4</a:t>
+            </a:r>
+            <a:r>
+              <a:rPr lang="en-US" dirty="0" smtClean="0"/>
+              <a:t>, 5, 6], [</a:t>
+            </a:r>
+            <a:r>
+              <a:rPr lang="en-US" dirty="0"/>
+              <a:t>7</a:t>
+            </a:r>
+            <a:r>
+              <a:rPr lang="en-US" dirty="0" smtClean="0"/>
+              <a:t>, 8, 0</a:t>
+            </a:r>
+            <a:r>
+              <a:rPr lang="en-US" dirty="0"/>
+              <a:t>]]</a:t>
+            </a:r>
+            <a:endParaRPr lang="en-US" dirty="0" smtClean="0"/>
+          </a:p>
+          <a:p>
+            <a:r>
+              <a:rPr lang="en-US" dirty="0" smtClean="0"/>
+              <a:t>With </a:t>
+            </a:r>
+            <a:r>
+              <a:rPr lang="en-US" dirty="0" smtClean="0"/>
+              <a:t>trivial heuristic i.e. h = 0</a:t>
+            </a:r>
+            <a:endParaRPr lang="en-US" dirty="0" smtClean="0"/>
+          </a:p>
+          <a:p>
+            <a:pPr lvl="1"/>
+            <a:r>
+              <a:rPr lang="en-US" dirty="0" smtClean="0"/>
+              <a:t>#steps = </a:t>
+            </a:r>
+            <a:r>
+              <a:rPr lang="en-US" dirty="0" smtClean="0"/>
+              <a:t>108</a:t>
+            </a:r>
+            <a:endParaRPr lang="en-US" dirty="0" smtClean="0"/>
+          </a:p>
+          <a:p>
+            <a:pPr lvl="1"/>
             <a:r>
               <a:rPr lang="en-US" dirty="0" err="1" smtClean="0"/>
-              <a:t>admissiblity</a:t>
-            </a:r>
-            <a:r>
-              <a:rPr lang="en-US" dirty="0" smtClean="0"/>
+              <a:t>Pathlength</a:t>
+            </a:r>
+            <a:r>
+              <a:rPr lang="en-US" smtClean="0"/>
               <a:t> </a:t>
             </a:r>
             <a:r>
+              <a:rPr lang="en-US" smtClean="0"/>
+              <a:t>= </a:t>
+            </a:r>
+            <a:r>
+              <a:rPr lang="en-US" smtClean="0"/>
+              <a:t>7</a:t>
+            </a:r>
+            <a:endParaRPr lang="en-US" dirty="0" smtClean="0"/>
+          </a:p>
+          <a:p>
+            <a:r>
+              <a:rPr lang="en-US" dirty="0" smtClean="0"/>
+              <a:t>With H5 heuristic</a:t>
+            </a:r>
+          </a:p>
+          <a:p>
+            <a:pPr lvl="1"/>
+            <a:r>
+              <a:rPr lang="en-US" dirty="0" smtClean="0"/>
+              <a:t>#steps = </a:t>
+            </a:r>
+            <a:r>
+              <a:rPr lang="en-US" dirty="0" smtClean="0"/>
+              <a:t>101</a:t>
+            </a:r>
+            <a:endParaRPr lang="en-US" dirty="0" smtClean="0"/>
+          </a:p>
+          <a:p>
+            <a:pPr lvl="1"/>
+            <a:r>
+              <a:rPr lang="en-US" dirty="0" err="1" smtClean="0"/>
+              <a:t>Pathlength</a:t>
+            </a:r>
+            <a:r>
+              <a:rPr lang="en-US" dirty="0" smtClean="0"/>
+              <a:t> =  </a:t>
+            </a:r>
+            <a:r>
               <a:rPr lang="en-US" dirty="0"/>
-              <a:t>of A* .</a:t>
-            </a:r>
-          </a:p>
-          <a:p>
-            <a:pPr lvl="1"/>
-            <a:r>
-              <a:rPr lang="en-US" dirty="0" smtClean="0"/>
-              <a:t>Violates </a:t>
-            </a:r>
-            <a:r>
-              <a:rPr lang="en-US" dirty="0" err="1" smtClean="0"/>
-              <a:t>Montone</a:t>
-            </a:r>
-            <a:r>
-              <a:rPr lang="en-US" dirty="0" smtClean="0"/>
-              <a:t> </a:t>
-            </a:r>
-            <a:r>
-              <a:rPr lang="en-US" dirty="0"/>
-              <a:t>Restriction</a:t>
-            </a:r>
-            <a:r>
-              <a:rPr lang="en-US" dirty="0" smtClean="0"/>
-              <a:t>.</a:t>
-            </a:r>
-          </a:p>
-          <a:p>
-            <a:pPr lvl="1"/>
+              <a:t>7</a:t>
+            </a:r>
             <a:endParaRPr lang="en-US" dirty="0" smtClean="0"/>
           </a:p>
           <a:p>
             <a:r>
               <a:rPr lang="en-US" dirty="0" smtClean="0"/>
-              <a:t>Let the configuration of node n be &lt;1, 1, L &gt;</a:t>
-            </a:r>
-          </a:p>
-          <a:p>
-            <a:pPr lvl="1"/>
-            <a:r>
-              <a:rPr lang="en-US" dirty="0" smtClean="0"/>
-              <a:t>Then, h(n) = 2 </a:t>
-            </a:r>
-          </a:p>
-          <a:p>
-            <a:pPr lvl="1"/>
-            <a:r>
-              <a:rPr lang="en-US" dirty="0" smtClean="0"/>
-              <a:t>Here, h*(n)=1 since M and C can be carried in a single boat safely.</a:t>
-            </a:r>
-          </a:p>
-          <a:p>
-            <a:pPr lvl="1"/>
-            <a:endParaRPr lang="en-US" dirty="0" smtClean="0"/>
-          </a:p>
-          <a:p>
-            <a:r>
-              <a:rPr lang="en-US" dirty="0" smtClean="0"/>
-              <a:t>Hence, h(n) &gt; h*(n) violates admissibility of H2.</a:t>
-            </a:r>
-          </a:p>
-          <a:p>
-            <a:pPr lvl="1"/>
-            <a:endParaRPr lang="en-US" dirty="0"/>
-          </a:p>
-          <a:p>
-            <a:pPr marL="0" indent="0">
-              <a:buNone/>
-            </a:pPr>
-            <a:endParaRPr lang="en-US" dirty="0"/>
-          </a:p>
-          <a:p>
-            <a:pPr marL="274320" lvl="1" indent="0">
-              <a:buNone/>
-            </a:pPr>
-            <a:endParaRPr lang="en-US" dirty="0"/>
-          </a:p>
-          <a:p>
-            <a:pPr marL="274320" lvl="1" indent="0">
-              <a:buNone/>
-            </a:pPr>
-            <a:endParaRPr lang="en-US" dirty="0" smtClean="0"/>
-          </a:p>
-          <a:p>
-            <a:pPr lvl="1"/>
+              <a:t>H5 gives </a:t>
+            </a:r>
+            <a:r>
+              <a:rPr lang="en-US" dirty="0" smtClean="0"/>
+              <a:t>optimal path in smaller number of steps. </a:t>
+            </a:r>
             <a:endParaRPr lang="en-US" dirty="0" smtClean="0"/>
           </a:p>
           <a:p>
@@ -6031,7 +7766,7 @@
     </p:spTree>
     <p:extLst>
       <p:ext uri="{BB962C8B-B14F-4D97-AF65-F5344CB8AC3E}">
-        <p14:creationId xmlns:p14="http://schemas.microsoft.com/office/powerpoint/2010/main" val="2621910406"/>
+        <p14:creationId xmlns:p14="http://schemas.microsoft.com/office/powerpoint/2010/main" val="3301217375"/>
       </p:ext>
     </p:extLst>
   </p:cSld>
@@ -6077,14 +7812,12 @@
         </p:nvSpPr>
         <p:spPr/>
         <p:txBody>
-          <a:bodyPr>
-            <a:normAutofit/>
-          </a:bodyPr>
+          <a:bodyPr/>
           <a:lstStyle/>
           <a:p>
             <a:r>
               <a:rPr lang="en-US" dirty="0" smtClean="0"/>
-              <a:t>Bidirectional Search</a:t>
+              <a:t>8-Tiles Puzzle : Non-Reachability</a:t>
             </a:r>
             <a:endParaRPr lang="en-IN" dirty="0"/>
           </a:p>
@@ -6100,112 +7833,17 @@
             <p:ph sz="quarter" idx="1"/>
           </p:nvPr>
         </p:nvSpPr>
-        <p:spPr>
-          <a:xfrm>
-            <a:off x="457200" y="1143000"/>
-            <a:ext cx="8229600" cy="4937760"/>
-          </a:xfrm>
-        </p:spPr>
+        <p:spPr/>
         <p:txBody>
           <a:bodyPr/>
           <a:lstStyle/>
           <a:p>
-            <a:r>
-              <a:rPr lang="en-US" dirty="0" smtClean="0"/>
-              <a:t>Runs two simultaneous searches :</a:t>
-            </a:r>
-          </a:p>
-          <a:p>
-            <a:pPr lvl="1"/>
-            <a:r>
-              <a:rPr lang="en-US" dirty="0" smtClean="0"/>
-              <a:t>One forward from initial state</a:t>
-            </a:r>
-          </a:p>
-          <a:p>
-            <a:pPr lvl="1"/>
-            <a:r>
-              <a:rPr lang="en-US" dirty="0" smtClean="0"/>
-              <a:t>One backward from the goal state</a:t>
-            </a:r>
-          </a:p>
-          <a:p>
-            <a:pPr lvl="1"/>
+            <a:pPr lvl="1"/>
+            <a:r>
+              <a:rPr lang="en-US" dirty="0"/>
+              <a:t>One operation i.e. moving a tile to the blank space results in change in number of inversion pairs either by 0 or 2. </a:t>
+            </a:r>
             <a:endParaRPr lang="en-US" dirty="0" smtClean="0"/>
-          </a:p>
-          <a:p>
-            <a:r>
-              <a:rPr lang="en-US" dirty="0" smtClean="0"/>
-              <a:t>Termination Condition</a:t>
-            </a:r>
-          </a:p>
-          <a:p>
-            <a:pPr lvl="1"/>
-            <a:r>
-              <a:rPr lang="en-US" dirty="0" smtClean="0"/>
-              <a:t>The search is terminated when the two search frontiers meet each other. </a:t>
-            </a:r>
-          </a:p>
-          <a:p>
-            <a:pPr lvl="1"/>
-            <a:r>
-              <a:rPr lang="en-US" dirty="0" smtClean="0"/>
-              <a:t>Construct the single path extending from start node through intersection node to the goal. </a:t>
-            </a:r>
-          </a:p>
-          <a:p>
-            <a:pPr lvl="1"/>
-            <a:endParaRPr lang="en-US" dirty="0" smtClean="0"/>
-          </a:p>
-          <a:p>
-            <a:r>
-              <a:rPr lang="en-US" dirty="0" smtClean="0"/>
-              <a:t>Bidirectional search does not guarantee optimality.</a:t>
-            </a:r>
-          </a:p>
-          <a:p>
-            <a:pPr lvl="1"/>
-            <a:endParaRPr lang="en-US" dirty="0"/>
-          </a:p>
-          <a:p>
-            <a:pPr marL="274320" lvl="1" indent="0">
-              <a:buNone/>
-            </a:pPr>
-            <a:endParaRPr lang="en-US" dirty="0" smtClean="0"/>
-          </a:p>
-          <a:p>
-            <a:pPr lvl="1"/>
-            <a:endParaRPr lang="en-US" dirty="0"/>
-          </a:p>
-          <a:p>
-            <a:pPr marL="274320" lvl="1" indent="0">
-              <a:buNone/>
-            </a:pPr>
-            <a:endParaRPr lang="en-US" dirty="0" smtClean="0"/>
-          </a:p>
-          <a:p>
-            <a:pPr lvl="1"/>
-            <a:endParaRPr lang="en-US" dirty="0"/>
-          </a:p>
-          <a:p>
-            <a:pPr marL="0" indent="0">
-              <a:buNone/>
-            </a:pPr>
-            <a:endParaRPr lang="en-US" dirty="0" smtClean="0"/>
-          </a:p>
-          <a:p>
-            <a:pPr lvl="1"/>
-            <a:endParaRPr lang="en-US" dirty="0" smtClean="0"/>
-          </a:p>
-          <a:p>
-            <a:pPr lvl="1"/>
-            <a:endParaRPr lang="en-US" dirty="0"/>
-          </a:p>
-          <a:p>
-            <a:pPr marL="0" indent="0">
-              <a:buNone/>
-            </a:pPr>
-            <a:endParaRPr lang="en-US" dirty="0"/>
           </a:p>
           <a:p>
             <a:pPr marL="274320" lvl="1" indent="0">
@@ -6214,25 +7852,29 @@
             <a:endParaRPr lang="en-US" dirty="0"/>
           </a:p>
           <a:p>
-            <a:pPr marL="274320" lvl="1" indent="0">
-              <a:buNone/>
-            </a:pPr>
-            <a:endParaRPr lang="en-US" dirty="0" smtClean="0"/>
-          </a:p>
-          <a:p>
-            <a:pPr lvl="1"/>
-            <a:endParaRPr lang="en-US" dirty="0" smtClean="0"/>
-          </a:p>
-          <a:p>
-            <a:pPr lvl="1"/>
-            <a:endParaRPr lang="en-US" dirty="0" smtClean="0"/>
+            <a:pPr lvl="1"/>
+            <a:r>
+              <a:rPr lang="en-US" dirty="0" smtClean="0"/>
+              <a:t>Therefore, the difference between the number of inversion pairs of the start configuration and the goal configuration should be even for reachability.</a:t>
+            </a:r>
+          </a:p>
+          <a:p>
+            <a:pPr lvl="1"/>
+            <a:endParaRPr lang="en-US" dirty="0"/>
+          </a:p>
+          <a:p>
+            <a:pPr lvl="1"/>
+            <a:r>
+              <a:rPr lang="en-US" dirty="0" smtClean="0"/>
+              <a:t>If the difference between the number of inversion pairs is odd, then the 8-puzzle problem is not solvable. </a:t>
+            </a:r>
           </a:p>
         </p:txBody>
       </p:sp>
     </p:spTree>
     <p:extLst>
       <p:ext uri="{BB962C8B-B14F-4D97-AF65-F5344CB8AC3E}">
-        <p14:creationId xmlns:p14="http://schemas.microsoft.com/office/powerpoint/2010/main" val="3484905113"/>
+        <p14:creationId xmlns:p14="http://schemas.microsoft.com/office/powerpoint/2010/main" val="259317267"/>
       </p:ext>
     </p:extLst>
   </p:cSld>
@@ -6281,7 +7923,11 @@
           <a:bodyPr/>
           <a:lstStyle/>
           <a:p>
-            <a:endParaRPr lang="en-US"/>
+            <a:r>
+              <a:rPr lang="en-US" dirty="0" smtClean="0"/>
+              <a:t>Non-Reachability : Example</a:t>
+            </a:r>
+            <a:endParaRPr lang="en-IN" dirty="0"/>
           </a:p>
         </p:txBody>
       </p:sp>
@@ -6295,25 +7941,1127 @@
             <p:ph sz="quarter" idx="1"/>
           </p:nvPr>
         </p:nvSpPr>
-        <p:spPr/>
+        <p:spPr>
+          <a:xfrm>
+            <a:off x="662880" y="1219200"/>
+            <a:ext cx="8229600" cy="4937760"/>
+          </a:xfrm>
+        </p:spPr>
         <p:txBody>
           <a:bodyPr/>
           <a:lstStyle/>
           <a:p>
-            <a:endParaRPr lang="en-US"/>
-          </a:p>
-        </p:txBody>
-      </p:sp>
+            <a:pPr lvl="1" algn="ctr"/>
+            <a:endParaRPr lang="en-US" dirty="0" smtClean="0"/>
+          </a:p>
+          <a:p>
+            <a:pPr lvl="1" algn="ctr"/>
+            <a:endParaRPr lang="en-US" dirty="0"/>
+          </a:p>
+          <a:p>
+            <a:pPr lvl="1" algn="ctr"/>
+            <a:endParaRPr lang="en-US" dirty="0" smtClean="0"/>
+          </a:p>
+          <a:p>
+            <a:pPr lvl="1" algn="ctr"/>
+            <a:endParaRPr lang="en-US" dirty="0"/>
+          </a:p>
+          <a:p>
+            <a:pPr lvl="1" algn="ctr"/>
+            <a:endParaRPr lang="en-US" dirty="0" smtClean="0"/>
+          </a:p>
+          <a:p>
+            <a:pPr marL="0" indent="0" algn="ctr">
+              <a:buNone/>
+            </a:pPr>
+            <a:r>
+              <a:rPr lang="en-US" dirty="0" smtClean="0"/>
+              <a:t>Start state		Final State</a:t>
+            </a:r>
+          </a:p>
+          <a:p>
+            <a:r>
+              <a:rPr lang="en-US" dirty="0" smtClean="0"/>
+              <a:t>No. of inversion pairs in start state = 16</a:t>
+            </a:r>
+          </a:p>
+          <a:p>
+            <a:r>
+              <a:rPr lang="en-US" dirty="0"/>
+              <a:t>No. of inversion pairs in </a:t>
+            </a:r>
+            <a:r>
+              <a:rPr lang="en-US" dirty="0" smtClean="0"/>
+              <a:t>final state = 7</a:t>
+            </a:r>
+            <a:endParaRPr lang="en-US" dirty="0"/>
+          </a:p>
+          <a:p>
+            <a:r>
+              <a:rPr lang="en-US" dirty="0" smtClean="0">
+                <a:sym typeface="Wingdings" panose="05000000000000000000" pitchFamily="2" charset="2"/>
+              </a:rPr>
+              <a:t> </a:t>
+            </a:r>
+            <a:r>
+              <a:rPr lang="en-US" dirty="0" smtClean="0"/>
+              <a:t>Difference = 9, which is odd.</a:t>
+            </a:r>
+          </a:p>
+          <a:p>
+            <a:r>
+              <a:rPr lang="en-US" dirty="0" smtClean="0"/>
+              <a:t>Hence, Not solvable. </a:t>
+            </a:r>
+            <a:endParaRPr lang="en-US" dirty="0"/>
+          </a:p>
+          <a:p>
+            <a:pPr lvl="1" algn="ctr"/>
+            <a:endParaRPr lang="en-US" dirty="0" smtClean="0"/>
+          </a:p>
+        </p:txBody>
+      </p:sp>
+      <p:graphicFrame>
+        <p:nvGraphicFramePr>
+          <p:cNvPr id="4" name="Table 3"/>
+          <p:cNvGraphicFramePr>
+            <a:graphicFrameLocks noGrp="1"/>
+          </p:cNvGraphicFramePr>
+          <p:nvPr>
+            <p:extLst>
+              <p:ext uri="{D42A27DB-BD31-4B8C-83A1-F6EECF244321}">
+                <p14:modId xmlns:p14="http://schemas.microsoft.com/office/powerpoint/2010/main" val="93102838"/>
+              </p:ext>
+            </p:extLst>
+          </p:nvPr>
+        </p:nvGraphicFramePr>
+        <p:xfrm>
+          <a:off x="2526437" y="1628800"/>
+          <a:ext cx="1469499" cy="1512168"/>
+        </p:xfrm>
+        <a:graphic>
+          <a:graphicData uri="http://schemas.openxmlformats.org/drawingml/2006/table">
+            <a:tbl>
+              <a:tblPr>
+                <a:tableStyleId>{5C22544A-7EE6-4342-B048-85BDC9FD1C3A}</a:tableStyleId>
+              </a:tblPr>
+              <a:tblGrid>
+                <a:gridCol w="489833"/>
+                <a:gridCol w="489833"/>
+                <a:gridCol w="489833"/>
+              </a:tblGrid>
+              <a:tr h="504056">
+                <a:tc>
+                  <a:txBody>
+                    <a:bodyPr/>
+                    <a:lstStyle/>
+                    <a:p>
+                      <a:pPr algn="ctr"/>
+                      <a:r>
+                        <a:rPr lang="en-US" dirty="0" smtClean="0"/>
+                        <a:t>8</a:t>
+                      </a:r>
+                      <a:endParaRPr lang="en-IN" dirty="0"/>
+                    </a:p>
+                  </a:txBody>
+                  <a:tcPr anchor="ctr">
+                    <a:lnL w="12700" cap="flat" cmpd="sng" algn="ctr">
+                      <a:solidFill>
+                        <a:schemeClr val="tx1"/>
+                      </a:solidFill>
+                      <a:prstDash val="solid"/>
+                      <a:round/>
+                      <a:headEnd type="none" w="med" len="med"/>
+                      <a:tailEnd type="none" w="med" len="med"/>
+                    </a:lnL>
+                    <a:lnR w="12700" cap="flat" cmpd="sng" algn="ctr">
+                      <a:solidFill>
+                        <a:schemeClr val="tx1"/>
+                      </a:solidFill>
+                      <a:prstDash val="solid"/>
+                      <a:round/>
+                      <a:headEnd type="none" w="med" len="med"/>
+                      <a:tailEnd type="none" w="med" len="med"/>
+                    </a:lnR>
+                    <a:lnT w="12700" cap="flat" cmpd="sng" algn="ctr">
+                      <a:solidFill>
+                        <a:schemeClr val="tx1"/>
+                      </a:solidFill>
+                      <a:prstDash val="solid"/>
+                      <a:round/>
+                      <a:headEnd type="none" w="med" len="med"/>
+                      <a:tailEnd type="none" w="med" len="med"/>
+                    </a:lnT>
+                    <a:lnB w="12700" cap="flat" cmpd="sng" algn="ctr">
+                      <a:solidFill>
+                        <a:schemeClr val="tx1"/>
+                      </a:solidFill>
+                      <a:prstDash val="solid"/>
+                      <a:round/>
+                      <a:headEnd type="none" w="med" len="med"/>
+                      <a:tailEnd type="none" w="med" len="med"/>
+                    </a:lnB>
+                    <a:noFill/>
+                  </a:tcPr>
+                </a:tc>
+                <a:tc>
+                  <a:txBody>
+                    <a:bodyPr/>
+                    <a:lstStyle/>
+                    <a:p>
+                      <a:pPr algn="ctr"/>
+                      <a:r>
+                        <a:rPr lang="en-US" dirty="0" smtClean="0"/>
+                        <a:t>3</a:t>
+                      </a:r>
+                      <a:endParaRPr lang="en-IN" dirty="0"/>
+                    </a:p>
+                  </a:txBody>
+                  <a:tcPr anchor="ctr">
+                    <a:lnL w="12700" cap="flat" cmpd="sng" algn="ctr">
+                      <a:solidFill>
+                        <a:schemeClr val="tx1"/>
+                      </a:solidFill>
+                      <a:prstDash val="solid"/>
+                      <a:round/>
+                      <a:headEnd type="none" w="med" len="med"/>
+                      <a:tailEnd type="none" w="med" len="med"/>
+                    </a:lnL>
+                    <a:lnR w="12700" cap="flat" cmpd="sng" algn="ctr">
+                      <a:solidFill>
+                        <a:schemeClr val="tx1"/>
+                      </a:solidFill>
+                      <a:prstDash val="solid"/>
+                      <a:round/>
+                      <a:headEnd type="none" w="med" len="med"/>
+                      <a:tailEnd type="none" w="med" len="med"/>
+                    </a:lnR>
+                    <a:lnT w="12700" cap="flat" cmpd="sng" algn="ctr">
+                      <a:solidFill>
+                        <a:schemeClr val="tx1"/>
+                      </a:solidFill>
+                      <a:prstDash val="solid"/>
+                      <a:round/>
+                      <a:headEnd type="none" w="med" len="med"/>
+                      <a:tailEnd type="none" w="med" len="med"/>
+                    </a:lnT>
+                    <a:lnB w="12700" cap="flat" cmpd="sng" algn="ctr">
+                      <a:solidFill>
+                        <a:schemeClr val="tx1"/>
+                      </a:solidFill>
+                      <a:prstDash val="solid"/>
+                      <a:round/>
+                      <a:headEnd type="none" w="med" len="med"/>
+                      <a:tailEnd type="none" w="med" len="med"/>
+                    </a:lnB>
+                    <a:noFill/>
+                  </a:tcPr>
+                </a:tc>
+                <a:tc>
+                  <a:txBody>
+                    <a:bodyPr/>
+                    <a:lstStyle/>
+                    <a:p>
+                      <a:pPr algn="ctr"/>
+                      <a:r>
+                        <a:rPr lang="en-US" dirty="0" smtClean="0"/>
+                        <a:t>5</a:t>
+                      </a:r>
+                      <a:endParaRPr lang="en-IN" dirty="0"/>
+                    </a:p>
+                  </a:txBody>
+                  <a:tcPr anchor="ctr">
+                    <a:lnL w="12700" cap="flat" cmpd="sng" algn="ctr">
+                      <a:solidFill>
+                        <a:schemeClr val="tx1"/>
+                      </a:solidFill>
+                      <a:prstDash val="solid"/>
+                      <a:round/>
+                      <a:headEnd type="none" w="med" len="med"/>
+                      <a:tailEnd type="none" w="med" len="med"/>
+                    </a:lnL>
+                    <a:lnR w="12700" cap="flat" cmpd="sng" algn="ctr">
+                      <a:solidFill>
+                        <a:schemeClr val="tx1"/>
+                      </a:solidFill>
+                      <a:prstDash val="solid"/>
+                      <a:round/>
+                      <a:headEnd type="none" w="med" len="med"/>
+                      <a:tailEnd type="none" w="med" len="med"/>
+                    </a:lnR>
+                    <a:lnT w="12700" cap="flat" cmpd="sng" algn="ctr">
+                      <a:solidFill>
+                        <a:schemeClr val="tx1"/>
+                      </a:solidFill>
+                      <a:prstDash val="solid"/>
+                      <a:round/>
+                      <a:headEnd type="none" w="med" len="med"/>
+                      <a:tailEnd type="none" w="med" len="med"/>
+                    </a:lnT>
+                    <a:lnB w="12700" cap="flat" cmpd="sng" algn="ctr">
+                      <a:solidFill>
+                        <a:schemeClr val="tx1"/>
+                      </a:solidFill>
+                      <a:prstDash val="solid"/>
+                      <a:round/>
+                      <a:headEnd type="none" w="med" len="med"/>
+                      <a:tailEnd type="none" w="med" len="med"/>
+                    </a:lnB>
+                    <a:noFill/>
+                  </a:tcPr>
+                </a:tc>
+              </a:tr>
+              <a:tr h="504056">
+                <a:tc>
+                  <a:txBody>
+                    <a:bodyPr/>
+                    <a:lstStyle/>
+                    <a:p>
+                      <a:pPr algn="ctr"/>
+                      <a:r>
+                        <a:rPr lang="en-US" dirty="0" smtClean="0"/>
+                        <a:t>4</a:t>
+                      </a:r>
+                      <a:endParaRPr lang="en-IN" dirty="0"/>
+                    </a:p>
+                  </a:txBody>
+                  <a:tcPr anchor="ctr">
+                    <a:lnL w="12700" cap="flat" cmpd="sng" algn="ctr">
+                      <a:solidFill>
+                        <a:schemeClr val="tx1"/>
+                      </a:solidFill>
+                      <a:prstDash val="solid"/>
+                      <a:round/>
+                      <a:headEnd type="none" w="med" len="med"/>
+                      <a:tailEnd type="none" w="med" len="med"/>
+                    </a:lnL>
+                    <a:lnR w="12700" cap="flat" cmpd="sng" algn="ctr">
+                      <a:solidFill>
+                        <a:schemeClr val="tx1"/>
+                      </a:solidFill>
+                      <a:prstDash val="solid"/>
+                      <a:round/>
+                      <a:headEnd type="none" w="med" len="med"/>
+                      <a:tailEnd type="none" w="med" len="med"/>
+                    </a:lnR>
+                    <a:lnT w="12700" cap="flat" cmpd="sng" algn="ctr">
+                      <a:solidFill>
+                        <a:schemeClr val="tx1"/>
+                      </a:solidFill>
+                      <a:prstDash val="solid"/>
+                      <a:round/>
+                      <a:headEnd type="none" w="med" len="med"/>
+                      <a:tailEnd type="none" w="med" len="med"/>
+                    </a:lnT>
+                    <a:lnB w="12700" cap="flat" cmpd="sng" algn="ctr">
+                      <a:solidFill>
+                        <a:schemeClr val="tx1"/>
+                      </a:solidFill>
+                      <a:prstDash val="solid"/>
+                      <a:round/>
+                      <a:headEnd type="none" w="med" len="med"/>
+                      <a:tailEnd type="none" w="med" len="med"/>
+                    </a:lnB>
+                    <a:noFill/>
+                  </a:tcPr>
+                </a:tc>
+                <a:tc>
+                  <a:txBody>
+                    <a:bodyPr/>
+                    <a:lstStyle/>
+                    <a:p>
+                      <a:pPr algn="ctr"/>
+                      <a:r>
+                        <a:rPr lang="en-US" dirty="0" smtClean="0"/>
+                        <a:t>6</a:t>
+                      </a:r>
+                      <a:endParaRPr lang="en-IN" dirty="0"/>
+                    </a:p>
+                  </a:txBody>
+                  <a:tcPr anchor="ctr">
+                    <a:lnL w="12700" cap="flat" cmpd="sng" algn="ctr">
+                      <a:solidFill>
+                        <a:schemeClr val="tx1"/>
+                      </a:solidFill>
+                      <a:prstDash val="solid"/>
+                      <a:round/>
+                      <a:headEnd type="none" w="med" len="med"/>
+                      <a:tailEnd type="none" w="med" len="med"/>
+                    </a:lnL>
+                    <a:lnR w="12700" cap="flat" cmpd="sng" algn="ctr">
+                      <a:solidFill>
+                        <a:schemeClr val="tx1"/>
+                      </a:solidFill>
+                      <a:prstDash val="solid"/>
+                      <a:round/>
+                      <a:headEnd type="none" w="med" len="med"/>
+                      <a:tailEnd type="none" w="med" len="med"/>
+                    </a:lnR>
+                    <a:lnT w="12700" cap="flat" cmpd="sng" algn="ctr">
+                      <a:solidFill>
+                        <a:schemeClr val="tx1"/>
+                      </a:solidFill>
+                      <a:prstDash val="solid"/>
+                      <a:round/>
+                      <a:headEnd type="none" w="med" len="med"/>
+                      <a:tailEnd type="none" w="med" len="med"/>
+                    </a:lnT>
+                    <a:lnB w="12700" cap="flat" cmpd="sng" algn="ctr">
+                      <a:solidFill>
+                        <a:schemeClr val="tx1"/>
+                      </a:solidFill>
+                      <a:prstDash val="solid"/>
+                      <a:round/>
+                      <a:headEnd type="none" w="med" len="med"/>
+                      <a:tailEnd type="none" w="med" len="med"/>
+                    </a:lnB>
+                    <a:noFill/>
+                  </a:tcPr>
+                </a:tc>
+                <a:tc>
+                  <a:txBody>
+                    <a:bodyPr/>
+                    <a:lstStyle/>
+                    <a:p>
+                      <a:pPr algn="ctr"/>
+                      <a:r>
+                        <a:rPr lang="en-US" dirty="0" smtClean="0"/>
+                        <a:t>1</a:t>
+                      </a:r>
+                      <a:endParaRPr lang="en-IN" dirty="0"/>
+                    </a:p>
+                  </a:txBody>
+                  <a:tcPr anchor="ctr">
+                    <a:lnL w="12700" cap="flat" cmpd="sng" algn="ctr">
+                      <a:solidFill>
+                        <a:schemeClr val="tx1"/>
+                      </a:solidFill>
+                      <a:prstDash val="solid"/>
+                      <a:round/>
+                      <a:headEnd type="none" w="med" len="med"/>
+                      <a:tailEnd type="none" w="med" len="med"/>
+                    </a:lnL>
+                    <a:lnR w="12700" cap="flat" cmpd="sng" algn="ctr">
+                      <a:solidFill>
+                        <a:schemeClr val="tx1"/>
+                      </a:solidFill>
+                      <a:prstDash val="solid"/>
+                      <a:round/>
+                      <a:headEnd type="none" w="med" len="med"/>
+                      <a:tailEnd type="none" w="med" len="med"/>
+                    </a:lnR>
+                    <a:lnT w="12700" cap="flat" cmpd="sng" algn="ctr">
+                      <a:solidFill>
+                        <a:schemeClr val="tx1"/>
+                      </a:solidFill>
+                      <a:prstDash val="solid"/>
+                      <a:round/>
+                      <a:headEnd type="none" w="med" len="med"/>
+                      <a:tailEnd type="none" w="med" len="med"/>
+                    </a:lnT>
+                    <a:lnB w="12700" cap="flat" cmpd="sng" algn="ctr">
+                      <a:solidFill>
+                        <a:schemeClr val="tx1"/>
+                      </a:solidFill>
+                      <a:prstDash val="solid"/>
+                      <a:round/>
+                      <a:headEnd type="none" w="med" len="med"/>
+                      <a:tailEnd type="none" w="med" len="med"/>
+                    </a:lnB>
+                    <a:noFill/>
+                  </a:tcPr>
+                </a:tc>
+              </a:tr>
+              <a:tr h="504056">
+                <a:tc>
+                  <a:txBody>
+                    <a:bodyPr/>
+                    <a:lstStyle/>
+                    <a:p>
+                      <a:pPr algn="ctr"/>
+                      <a:r>
+                        <a:rPr lang="en-US" dirty="0" smtClean="0"/>
+                        <a:t>2</a:t>
+                      </a:r>
+                      <a:endParaRPr lang="en-IN" dirty="0"/>
+                    </a:p>
+                  </a:txBody>
+                  <a:tcPr anchor="ctr">
+                    <a:lnL w="12700" cap="flat" cmpd="sng" algn="ctr">
+                      <a:solidFill>
+                        <a:schemeClr val="tx1"/>
+                      </a:solidFill>
+                      <a:prstDash val="solid"/>
+                      <a:round/>
+                      <a:headEnd type="none" w="med" len="med"/>
+                      <a:tailEnd type="none" w="med" len="med"/>
+                    </a:lnL>
+                    <a:lnR w="12700" cap="flat" cmpd="sng" algn="ctr">
+                      <a:solidFill>
+                        <a:schemeClr val="tx1"/>
+                      </a:solidFill>
+                      <a:prstDash val="solid"/>
+                      <a:round/>
+                      <a:headEnd type="none" w="med" len="med"/>
+                      <a:tailEnd type="none" w="med" len="med"/>
+                    </a:lnR>
+                    <a:lnT w="12700" cap="flat" cmpd="sng" algn="ctr">
+                      <a:solidFill>
+                        <a:schemeClr val="tx1"/>
+                      </a:solidFill>
+                      <a:prstDash val="solid"/>
+                      <a:round/>
+                      <a:headEnd type="none" w="med" len="med"/>
+                      <a:tailEnd type="none" w="med" len="med"/>
+                    </a:lnT>
+                    <a:lnB w="12700" cap="flat" cmpd="sng" algn="ctr">
+                      <a:solidFill>
+                        <a:schemeClr val="tx1"/>
+                      </a:solidFill>
+                      <a:prstDash val="solid"/>
+                      <a:round/>
+                      <a:headEnd type="none" w="med" len="med"/>
+                      <a:tailEnd type="none" w="med" len="med"/>
+                    </a:lnB>
+                    <a:noFill/>
+                  </a:tcPr>
+                </a:tc>
+                <a:tc>
+                  <a:txBody>
+                    <a:bodyPr/>
+                    <a:lstStyle/>
+                    <a:p>
+                      <a:pPr algn="ctr"/>
+                      <a:r>
+                        <a:rPr lang="en-US" dirty="0" smtClean="0"/>
+                        <a:t>7</a:t>
+                      </a:r>
+                      <a:endParaRPr lang="en-IN" dirty="0"/>
+                    </a:p>
+                  </a:txBody>
+                  <a:tcPr anchor="ctr">
+                    <a:lnL w="12700" cap="flat" cmpd="sng" algn="ctr">
+                      <a:solidFill>
+                        <a:schemeClr val="tx1"/>
+                      </a:solidFill>
+                      <a:prstDash val="solid"/>
+                      <a:round/>
+                      <a:headEnd type="none" w="med" len="med"/>
+                      <a:tailEnd type="none" w="med" len="med"/>
+                    </a:lnL>
+                    <a:lnR w="12700" cap="flat" cmpd="sng" algn="ctr">
+                      <a:solidFill>
+                        <a:schemeClr val="tx1"/>
+                      </a:solidFill>
+                      <a:prstDash val="solid"/>
+                      <a:round/>
+                      <a:headEnd type="none" w="med" len="med"/>
+                      <a:tailEnd type="none" w="med" len="med"/>
+                    </a:lnR>
+                    <a:lnT w="12700" cap="flat" cmpd="sng" algn="ctr">
+                      <a:solidFill>
+                        <a:schemeClr val="tx1"/>
+                      </a:solidFill>
+                      <a:prstDash val="solid"/>
+                      <a:round/>
+                      <a:headEnd type="none" w="med" len="med"/>
+                      <a:tailEnd type="none" w="med" len="med"/>
+                    </a:lnT>
+                    <a:lnB w="12700" cap="flat" cmpd="sng" algn="ctr">
+                      <a:solidFill>
+                        <a:schemeClr val="tx1"/>
+                      </a:solidFill>
+                      <a:prstDash val="solid"/>
+                      <a:round/>
+                      <a:headEnd type="none" w="med" len="med"/>
+                      <a:tailEnd type="none" w="med" len="med"/>
+                    </a:lnB>
+                    <a:noFill/>
+                  </a:tcPr>
+                </a:tc>
+                <a:tc>
+                  <a:txBody>
+                    <a:bodyPr/>
+                    <a:lstStyle/>
+                    <a:p>
+                      <a:pPr algn="ctr"/>
+                      <a:endParaRPr lang="en-IN" dirty="0"/>
+                    </a:p>
+                  </a:txBody>
+                  <a:tcPr anchor="ctr">
+                    <a:lnL w="12700" cap="flat" cmpd="sng" algn="ctr">
+                      <a:solidFill>
+                        <a:schemeClr val="tx1"/>
+                      </a:solidFill>
+                      <a:prstDash val="solid"/>
+                      <a:round/>
+                      <a:headEnd type="none" w="med" len="med"/>
+                      <a:tailEnd type="none" w="med" len="med"/>
+                    </a:lnL>
+                    <a:lnR w="12700" cap="flat" cmpd="sng" algn="ctr">
+                      <a:solidFill>
+                        <a:schemeClr val="tx1"/>
+                      </a:solidFill>
+                      <a:prstDash val="solid"/>
+                      <a:round/>
+                      <a:headEnd type="none" w="med" len="med"/>
+                      <a:tailEnd type="none" w="med" len="med"/>
+                    </a:lnR>
+                    <a:lnT w="12700" cap="flat" cmpd="sng" algn="ctr">
+                      <a:solidFill>
+                        <a:schemeClr val="tx1"/>
+                      </a:solidFill>
+                      <a:prstDash val="solid"/>
+                      <a:round/>
+                      <a:headEnd type="none" w="med" len="med"/>
+                      <a:tailEnd type="none" w="med" len="med"/>
+                    </a:lnT>
+                    <a:lnB w="12700" cap="flat" cmpd="sng" algn="ctr">
+                      <a:solidFill>
+                        <a:schemeClr val="tx1"/>
+                      </a:solidFill>
+                      <a:prstDash val="solid"/>
+                      <a:round/>
+                      <a:headEnd type="none" w="med" len="med"/>
+                      <a:tailEnd type="none" w="med" len="med"/>
+                    </a:lnB>
+                    <a:noFill/>
+                  </a:tcPr>
+                </a:tc>
+              </a:tr>
+            </a:tbl>
+          </a:graphicData>
+        </a:graphic>
+      </p:graphicFrame>
+      <p:graphicFrame>
+        <p:nvGraphicFramePr>
+          <p:cNvPr id="5" name="Table 4"/>
+          <p:cNvGraphicFramePr>
+            <a:graphicFrameLocks noGrp="1"/>
+          </p:cNvGraphicFramePr>
+          <p:nvPr>
+            <p:extLst>
+              <p:ext uri="{D42A27DB-BD31-4B8C-83A1-F6EECF244321}">
+                <p14:modId xmlns:p14="http://schemas.microsoft.com/office/powerpoint/2010/main" val="2283573393"/>
+              </p:ext>
+            </p:extLst>
+          </p:nvPr>
+        </p:nvGraphicFramePr>
+        <p:xfrm>
+          <a:off x="5550773" y="1628800"/>
+          <a:ext cx="1469499" cy="1512168"/>
+        </p:xfrm>
+        <a:graphic>
+          <a:graphicData uri="http://schemas.openxmlformats.org/drawingml/2006/table">
+            <a:tbl>
+              <a:tblPr>
+                <a:tableStyleId>{5C22544A-7EE6-4342-B048-85BDC9FD1C3A}</a:tableStyleId>
+              </a:tblPr>
+              <a:tblGrid>
+                <a:gridCol w="489833"/>
+                <a:gridCol w="489833"/>
+                <a:gridCol w="489833"/>
+              </a:tblGrid>
+              <a:tr h="504056">
+                <a:tc>
+                  <a:txBody>
+                    <a:bodyPr/>
+                    <a:lstStyle/>
+                    <a:p>
+                      <a:pPr algn="ctr"/>
+                      <a:r>
+                        <a:rPr lang="en-US" dirty="0" smtClean="0"/>
+                        <a:t>1</a:t>
+                      </a:r>
+                      <a:endParaRPr lang="en-IN" dirty="0"/>
+                    </a:p>
+                  </a:txBody>
+                  <a:tcPr anchor="ctr">
+                    <a:lnL w="12700" cap="flat" cmpd="sng" algn="ctr">
+                      <a:solidFill>
+                        <a:schemeClr val="tx1"/>
+                      </a:solidFill>
+                      <a:prstDash val="solid"/>
+                      <a:round/>
+                      <a:headEnd type="none" w="med" len="med"/>
+                      <a:tailEnd type="none" w="med" len="med"/>
+                    </a:lnL>
+                    <a:lnR w="12700" cap="flat" cmpd="sng" algn="ctr">
+                      <a:solidFill>
+                        <a:schemeClr val="tx1"/>
+                      </a:solidFill>
+                      <a:prstDash val="solid"/>
+                      <a:round/>
+                      <a:headEnd type="none" w="med" len="med"/>
+                      <a:tailEnd type="none" w="med" len="med"/>
+                    </a:lnR>
+                    <a:lnT w="12700" cap="flat" cmpd="sng" algn="ctr">
+                      <a:solidFill>
+                        <a:schemeClr val="tx1"/>
+                      </a:solidFill>
+                      <a:prstDash val="solid"/>
+                      <a:round/>
+                      <a:headEnd type="none" w="med" len="med"/>
+                      <a:tailEnd type="none" w="med" len="med"/>
+                    </a:lnT>
+                    <a:lnB w="12700" cap="flat" cmpd="sng" algn="ctr">
+                      <a:solidFill>
+                        <a:schemeClr val="tx1"/>
+                      </a:solidFill>
+                      <a:prstDash val="solid"/>
+                      <a:round/>
+                      <a:headEnd type="none" w="med" len="med"/>
+                      <a:tailEnd type="none" w="med" len="med"/>
+                    </a:lnB>
+                    <a:noFill/>
+                  </a:tcPr>
+                </a:tc>
+                <a:tc>
+                  <a:txBody>
+                    <a:bodyPr/>
+                    <a:lstStyle/>
+                    <a:p>
+                      <a:pPr algn="ctr"/>
+                      <a:r>
+                        <a:rPr lang="en-US" dirty="0" smtClean="0"/>
+                        <a:t>2</a:t>
+                      </a:r>
+                      <a:endParaRPr lang="en-IN" dirty="0"/>
+                    </a:p>
+                  </a:txBody>
+                  <a:tcPr anchor="ctr">
+                    <a:lnL w="12700" cap="flat" cmpd="sng" algn="ctr">
+                      <a:solidFill>
+                        <a:schemeClr val="tx1"/>
+                      </a:solidFill>
+                      <a:prstDash val="solid"/>
+                      <a:round/>
+                      <a:headEnd type="none" w="med" len="med"/>
+                      <a:tailEnd type="none" w="med" len="med"/>
+                    </a:lnL>
+                    <a:lnR w="12700" cap="flat" cmpd="sng" algn="ctr">
+                      <a:solidFill>
+                        <a:schemeClr val="tx1"/>
+                      </a:solidFill>
+                      <a:prstDash val="solid"/>
+                      <a:round/>
+                      <a:headEnd type="none" w="med" len="med"/>
+                      <a:tailEnd type="none" w="med" len="med"/>
+                    </a:lnR>
+                    <a:lnT w="12700" cap="flat" cmpd="sng" algn="ctr">
+                      <a:solidFill>
+                        <a:schemeClr val="tx1"/>
+                      </a:solidFill>
+                      <a:prstDash val="solid"/>
+                      <a:round/>
+                      <a:headEnd type="none" w="med" len="med"/>
+                      <a:tailEnd type="none" w="med" len="med"/>
+                    </a:lnT>
+                    <a:lnB w="12700" cap="flat" cmpd="sng" algn="ctr">
+                      <a:solidFill>
+                        <a:schemeClr val="tx1"/>
+                      </a:solidFill>
+                      <a:prstDash val="solid"/>
+                      <a:round/>
+                      <a:headEnd type="none" w="med" len="med"/>
+                      <a:tailEnd type="none" w="med" len="med"/>
+                    </a:lnB>
+                    <a:noFill/>
+                  </a:tcPr>
+                </a:tc>
+                <a:tc>
+                  <a:txBody>
+                    <a:bodyPr/>
+                    <a:lstStyle/>
+                    <a:p>
+                      <a:pPr algn="ctr"/>
+                      <a:r>
+                        <a:rPr lang="en-US" dirty="0" smtClean="0"/>
+                        <a:t>3</a:t>
+                      </a:r>
+                      <a:endParaRPr lang="en-IN" dirty="0"/>
+                    </a:p>
+                  </a:txBody>
+                  <a:tcPr anchor="ctr">
+                    <a:lnL w="12700" cap="flat" cmpd="sng" algn="ctr">
+                      <a:solidFill>
+                        <a:schemeClr val="tx1"/>
+                      </a:solidFill>
+                      <a:prstDash val="solid"/>
+                      <a:round/>
+                      <a:headEnd type="none" w="med" len="med"/>
+                      <a:tailEnd type="none" w="med" len="med"/>
+                    </a:lnL>
+                    <a:lnR w="12700" cap="flat" cmpd="sng" algn="ctr">
+                      <a:solidFill>
+                        <a:schemeClr val="tx1"/>
+                      </a:solidFill>
+                      <a:prstDash val="solid"/>
+                      <a:round/>
+                      <a:headEnd type="none" w="med" len="med"/>
+                      <a:tailEnd type="none" w="med" len="med"/>
+                    </a:lnR>
+                    <a:lnT w="12700" cap="flat" cmpd="sng" algn="ctr">
+                      <a:solidFill>
+                        <a:schemeClr val="tx1"/>
+                      </a:solidFill>
+                      <a:prstDash val="solid"/>
+                      <a:round/>
+                      <a:headEnd type="none" w="med" len="med"/>
+                      <a:tailEnd type="none" w="med" len="med"/>
+                    </a:lnT>
+                    <a:lnB w="12700" cap="flat" cmpd="sng" algn="ctr">
+                      <a:solidFill>
+                        <a:schemeClr val="tx1"/>
+                      </a:solidFill>
+                      <a:prstDash val="solid"/>
+                      <a:round/>
+                      <a:headEnd type="none" w="med" len="med"/>
+                      <a:tailEnd type="none" w="med" len="med"/>
+                    </a:lnB>
+                    <a:noFill/>
+                  </a:tcPr>
+                </a:tc>
+              </a:tr>
+              <a:tr h="504056">
+                <a:tc>
+                  <a:txBody>
+                    <a:bodyPr/>
+                    <a:lstStyle/>
+                    <a:p>
+                      <a:pPr algn="ctr"/>
+                      <a:r>
+                        <a:rPr lang="en-US" dirty="0" smtClean="0"/>
+                        <a:t>8</a:t>
+                      </a:r>
+                      <a:endParaRPr lang="en-IN" dirty="0"/>
+                    </a:p>
+                  </a:txBody>
+                  <a:tcPr anchor="ctr">
+                    <a:lnL w="12700" cap="flat" cmpd="sng" algn="ctr">
+                      <a:solidFill>
+                        <a:schemeClr val="tx1"/>
+                      </a:solidFill>
+                      <a:prstDash val="solid"/>
+                      <a:round/>
+                      <a:headEnd type="none" w="med" len="med"/>
+                      <a:tailEnd type="none" w="med" len="med"/>
+                    </a:lnL>
+                    <a:lnR w="12700" cap="flat" cmpd="sng" algn="ctr">
+                      <a:solidFill>
+                        <a:schemeClr val="tx1"/>
+                      </a:solidFill>
+                      <a:prstDash val="solid"/>
+                      <a:round/>
+                      <a:headEnd type="none" w="med" len="med"/>
+                      <a:tailEnd type="none" w="med" len="med"/>
+                    </a:lnR>
+                    <a:lnT w="12700" cap="flat" cmpd="sng" algn="ctr">
+                      <a:solidFill>
+                        <a:schemeClr val="tx1"/>
+                      </a:solidFill>
+                      <a:prstDash val="solid"/>
+                      <a:round/>
+                      <a:headEnd type="none" w="med" len="med"/>
+                      <a:tailEnd type="none" w="med" len="med"/>
+                    </a:lnT>
+                    <a:lnB w="12700" cap="flat" cmpd="sng" algn="ctr">
+                      <a:solidFill>
+                        <a:schemeClr val="tx1"/>
+                      </a:solidFill>
+                      <a:prstDash val="solid"/>
+                      <a:round/>
+                      <a:headEnd type="none" w="med" len="med"/>
+                      <a:tailEnd type="none" w="med" len="med"/>
+                    </a:lnB>
+                    <a:noFill/>
+                  </a:tcPr>
+                </a:tc>
+                <a:tc>
+                  <a:txBody>
+                    <a:bodyPr/>
+                    <a:lstStyle/>
+                    <a:p>
+                      <a:pPr algn="ctr"/>
+                      <a:endParaRPr lang="en-IN" dirty="0"/>
+                    </a:p>
+                  </a:txBody>
+                  <a:tcPr anchor="ctr">
+                    <a:lnL w="12700" cap="flat" cmpd="sng" algn="ctr">
+                      <a:solidFill>
+                        <a:schemeClr val="tx1"/>
+                      </a:solidFill>
+                      <a:prstDash val="solid"/>
+                      <a:round/>
+                      <a:headEnd type="none" w="med" len="med"/>
+                      <a:tailEnd type="none" w="med" len="med"/>
+                    </a:lnL>
+                    <a:lnR w="12700" cap="flat" cmpd="sng" algn="ctr">
+                      <a:solidFill>
+                        <a:schemeClr val="tx1"/>
+                      </a:solidFill>
+                      <a:prstDash val="solid"/>
+                      <a:round/>
+                      <a:headEnd type="none" w="med" len="med"/>
+                      <a:tailEnd type="none" w="med" len="med"/>
+                    </a:lnR>
+                    <a:lnT w="12700" cap="flat" cmpd="sng" algn="ctr">
+                      <a:solidFill>
+                        <a:schemeClr val="tx1"/>
+                      </a:solidFill>
+                      <a:prstDash val="solid"/>
+                      <a:round/>
+                      <a:headEnd type="none" w="med" len="med"/>
+                      <a:tailEnd type="none" w="med" len="med"/>
+                    </a:lnT>
+                    <a:lnB w="12700" cap="flat" cmpd="sng" algn="ctr">
+                      <a:solidFill>
+                        <a:schemeClr val="tx1"/>
+                      </a:solidFill>
+                      <a:prstDash val="solid"/>
+                      <a:round/>
+                      <a:headEnd type="none" w="med" len="med"/>
+                      <a:tailEnd type="none" w="med" len="med"/>
+                    </a:lnB>
+                    <a:noFill/>
+                  </a:tcPr>
+                </a:tc>
+                <a:tc>
+                  <a:txBody>
+                    <a:bodyPr/>
+                    <a:lstStyle/>
+                    <a:p>
+                      <a:pPr algn="ctr"/>
+                      <a:r>
+                        <a:rPr lang="en-US" dirty="0" smtClean="0"/>
+                        <a:t>4</a:t>
+                      </a:r>
+                      <a:endParaRPr lang="en-IN" dirty="0"/>
+                    </a:p>
+                  </a:txBody>
+                  <a:tcPr anchor="ctr">
+                    <a:lnL w="12700" cap="flat" cmpd="sng" algn="ctr">
+                      <a:solidFill>
+                        <a:schemeClr val="tx1"/>
+                      </a:solidFill>
+                      <a:prstDash val="solid"/>
+                      <a:round/>
+                      <a:headEnd type="none" w="med" len="med"/>
+                      <a:tailEnd type="none" w="med" len="med"/>
+                    </a:lnL>
+                    <a:lnR w="12700" cap="flat" cmpd="sng" algn="ctr">
+                      <a:solidFill>
+                        <a:schemeClr val="tx1"/>
+                      </a:solidFill>
+                      <a:prstDash val="solid"/>
+                      <a:round/>
+                      <a:headEnd type="none" w="med" len="med"/>
+                      <a:tailEnd type="none" w="med" len="med"/>
+                    </a:lnR>
+                    <a:lnT w="12700" cap="flat" cmpd="sng" algn="ctr">
+                      <a:solidFill>
+                        <a:schemeClr val="tx1"/>
+                      </a:solidFill>
+                      <a:prstDash val="solid"/>
+                      <a:round/>
+                      <a:headEnd type="none" w="med" len="med"/>
+                      <a:tailEnd type="none" w="med" len="med"/>
+                    </a:lnT>
+                    <a:lnB w="12700" cap="flat" cmpd="sng" algn="ctr">
+                      <a:solidFill>
+                        <a:schemeClr val="tx1"/>
+                      </a:solidFill>
+                      <a:prstDash val="solid"/>
+                      <a:round/>
+                      <a:headEnd type="none" w="med" len="med"/>
+                      <a:tailEnd type="none" w="med" len="med"/>
+                    </a:lnB>
+                    <a:noFill/>
+                  </a:tcPr>
+                </a:tc>
+              </a:tr>
+              <a:tr h="504056">
+                <a:tc>
+                  <a:txBody>
+                    <a:bodyPr/>
+                    <a:lstStyle/>
+                    <a:p>
+                      <a:pPr algn="ctr"/>
+                      <a:r>
+                        <a:rPr lang="en-US" dirty="0" smtClean="0"/>
+                        <a:t>7</a:t>
+                      </a:r>
+                      <a:endParaRPr lang="en-IN" dirty="0"/>
+                    </a:p>
+                  </a:txBody>
+                  <a:tcPr anchor="ctr">
+                    <a:lnL w="12700" cap="flat" cmpd="sng" algn="ctr">
+                      <a:solidFill>
+                        <a:schemeClr val="tx1"/>
+                      </a:solidFill>
+                      <a:prstDash val="solid"/>
+                      <a:round/>
+                      <a:headEnd type="none" w="med" len="med"/>
+                      <a:tailEnd type="none" w="med" len="med"/>
+                    </a:lnL>
+                    <a:lnR w="12700" cap="flat" cmpd="sng" algn="ctr">
+                      <a:solidFill>
+                        <a:schemeClr val="tx1"/>
+                      </a:solidFill>
+                      <a:prstDash val="solid"/>
+                      <a:round/>
+                      <a:headEnd type="none" w="med" len="med"/>
+                      <a:tailEnd type="none" w="med" len="med"/>
+                    </a:lnR>
+                    <a:lnT w="12700" cap="flat" cmpd="sng" algn="ctr">
+                      <a:solidFill>
+                        <a:schemeClr val="tx1"/>
+                      </a:solidFill>
+                      <a:prstDash val="solid"/>
+                      <a:round/>
+                      <a:headEnd type="none" w="med" len="med"/>
+                      <a:tailEnd type="none" w="med" len="med"/>
+                    </a:lnT>
+                    <a:lnB w="12700" cap="flat" cmpd="sng" algn="ctr">
+                      <a:solidFill>
+                        <a:schemeClr val="tx1"/>
+                      </a:solidFill>
+                      <a:prstDash val="solid"/>
+                      <a:round/>
+                      <a:headEnd type="none" w="med" len="med"/>
+                      <a:tailEnd type="none" w="med" len="med"/>
+                    </a:lnB>
+                    <a:noFill/>
+                  </a:tcPr>
+                </a:tc>
+                <a:tc>
+                  <a:txBody>
+                    <a:bodyPr/>
+                    <a:lstStyle/>
+                    <a:p>
+                      <a:pPr algn="ctr"/>
+                      <a:r>
+                        <a:rPr lang="en-US" dirty="0" smtClean="0"/>
+                        <a:t>6</a:t>
+                      </a:r>
+                      <a:endParaRPr lang="en-IN" dirty="0"/>
+                    </a:p>
+                  </a:txBody>
+                  <a:tcPr anchor="ctr">
+                    <a:lnL w="12700" cap="flat" cmpd="sng" algn="ctr">
+                      <a:solidFill>
+                        <a:schemeClr val="tx1"/>
+                      </a:solidFill>
+                      <a:prstDash val="solid"/>
+                      <a:round/>
+                      <a:headEnd type="none" w="med" len="med"/>
+                      <a:tailEnd type="none" w="med" len="med"/>
+                    </a:lnL>
+                    <a:lnR w="12700" cap="flat" cmpd="sng" algn="ctr">
+                      <a:solidFill>
+                        <a:schemeClr val="tx1"/>
+                      </a:solidFill>
+                      <a:prstDash val="solid"/>
+                      <a:round/>
+                      <a:headEnd type="none" w="med" len="med"/>
+                      <a:tailEnd type="none" w="med" len="med"/>
+                    </a:lnR>
+                    <a:lnT w="12700" cap="flat" cmpd="sng" algn="ctr">
+                      <a:solidFill>
+                        <a:schemeClr val="tx1"/>
+                      </a:solidFill>
+                      <a:prstDash val="solid"/>
+                      <a:round/>
+                      <a:headEnd type="none" w="med" len="med"/>
+                      <a:tailEnd type="none" w="med" len="med"/>
+                    </a:lnT>
+                    <a:lnB w="12700" cap="flat" cmpd="sng" algn="ctr">
+                      <a:solidFill>
+                        <a:schemeClr val="tx1"/>
+                      </a:solidFill>
+                      <a:prstDash val="solid"/>
+                      <a:round/>
+                      <a:headEnd type="none" w="med" len="med"/>
+                      <a:tailEnd type="none" w="med" len="med"/>
+                    </a:lnB>
+                    <a:noFill/>
+                  </a:tcPr>
+                </a:tc>
+                <a:tc>
+                  <a:txBody>
+                    <a:bodyPr/>
+                    <a:lstStyle/>
+                    <a:p>
+                      <a:pPr algn="ctr"/>
+                      <a:r>
+                        <a:rPr lang="en-US" dirty="0" smtClean="0"/>
+                        <a:t>5</a:t>
+                      </a:r>
+                      <a:endParaRPr lang="en-IN" dirty="0"/>
+                    </a:p>
+                  </a:txBody>
+                  <a:tcPr anchor="ctr">
+                    <a:lnL w="12700" cap="flat" cmpd="sng" algn="ctr">
+                      <a:solidFill>
+                        <a:schemeClr val="tx1"/>
+                      </a:solidFill>
+                      <a:prstDash val="solid"/>
+                      <a:round/>
+                      <a:headEnd type="none" w="med" len="med"/>
+                      <a:tailEnd type="none" w="med" len="med"/>
+                    </a:lnL>
+                    <a:lnR w="12700" cap="flat" cmpd="sng" algn="ctr">
+                      <a:solidFill>
+                        <a:schemeClr val="tx1"/>
+                      </a:solidFill>
+                      <a:prstDash val="solid"/>
+                      <a:round/>
+                      <a:headEnd type="none" w="med" len="med"/>
+                      <a:tailEnd type="none" w="med" len="med"/>
+                    </a:lnR>
+                    <a:lnT w="12700" cap="flat" cmpd="sng" algn="ctr">
+                      <a:solidFill>
+                        <a:schemeClr val="tx1"/>
+                      </a:solidFill>
+                      <a:prstDash val="solid"/>
+                      <a:round/>
+                      <a:headEnd type="none" w="med" len="med"/>
+                      <a:tailEnd type="none" w="med" len="med"/>
+                    </a:lnT>
+                    <a:lnB w="12700" cap="flat" cmpd="sng" algn="ctr">
+                      <a:solidFill>
+                        <a:schemeClr val="tx1"/>
+                      </a:solidFill>
+                      <a:prstDash val="solid"/>
+                      <a:round/>
+                      <a:headEnd type="none" w="med" len="med"/>
+                      <a:tailEnd type="none" w="med" len="med"/>
+                    </a:lnB>
+                    <a:noFill/>
+                  </a:tcPr>
+                </a:tc>
+              </a:tr>
+            </a:tbl>
+          </a:graphicData>
+        </a:graphic>
+      </p:graphicFrame>
     </p:spTree>
     <p:extLst>
       <p:ext uri="{BB962C8B-B14F-4D97-AF65-F5344CB8AC3E}">
-        <p14:creationId xmlns:p14="http://schemas.microsoft.com/office/powerpoint/2010/main" val="3180613584"/>
+        <p14:creationId xmlns:p14="http://schemas.microsoft.com/office/powerpoint/2010/main" val="3590799649"/>
       </p:ext>
     </p:extLst>
   </p:cSld>
   <p:clrMapOvr>
     <a:masterClrMapping/>
   </p:clrMapOvr>
+  <p:timing>
+    <p:tnLst>
+      <p:par>
+        <p:cTn id="1" dur="indefinite" restart="never" nodeType="tmRoot"/>
+      </p:par>
+    </p:tnLst>
+  </p:timing>
 </p:sld>
 </file>
 
@@ -6346,10 +9094,16 @@
         </p:nvSpPr>
         <p:spPr/>
         <p:txBody>
-          <a:bodyPr/>
+          <a:bodyPr>
+            <a:normAutofit/>
+          </a:bodyPr>
           <a:lstStyle/>
           <a:p>
-            <a:endParaRPr lang="en-US"/>
+            <a:r>
+              <a:rPr lang="en-US" dirty="0" smtClean="0"/>
+              <a:t>Missionaries and Cannibal Problem</a:t>
+            </a:r>
+            <a:endParaRPr lang="en-IN" dirty="0"/>
           </a:p>
         </p:txBody>
       </p:sp>
@@ -6365,23 +9119,344 @@
         </p:nvSpPr>
         <p:spPr/>
         <p:txBody>
-          <a:bodyPr/>
+          <a:bodyPr>
+            <a:normAutofit lnSpcReduction="10000"/>
+          </a:bodyPr>
           <a:lstStyle/>
           <a:p>
-            <a:endParaRPr lang="en-US"/>
+            <a:r>
+              <a:rPr lang="en-US" dirty="0" smtClean="0"/>
+              <a:t>Configuration</a:t>
+            </a:r>
+          </a:p>
+          <a:p>
+            <a:pPr lvl="1"/>
+            <a:r>
+              <a:rPr lang="en-US" dirty="0" smtClean="0"/>
+              <a:t>&lt;#M, #C, P&gt; </a:t>
+            </a:r>
+          </a:p>
+          <a:p>
+            <a:pPr lvl="1"/>
+            <a:r>
+              <a:rPr lang="en-IN" sz="2500" i="1" dirty="0"/>
+              <a:t>#M </a:t>
+            </a:r>
+            <a:r>
+              <a:rPr lang="en-IN" sz="2500" dirty="0"/>
+              <a:t>= Number of missionaries on bank </a:t>
+            </a:r>
+            <a:r>
+              <a:rPr lang="en-IN" sz="2500" i="1" dirty="0"/>
+              <a:t>L</a:t>
+            </a:r>
+          </a:p>
+          <a:p>
+            <a:pPr lvl="1"/>
+            <a:r>
+              <a:rPr lang="en-IN" sz="2500" i="1" dirty="0"/>
+              <a:t>#C </a:t>
+            </a:r>
+            <a:r>
+              <a:rPr lang="en-IN" sz="2500" dirty="0"/>
+              <a:t>= Number of cannibals on bank </a:t>
+            </a:r>
+            <a:r>
+              <a:rPr lang="en-IN" sz="2500" i="1" dirty="0"/>
+              <a:t>L</a:t>
+            </a:r>
+          </a:p>
+          <a:p>
+            <a:pPr lvl="1"/>
+            <a:r>
+              <a:rPr lang="en-IN" sz="2500" i="1" dirty="0"/>
+              <a:t>P </a:t>
+            </a:r>
+            <a:r>
+              <a:rPr lang="en-IN" sz="2500" dirty="0"/>
+              <a:t>= Position of the boat</a:t>
+            </a:r>
+            <a:endParaRPr lang="en-US" dirty="0" smtClean="0"/>
+          </a:p>
+          <a:p>
+            <a:r>
+              <a:rPr lang="en-US" dirty="0" smtClean="0"/>
+              <a:t>Constraint</a:t>
+            </a:r>
+          </a:p>
+          <a:p>
+            <a:pPr lvl="1"/>
+            <a:r>
+              <a:rPr lang="en-IN" dirty="0" smtClean="0"/>
+              <a:t>For </a:t>
+            </a:r>
+            <a:r>
+              <a:rPr lang="en-IN" dirty="0"/>
+              <a:t>both banks, if there are missionaries present on the bank, they cannot be outnumbered by cannibals (if they were, the cannibals would eat the missionaries</a:t>
+            </a:r>
+            <a:r>
+              <a:rPr lang="en-IN" dirty="0" smtClean="0"/>
+              <a:t>).</a:t>
+            </a:r>
+          </a:p>
+          <a:p>
+            <a:r>
+              <a:rPr lang="en-US" dirty="0" smtClean="0"/>
+              <a:t>Objective</a:t>
+            </a:r>
+          </a:p>
+          <a:p>
+            <a:pPr lvl="1"/>
+            <a:r>
+              <a:rPr lang="en-IN" dirty="0"/>
+              <a:t>How can the boat be used to safely carry all the missionaries and cannibals across the river?</a:t>
+            </a:r>
+            <a:endParaRPr lang="en-US" dirty="0" smtClean="0"/>
+          </a:p>
+          <a:p>
+            <a:pPr lvl="1"/>
+            <a:endParaRPr lang="en-US" dirty="0" smtClean="0"/>
+          </a:p>
+          <a:p>
+            <a:pPr lvl="1"/>
+            <a:endParaRPr lang="en-US" dirty="0" smtClean="0"/>
+          </a:p>
+          <a:p>
+            <a:pPr lvl="1"/>
+            <a:endParaRPr lang="en-US" dirty="0" smtClean="0"/>
           </a:p>
         </p:txBody>
       </p:sp>
     </p:spTree>
     <p:extLst>
       <p:ext uri="{BB962C8B-B14F-4D97-AF65-F5344CB8AC3E}">
-        <p14:creationId xmlns:p14="http://schemas.microsoft.com/office/powerpoint/2010/main" val="1726518481"/>
+        <p14:creationId xmlns:p14="http://schemas.microsoft.com/office/powerpoint/2010/main" val="3502751093"/>
       </p:ext>
     </p:extLst>
   </p:cSld>
   <p:clrMapOvr>
     <a:masterClrMapping/>
   </p:clrMapOvr>
+  <p:timing>
+    <p:tnLst>
+      <p:par>
+        <p:cTn id="1" dur="indefinite" restart="never" nodeType="tmRoot"/>
+      </p:par>
+    </p:tnLst>
+  </p:timing>
+</p:sld>
+</file>
+
+<file path=ppt/slides/slide19.xml><?xml version="1.0" encoding="utf-8"?>
+<p:sld xmlns:a="http://schemas.openxmlformats.org/drawingml/2006/main" xmlns:r="http://schemas.openxmlformats.org/officeDocument/2006/relationships" xmlns:p="http://schemas.openxmlformats.org/presentationml/2006/main">
+  <p:cSld>
+    <p:spTree>
+      <p:nvGrpSpPr>
+        <p:cNvPr id="1" name=""/>
+        <p:cNvGrpSpPr/>
+        <p:nvPr/>
+      </p:nvGrpSpPr>
+      <p:grpSpPr>
+        <a:xfrm>
+          <a:off x="0" y="0"/>
+          <a:ext cx="0" cy="0"/>
+          <a:chOff x="0" y="0"/>
+          <a:chExt cx="0" cy="0"/>
+        </a:xfrm>
+      </p:grpSpPr>
+      <p:sp>
+        <p:nvSpPr>
+          <p:cNvPr id="2" name="Title 1"/>
+          <p:cNvSpPr>
+            <a:spLocks noGrp="1"/>
+          </p:cNvSpPr>
+          <p:nvPr>
+            <p:ph type="title"/>
+          </p:nvPr>
+        </p:nvSpPr>
+        <p:spPr/>
+        <p:txBody>
+          <a:bodyPr>
+            <a:normAutofit/>
+          </a:bodyPr>
+          <a:lstStyle/>
+          <a:p>
+            <a:r>
+              <a:rPr lang="en-US" dirty="0"/>
+              <a:t>Missionaries and </a:t>
+            </a:r>
+            <a:r>
+              <a:rPr lang="en-US" dirty="0" smtClean="0"/>
+              <a:t>Cannibals: Heuristics</a:t>
+            </a:r>
+            <a:endParaRPr lang="en-IN" dirty="0"/>
+          </a:p>
+        </p:txBody>
+      </p:sp>
+      <p:sp>
+        <p:nvSpPr>
+          <p:cNvPr id="3" name="Content Placeholder 2"/>
+          <p:cNvSpPr>
+            <a:spLocks noGrp="1"/>
+          </p:cNvSpPr>
+          <p:nvPr>
+            <p:ph sz="quarter" idx="1"/>
+          </p:nvPr>
+        </p:nvSpPr>
+        <p:spPr/>
+        <p:txBody>
+          <a:bodyPr/>
+          <a:lstStyle/>
+          <a:p>
+            <a:r>
+              <a:rPr lang="en-IN" dirty="0"/>
+              <a:t>H0 : Trivial Heuristic</a:t>
+            </a:r>
+          </a:p>
+          <a:p>
+            <a:pPr lvl="1"/>
+            <a:r>
+              <a:rPr lang="en-US" i="1" dirty="0" err="1"/>
+              <a:t>hvalue</a:t>
+            </a:r>
+            <a:r>
+              <a:rPr lang="en-US" i="1" dirty="0"/>
+              <a:t> = 0 </a:t>
+            </a:r>
+          </a:p>
+          <a:p>
+            <a:pPr lvl="1"/>
+            <a:r>
+              <a:rPr lang="en-US" dirty="0"/>
+              <a:t>Satisfies </a:t>
+            </a:r>
+            <a:r>
+              <a:rPr lang="en-US" dirty="0" err="1"/>
+              <a:t>admissiblity</a:t>
+            </a:r>
+            <a:r>
+              <a:rPr lang="en-US" dirty="0"/>
+              <a:t> of A* .</a:t>
+            </a:r>
+          </a:p>
+          <a:p>
+            <a:pPr lvl="1"/>
+            <a:r>
+              <a:rPr lang="en-US" dirty="0"/>
+              <a:t>Follows </a:t>
+            </a:r>
+            <a:r>
+              <a:rPr lang="en-US" dirty="0" err="1"/>
+              <a:t>Montone</a:t>
+            </a:r>
+            <a:r>
+              <a:rPr lang="en-US" dirty="0"/>
+              <a:t> Restriction</a:t>
+            </a:r>
+            <a:r>
+              <a:rPr lang="en-US" dirty="0" smtClean="0"/>
+              <a:t>.</a:t>
+            </a:r>
+          </a:p>
+          <a:p>
+            <a:pPr lvl="1"/>
+            <a:endParaRPr lang="en-US" dirty="0" smtClean="0"/>
+          </a:p>
+          <a:p>
+            <a:r>
+              <a:rPr lang="en-IN" dirty="0"/>
+              <a:t>H1 </a:t>
+            </a:r>
+            <a:r>
+              <a:rPr lang="en-IN" dirty="0" smtClean="0"/>
+              <a:t>: No. of persons left on L bank / 2</a:t>
+            </a:r>
+            <a:endParaRPr lang="en-IN" dirty="0"/>
+          </a:p>
+          <a:p>
+            <a:pPr lvl="1"/>
+            <a:r>
+              <a:rPr lang="en-US" i="1" dirty="0" err="1"/>
+              <a:t>hvalue</a:t>
+            </a:r>
+            <a:r>
+              <a:rPr lang="en-US" i="1" dirty="0"/>
+              <a:t> = </a:t>
+            </a:r>
+            <a:r>
+              <a:rPr lang="en-US" i="1" dirty="0" smtClean="0"/>
+              <a:t>(#M + #C)/2</a:t>
+            </a:r>
+          </a:p>
+          <a:p>
+            <a:pPr lvl="1"/>
+            <a:r>
+              <a:rPr lang="en-US" dirty="0" smtClean="0"/>
+              <a:t>Satisfies </a:t>
+            </a:r>
+            <a:r>
+              <a:rPr lang="en-US" dirty="0" err="1"/>
+              <a:t>admissiblity</a:t>
+            </a:r>
+            <a:r>
+              <a:rPr lang="en-US" dirty="0"/>
+              <a:t> of A* .</a:t>
+            </a:r>
+          </a:p>
+          <a:p>
+            <a:pPr lvl="1"/>
+            <a:r>
+              <a:rPr lang="en-US" dirty="0"/>
+              <a:t>Follows </a:t>
+            </a:r>
+            <a:r>
+              <a:rPr lang="en-US" dirty="0" err="1"/>
+              <a:t>Montone</a:t>
+            </a:r>
+            <a:r>
+              <a:rPr lang="en-US" dirty="0"/>
+              <a:t> Restriction.</a:t>
+            </a:r>
+          </a:p>
+          <a:p>
+            <a:pPr marL="274320" lvl="1" indent="0">
+              <a:buNone/>
+            </a:pPr>
+            <a:endParaRPr lang="en-US" dirty="0"/>
+          </a:p>
+          <a:p>
+            <a:pPr marL="274320" lvl="1" indent="0">
+              <a:buNone/>
+            </a:pPr>
+            <a:endParaRPr lang="en-US" dirty="0" smtClean="0"/>
+          </a:p>
+          <a:p>
+            <a:pPr lvl="1"/>
+            <a:endParaRPr lang="en-US" dirty="0" smtClean="0"/>
+          </a:p>
+          <a:p>
+            <a:pPr lvl="1"/>
+            <a:endParaRPr lang="en-US" dirty="0" smtClean="0"/>
+          </a:p>
+        </p:txBody>
+      </p:sp>
+    </p:spTree>
+    <p:extLst>
+      <p:ext uri="{BB962C8B-B14F-4D97-AF65-F5344CB8AC3E}">
+        <p14:creationId xmlns:p14="http://schemas.microsoft.com/office/powerpoint/2010/main" val="1282326198"/>
+      </p:ext>
+    </p:extLst>
+  </p:cSld>
+  <p:clrMapOvr>
+    <a:masterClrMapping/>
+  </p:clrMapOvr>
+  <p:timing>
+    <p:tnLst>
+      <p:par>
+        <p:cTn id="1" dur="indefinite" restart="never" nodeType="tmRoot"/>
+      </p:par>
+    </p:tnLst>
+  </p:timing>
 </p:sld>
 </file>
 
@@ -6497,6 +9572,1018 @@
     <p:extLst>
       <p:ext uri="{BB962C8B-B14F-4D97-AF65-F5344CB8AC3E}">
         <p14:creationId xmlns:p14="http://schemas.microsoft.com/office/powerpoint/2010/main" val="3869951681"/>
+      </p:ext>
+    </p:extLst>
+  </p:cSld>
+  <p:clrMapOvr>
+    <a:masterClrMapping/>
+  </p:clrMapOvr>
+  <p:timing>
+    <p:tnLst>
+      <p:par>
+        <p:cTn id="1" dur="indefinite" restart="never" nodeType="tmRoot"/>
+      </p:par>
+    </p:tnLst>
+  </p:timing>
+</p:sld>
+</file>
+
+<file path=ppt/slides/slide20.xml><?xml version="1.0" encoding="utf-8"?>
+<p:sld xmlns:a="http://schemas.openxmlformats.org/drawingml/2006/main" xmlns:r="http://schemas.openxmlformats.org/officeDocument/2006/relationships" xmlns:p="http://schemas.openxmlformats.org/presentationml/2006/main">
+  <p:cSld>
+    <p:spTree>
+      <p:nvGrpSpPr>
+        <p:cNvPr id="1" name=""/>
+        <p:cNvGrpSpPr/>
+        <p:nvPr/>
+      </p:nvGrpSpPr>
+      <p:grpSpPr>
+        <a:xfrm>
+          <a:off x="0" y="0"/>
+          <a:ext cx="0" cy="0"/>
+          <a:chOff x="0" y="0"/>
+          <a:chExt cx="0" cy="0"/>
+        </a:xfrm>
+      </p:grpSpPr>
+      <p:sp>
+        <p:nvSpPr>
+          <p:cNvPr id="2" name="Title 1"/>
+          <p:cNvSpPr>
+            <a:spLocks noGrp="1"/>
+          </p:cNvSpPr>
+          <p:nvPr>
+            <p:ph type="title"/>
+          </p:nvPr>
+        </p:nvSpPr>
+        <p:spPr/>
+        <p:txBody>
+          <a:bodyPr/>
+          <a:lstStyle/>
+          <a:p>
+            <a:r>
+              <a:rPr lang="en-US" dirty="0" smtClean="0"/>
+              <a:t>H1 : Proof of admissibility</a:t>
+            </a:r>
+            <a:endParaRPr lang="en-IN" dirty="0"/>
+          </a:p>
+        </p:txBody>
+      </p:sp>
+      <p:sp>
+        <p:nvSpPr>
+          <p:cNvPr id="3" name="Content Placeholder 2"/>
+          <p:cNvSpPr>
+            <a:spLocks noGrp="1"/>
+          </p:cNvSpPr>
+          <p:nvPr>
+            <p:ph sz="quarter" idx="1"/>
+          </p:nvPr>
+        </p:nvSpPr>
+        <p:spPr/>
+        <p:txBody>
+          <a:bodyPr>
+            <a:normAutofit/>
+          </a:bodyPr>
+          <a:lstStyle/>
+          <a:p>
+            <a:pPr marL="502920" indent="-457200"/>
+            <a:r>
+              <a:rPr lang="en-US" dirty="0" smtClean="0"/>
+              <a:t>A boat can carry at most two persons at a time.</a:t>
+            </a:r>
+          </a:p>
+          <a:p>
+            <a:pPr marL="502920" indent="-457200"/>
+            <a:r>
+              <a:rPr lang="en-US" dirty="0" smtClean="0"/>
+              <a:t>The number of persons at the left bank = #M + #C.</a:t>
+            </a:r>
+          </a:p>
+          <a:p>
+            <a:pPr marL="502920" indent="-457200"/>
+            <a:r>
+              <a:rPr lang="en-US" dirty="0" smtClean="0"/>
+              <a:t>Therefore, </a:t>
+            </a:r>
+          </a:p>
+          <a:p>
+            <a:pPr marL="777240" lvl="1" indent="-457200"/>
+            <a:r>
+              <a:rPr lang="en-US" dirty="0" smtClean="0"/>
+              <a:t>Min # steps required = (#</a:t>
+            </a:r>
+            <a:r>
+              <a:rPr lang="en-US" dirty="0"/>
+              <a:t>M + #</a:t>
+            </a:r>
+            <a:r>
+              <a:rPr lang="en-US" dirty="0" smtClean="0"/>
+              <a:t>C</a:t>
+            </a:r>
+            <a:r>
+              <a:rPr lang="en-US" dirty="0"/>
+              <a:t>)</a:t>
+            </a:r>
+            <a:r>
+              <a:rPr lang="en-US" dirty="0" smtClean="0"/>
+              <a:t>/2</a:t>
+            </a:r>
+          </a:p>
+          <a:p>
+            <a:pPr marL="777240" lvl="1" indent="-457200"/>
+            <a:r>
+              <a:rPr lang="en-US" dirty="0" smtClean="0"/>
+              <a:t>Also, h*(n) &gt;= min steps required.</a:t>
+            </a:r>
+          </a:p>
+          <a:p>
+            <a:pPr marL="777240" lvl="1" indent="-457200"/>
+            <a:r>
+              <a:rPr lang="en-US" dirty="0" smtClean="0"/>
+              <a:t>h(n) = min steps required =  </a:t>
+            </a:r>
+            <a:r>
+              <a:rPr lang="en-US" dirty="0"/>
+              <a:t>(#M + #C)/</a:t>
+            </a:r>
+            <a:r>
+              <a:rPr lang="en-US" dirty="0" smtClean="0"/>
+              <a:t>2.</a:t>
+            </a:r>
+          </a:p>
+          <a:p>
+            <a:pPr marL="777240" lvl="1" indent="-457200"/>
+            <a:r>
+              <a:rPr lang="en-US" dirty="0" smtClean="0"/>
+              <a:t>Therefore, h(n) &lt;= h*(n).</a:t>
+            </a:r>
+          </a:p>
+          <a:p>
+            <a:pPr marL="777240" lvl="1" indent="-457200"/>
+            <a:endParaRPr lang="en-US" dirty="0" smtClean="0"/>
+          </a:p>
+          <a:p>
+            <a:pPr marL="502920" indent="-457200"/>
+            <a:r>
+              <a:rPr lang="en-US" dirty="0" smtClean="0"/>
+              <a:t>Hence, Heuristic H1 is admissible. </a:t>
+            </a:r>
+            <a:endParaRPr lang="en-US" dirty="0"/>
+          </a:p>
+          <a:p>
+            <a:pPr marL="777240" lvl="1" indent="-457200"/>
+            <a:endParaRPr lang="en-US" dirty="0"/>
+          </a:p>
+          <a:p>
+            <a:pPr lvl="3"/>
+            <a:endParaRPr lang="en-US" i="1" dirty="0" smtClean="0"/>
+          </a:p>
+          <a:p>
+            <a:pPr lvl="2"/>
+            <a:endParaRPr lang="en-US" dirty="0" smtClean="0"/>
+          </a:p>
+          <a:p>
+            <a:pPr marL="274320" lvl="1" indent="0">
+              <a:buNone/>
+            </a:pPr>
+            <a:endParaRPr lang="en-US" i="1" dirty="0" smtClean="0"/>
+          </a:p>
+          <a:p>
+            <a:pPr marL="274320" lvl="1" indent="0">
+              <a:buNone/>
+            </a:pPr>
+            <a:endParaRPr lang="en-US" dirty="0" smtClean="0"/>
+          </a:p>
+          <a:p>
+            <a:pPr marL="274320" lvl="1" indent="0">
+              <a:buNone/>
+            </a:pPr>
+            <a:endParaRPr lang="en-US" dirty="0" smtClean="0"/>
+          </a:p>
+          <a:p>
+            <a:pPr lvl="1"/>
+            <a:endParaRPr lang="en-US" dirty="0" smtClean="0"/>
+          </a:p>
+        </p:txBody>
+      </p:sp>
+    </p:spTree>
+    <p:extLst>
+      <p:ext uri="{BB962C8B-B14F-4D97-AF65-F5344CB8AC3E}">
+        <p14:creationId xmlns:p14="http://schemas.microsoft.com/office/powerpoint/2010/main" val="1838261244"/>
+      </p:ext>
+    </p:extLst>
+  </p:cSld>
+  <p:clrMapOvr>
+    <a:masterClrMapping/>
+  </p:clrMapOvr>
+  <p:timing>
+    <p:tnLst>
+      <p:par>
+        <p:cTn id="1" dur="indefinite" restart="never" nodeType="tmRoot"/>
+      </p:par>
+    </p:tnLst>
+  </p:timing>
+</p:sld>
+</file>
+
+<file path=ppt/slides/slide21.xml><?xml version="1.0" encoding="utf-8"?>
+<p:sld xmlns:a="http://schemas.openxmlformats.org/drawingml/2006/main" xmlns:r="http://schemas.openxmlformats.org/officeDocument/2006/relationships" xmlns:p="http://schemas.openxmlformats.org/presentationml/2006/main">
+  <p:cSld>
+    <p:spTree>
+      <p:nvGrpSpPr>
+        <p:cNvPr id="1" name=""/>
+        <p:cNvGrpSpPr/>
+        <p:nvPr/>
+      </p:nvGrpSpPr>
+      <p:grpSpPr>
+        <a:xfrm>
+          <a:off x="0" y="0"/>
+          <a:ext cx="0" cy="0"/>
+          <a:chOff x="0" y="0"/>
+          <a:chExt cx="0" cy="0"/>
+        </a:xfrm>
+      </p:grpSpPr>
+      <p:sp>
+        <p:nvSpPr>
+          <p:cNvPr id="2" name="Title 1"/>
+          <p:cNvSpPr>
+            <a:spLocks noGrp="1"/>
+          </p:cNvSpPr>
+          <p:nvPr>
+            <p:ph type="title"/>
+          </p:nvPr>
+        </p:nvSpPr>
+        <p:spPr/>
+        <p:txBody>
+          <a:bodyPr>
+            <a:normAutofit/>
+          </a:bodyPr>
+          <a:lstStyle/>
+          <a:p>
+            <a:r>
+              <a:rPr lang="en-US" dirty="0"/>
+              <a:t>Missionaries and </a:t>
+            </a:r>
+            <a:r>
+              <a:rPr lang="en-US" dirty="0" smtClean="0"/>
+              <a:t>Cannibals: Heuristics</a:t>
+            </a:r>
+            <a:endParaRPr lang="en-IN" dirty="0"/>
+          </a:p>
+        </p:txBody>
+      </p:sp>
+      <p:sp>
+        <p:nvSpPr>
+          <p:cNvPr id="3" name="Content Placeholder 2"/>
+          <p:cNvSpPr>
+            <a:spLocks noGrp="1"/>
+          </p:cNvSpPr>
+          <p:nvPr>
+            <p:ph sz="quarter" idx="1"/>
+          </p:nvPr>
+        </p:nvSpPr>
+        <p:spPr/>
+        <p:txBody>
+          <a:bodyPr/>
+          <a:lstStyle/>
+          <a:p>
+            <a:r>
+              <a:rPr lang="en-IN" dirty="0" smtClean="0"/>
+              <a:t>H2 </a:t>
+            </a:r>
+            <a:r>
+              <a:rPr lang="en-IN" dirty="0"/>
+              <a:t>: </a:t>
+            </a:r>
+            <a:r>
+              <a:rPr lang="en-IN" dirty="0" smtClean="0"/>
+              <a:t>No. of persons left on L bank</a:t>
+            </a:r>
+            <a:endParaRPr lang="en-IN" dirty="0"/>
+          </a:p>
+          <a:p>
+            <a:pPr lvl="1"/>
+            <a:r>
+              <a:rPr lang="en-US" i="1" dirty="0" err="1"/>
+              <a:t>hvalue</a:t>
+            </a:r>
+            <a:r>
+              <a:rPr lang="en-US" i="1" dirty="0"/>
+              <a:t> = (#M + #C</a:t>
+            </a:r>
+            <a:r>
+              <a:rPr lang="en-US" i="1" dirty="0" smtClean="0"/>
+              <a:t>)</a:t>
+            </a:r>
+            <a:endParaRPr lang="en-US" i="1" dirty="0"/>
+          </a:p>
+          <a:p>
+            <a:pPr lvl="1"/>
+            <a:r>
+              <a:rPr lang="en-US" dirty="0" smtClean="0"/>
+              <a:t>Violates </a:t>
+            </a:r>
+            <a:r>
+              <a:rPr lang="en-US" dirty="0" err="1" smtClean="0"/>
+              <a:t>admissiblity</a:t>
+            </a:r>
+            <a:r>
+              <a:rPr lang="en-US" dirty="0" smtClean="0"/>
+              <a:t> </a:t>
+            </a:r>
+            <a:r>
+              <a:rPr lang="en-US" dirty="0"/>
+              <a:t>of A* .</a:t>
+            </a:r>
+          </a:p>
+          <a:p>
+            <a:pPr lvl="1"/>
+            <a:r>
+              <a:rPr lang="en-US" dirty="0" smtClean="0"/>
+              <a:t>Violates </a:t>
+            </a:r>
+            <a:r>
+              <a:rPr lang="en-US" dirty="0" err="1" smtClean="0"/>
+              <a:t>Montone</a:t>
+            </a:r>
+            <a:r>
+              <a:rPr lang="en-US" dirty="0" smtClean="0"/>
+              <a:t> </a:t>
+            </a:r>
+            <a:r>
+              <a:rPr lang="en-US" dirty="0"/>
+              <a:t>Restriction</a:t>
+            </a:r>
+            <a:r>
+              <a:rPr lang="en-US" dirty="0" smtClean="0"/>
+              <a:t>.</a:t>
+            </a:r>
+          </a:p>
+          <a:p>
+            <a:pPr lvl="1"/>
+            <a:endParaRPr lang="en-US" dirty="0" smtClean="0"/>
+          </a:p>
+          <a:p>
+            <a:r>
+              <a:rPr lang="en-US" dirty="0" smtClean="0"/>
+              <a:t>Let the configuration of node n be &lt;1, 1, L &gt;</a:t>
+            </a:r>
+          </a:p>
+          <a:p>
+            <a:pPr lvl="1"/>
+            <a:r>
+              <a:rPr lang="en-US" dirty="0" smtClean="0"/>
+              <a:t>Then, h(n) = 2 </a:t>
+            </a:r>
+          </a:p>
+          <a:p>
+            <a:pPr lvl="1"/>
+            <a:r>
+              <a:rPr lang="en-US" dirty="0" smtClean="0"/>
+              <a:t>Here, h*(n)=1 since M and C can be carried in a single boat safely.</a:t>
+            </a:r>
+          </a:p>
+          <a:p>
+            <a:pPr lvl="1"/>
+            <a:endParaRPr lang="en-US" dirty="0" smtClean="0"/>
+          </a:p>
+          <a:p>
+            <a:r>
+              <a:rPr lang="en-US" dirty="0" smtClean="0"/>
+              <a:t>Hence, h(n) &gt; h*(n) violates admissibility of H2.</a:t>
+            </a:r>
+          </a:p>
+          <a:p>
+            <a:pPr lvl="1"/>
+            <a:endParaRPr lang="en-US" dirty="0"/>
+          </a:p>
+          <a:p>
+            <a:pPr marL="0" indent="0">
+              <a:buNone/>
+            </a:pPr>
+            <a:endParaRPr lang="en-US" dirty="0"/>
+          </a:p>
+          <a:p>
+            <a:pPr marL="274320" lvl="1" indent="0">
+              <a:buNone/>
+            </a:pPr>
+            <a:endParaRPr lang="en-US" dirty="0"/>
+          </a:p>
+          <a:p>
+            <a:pPr marL="274320" lvl="1" indent="0">
+              <a:buNone/>
+            </a:pPr>
+            <a:endParaRPr lang="en-US" dirty="0" smtClean="0"/>
+          </a:p>
+          <a:p>
+            <a:pPr lvl="1"/>
+            <a:endParaRPr lang="en-US" dirty="0" smtClean="0"/>
+          </a:p>
+          <a:p>
+            <a:pPr lvl="1"/>
+            <a:endParaRPr lang="en-US" dirty="0" smtClean="0"/>
+          </a:p>
+        </p:txBody>
+      </p:sp>
+    </p:spTree>
+    <p:extLst>
+      <p:ext uri="{BB962C8B-B14F-4D97-AF65-F5344CB8AC3E}">
+        <p14:creationId xmlns:p14="http://schemas.microsoft.com/office/powerpoint/2010/main" val="2621910406"/>
+      </p:ext>
+    </p:extLst>
+  </p:cSld>
+  <p:clrMapOvr>
+    <a:masterClrMapping/>
+  </p:clrMapOvr>
+  <p:timing>
+    <p:tnLst>
+      <p:par>
+        <p:cTn id="1" dur="indefinite" restart="never" nodeType="tmRoot"/>
+      </p:par>
+    </p:tnLst>
+  </p:timing>
+</p:sld>
+</file>
+
+<file path=ppt/slides/slide22.xml><?xml version="1.0" encoding="utf-8"?>
+<p:sld xmlns:a="http://schemas.openxmlformats.org/drawingml/2006/main" xmlns:r="http://schemas.openxmlformats.org/officeDocument/2006/relationships" xmlns:p="http://schemas.openxmlformats.org/presentationml/2006/main">
+  <p:cSld>
+    <p:spTree>
+      <p:nvGrpSpPr>
+        <p:cNvPr id="1" name=""/>
+        <p:cNvGrpSpPr/>
+        <p:nvPr/>
+      </p:nvGrpSpPr>
+      <p:grpSpPr>
+        <a:xfrm>
+          <a:off x="0" y="0"/>
+          <a:ext cx="0" cy="0"/>
+          <a:chOff x="0" y="0"/>
+          <a:chExt cx="0" cy="0"/>
+        </a:xfrm>
+      </p:grpSpPr>
+      <p:sp>
+        <p:nvSpPr>
+          <p:cNvPr id="6" name="Text Placeholder 5"/>
+          <p:cNvSpPr>
+            <a:spLocks noGrp="1"/>
+          </p:cNvSpPr>
+          <p:nvPr>
+            <p:ph type="body" idx="2"/>
+          </p:nvPr>
+        </p:nvSpPr>
+        <p:spPr>
+          <a:xfrm>
+            <a:off x="6324600" y="908720"/>
+            <a:ext cx="2514600" cy="5153943"/>
+          </a:xfrm>
+        </p:spPr>
+        <p:txBody>
+          <a:bodyPr anchor="t">
+            <a:normAutofit/>
+          </a:bodyPr>
+          <a:lstStyle/>
+          <a:p>
+            <a:r>
+              <a:rPr lang="en-US" sz="2400" b="1" dirty="0" smtClean="0">
+                <a:solidFill>
+                  <a:srgbClr val="464653"/>
+                </a:solidFill>
+              </a:rPr>
+              <a:t>Missionary-Cannibal Heuristics</a:t>
+            </a:r>
+          </a:p>
+          <a:p>
+            <a:r>
+              <a:rPr lang="en-US" dirty="0" smtClean="0"/>
+              <a:t>1. The trivial heuristic(H0) as well as ‘#persons/2’ (H1) take the same no. of steps and same path length. </a:t>
+            </a:r>
+          </a:p>
+          <a:p>
+            <a:r>
+              <a:rPr lang="en-US" dirty="0" smtClean="0"/>
+              <a:t>2. ‘#persons’ (H2), though inadmissible, gives the optimal path as well as takes fewer steps to converge. </a:t>
+            </a:r>
+          </a:p>
+          <a:p>
+            <a:endParaRPr lang="en-US" dirty="0"/>
+          </a:p>
+          <a:p>
+            <a:endParaRPr lang="en-US" dirty="0" smtClean="0"/>
+          </a:p>
+        </p:txBody>
+      </p:sp>
+      <p:pic>
+        <p:nvPicPr>
+          <p:cNvPr id="3" name="Content Placeholder 2"/>
+          <p:cNvPicPr>
+            <a:picLocks noGrp="1" noChangeAspect="1"/>
+          </p:cNvPicPr>
+          <p:nvPr>
+            <p:ph sz="quarter" idx="1"/>
+          </p:nvPr>
+        </p:nvPicPr>
+        <p:blipFill>
+          <a:blip r:embed="rId2">
+            <a:extLst>
+              <a:ext uri="{28A0092B-C50C-407E-A947-70E740481C1C}">
+                <a14:useLocalDpi xmlns:a14="http://schemas.microsoft.com/office/drawing/2010/main" val="0"/>
+              </a:ext>
+            </a:extLst>
+          </a:blip>
+          <a:stretch>
+            <a:fillRect/>
+          </a:stretch>
+        </p:blipFill>
+        <p:spPr>
+          <a:xfrm>
+            <a:off x="107504" y="1008617"/>
+            <a:ext cx="5912296" cy="4580623"/>
+          </a:xfrm>
+        </p:spPr>
+      </p:pic>
+    </p:spTree>
+    <p:extLst>
+      <p:ext uri="{BB962C8B-B14F-4D97-AF65-F5344CB8AC3E}">
+        <p14:creationId xmlns:p14="http://schemas.microsoft.com/office/powerpoint/2010/main" val="1114584551"/>
+      </p:ext>
+    </p:extLst>
+  </p:cSld>
+  <p:clrMapOvr>
+    <a:masterClrMapping/>
+  </p:clrMapOvr>
+  <p:timing>
+    <p:tnLst>
+      <p:par>
+        <p:cTn id="1" dur="indefinite" restart="never" nodeType="tmRoot"/>
+      </p:par>
+    </p:tnLst>
+  </p:timing>
+</p:sld>
+</file>
+
+<file path=ppt/slides/slide23.xml><?xml version="1.0" encoding="utf-8"?>
+<p:sld xmlns:a="http://schemas.openxmlformats.org/drawingml/2006/main" xmlns:r="http://schemas.openxmlformats.org/officeDocument/2006/relationships" xmlns:p="http://schemas.openxmlformats.org/presentationml/2006/main">
+  <p:cSld>
+    <p:spTree>
+      <p:nvGrpSpPr>
+        <p:cNvPr id="1" name=""/>
+        <p:cNvGrpSpPr/>
+        <p:nvPr/>
+      </p:nvGrpSpPr>
+      <p:grpSpPr>
+        <a:xfrm>
+          <a:off x="0" y="0"/>
+          <a:ext cx="0" cy="0"/>
+          <a:chOff x="0" y="0"/>
+          <a:chExt cx="0" cy="0"/>
+        </a:xfrm>
+      </p:grpSpPr>
+      <p:sp>
+        <p:nvSpPr>
+          <p:cNvPr id="2" name="Title 1"/>
+          <p:cNvSpPr>
+            <a:spLocks noGrp="1"/>
+          </p:cNvSpPr>
+          <p:nvPr>
+            <p:ph type="title"/>
+          </p:nvPr>
+        </p:nvSpPr>
+        <p:spPr/>
+        <p:txBody>
+          <a:bodyPr>
+            <a:normAutofit/>
+          </a:bodyPr>
+          <a:lstStyle/>
+          <a:p>
+            <a:r>
+              <a:rPr lang="en-US" dirty="0" smtClean="0"/>
+              <a:t>Bidirectional Search</a:t>
+            </a:r>
+            <a:endParaRPr lang="en-IN" dirty="0"/>
+          </a:p>
+        </p:txBody>
+      </p:sp>
+      <p:sp>
+        <p:nvSpPr>
+          <p:cNvPr id="3" name="Content Placeholder 2"/>
+          <p:cNvSpPr>
+            <a:spLocks noGrp="1"/>
+          </p:cNvSpPr>
+          <p:nvPr>
+            <p:ph sz="quarter" idx="1"/>
+          </p:nvPr>
+        </p:nvSpPr>
+        <p:spPr>
+          <a:xfrm>
+            <a:off x="457200" y="1143000"/>
+            <a:ext cx="8229600" cy="4937760"/>
+          </a:xfrm>
+        </p:spPr>
+        <p:txBody>
+          <a:bodyPr/>
+          <a:lstStyle/>
+          <a:p>
+            <a:r>
+              <a:rPr lang="en-US" dirty="0" smtClean="0"/>
+              <a:t>Runs two simultaneous searches :</a:t>
+            </a:r>
+          </a:p>
+          <a:p>
+            <a:pPr lvl="1"/>
+            <a:r>
+              <a:rPr lang="en-US" dirty="0" smtClean="0"/>
+              <a:t>One forward from initial state</a:t>
+            </a:r>
+          </a:p>
+          <a:p>
+            <a:pPr lvl="1"/>
+            <a:r>
+              <a:rPr lang="en-US" dirty="0" smtClean="0"/>
+              <a:t>One backward from the goal state</a:t>
+            </a:r>
+          </a:p>
+          <a:p>
+            <a:pPr lvl="1"/>
+            <a:endParaRPr lang="en-US" dirty="0" smtClean="0"/>
+          </a:p>
+          <a:p>
+            <a:r>
+              <a:rPr lang="en-US" dirty="0" smtClean="0"/>
+              <a:t>Termination Condition</a:t>
+            </a:r>
+          </a:p>
+          <a:p>
+            <a:pPr lvl="1"/>
+            <a:r>
+              <a:rPr lang="en-US" dirty="0" smtClean="0"/>
+              <a:t>The search is terminated when the two search frontiers meet each other. </a:t>
+            </a:r>
+          </a:p>
+          <a:p>
+            <a:pPr lvl="1"/>
+            <a:r>
+              <a:rPr lang="en-US" dirty="0" smtClean="0"/>
+              <a:t>Construct the single path extending from start node through intersection node to the goal. </a:t>
+            </a:r>
+          </a:p>
+          <a:p>
+            <a:pPr lvl="1"/>
+            <a:endParaRPr lang="en-US" dirty="0" smtClean="0"/>
+          </a:p>
+          <a:p>
+            <a:r>
+              <a:rPr lang="en-US" dirty="0" smtClean="0"/>
+              <a:t>Bidirectional search does not guarantee optimality.</a:t>
+            </a:r>
+          </a:p>
+          <a:p>
+            <a:pPr lvl="1"/>
+            <a:endParaRPr lang="en-US" dirty="0"/>
+          </a:p>
+          <a:p>
+            <a:pPr marL="274320" lvl="1" indent="0">
+              <a:buNone/>
+            </a:pPr>
+            <a:endParaRPr lang="en-US" dirty="0" smtClean="0"/>
+          </a:p>
+          <a:p>
+            <a:pPr lvl="1"/>
+            <a:endParaRPr lang="en-US" dirty="0"/>
+          </a:p>
+          <a:p>
+            <a:pPr marL="274320" lvl="1" indent="0">
+              <a:buNone/>
+            </a:pPr>
+            <a:endParaRPr lang="en-US" dirty="0" smtClean="0"/>
+          </a:p>
+          <a:p>
+            <a:pPr lvl="1"/>
+            <a:endParaRPr lang="en-US" dirty="0"/>
+          </a:p>
+          <a:p>
+            <a:pPr marL="0" indent="0">
+              <a:buNone/>
+            </a:pPr>
+            <a:endParaRPr lang="en-US" dirty="0" smtClean="0"/>
+          </a:p>
+          <a:p>
+            <a:pPr lvl="1"/>
+            <a:endParaRPr lang="en-US" dirty="0" smtClean="0"/>
+          </a:p>
+          <a:p>
+            <a:pPr lvl="1"/>
+            <a:endParaRPr lang="en-US" dirty="0"/>
+          </a:p>
+          <a:p>
+            <a:pPr marL="0" indent="0">
+              <a:buNone/>
+            </a:pPr>
+            <a:endParaRPr lang="en-US" dirty="0"/>
+          </a:p>
+          <a:p>
+            <a:pPr marL="274320" lvl="1" indent="0">
+              <a:buNone/>
+            </a:pPr>
+            <a:endParaRPr lang="en-US" dirty="0"/>
+          </a:p>
+          <a:p>
+            <a:pPr marL="274320" lvl="1" indent="0">
+              <a:buNone/>
+            </a:pPr>
+            <a:endParaRPr lang="en-US" dirty="0" smtClean="0"/>
+          </a:p>
+          <a:p>
+            <a:pPr lvl="1"/>
+            <a:endParaRPr lang="en-US" dirty="0" smtClean="0"/>
+          </a:p>
+          <a:p>
+            <a:pPr lvl="1"/>
+            <a:endParaRPr lang="en-US" dirty="0" smtClean="0"/>
+          </a:p>
+        </p:txBody>
+      </p:sp>
+    </p:spTree>
+    <p:extLst>
+      <p:ext uri="{BB962C8B-B14F-4D97-AF65-F5344CB8AC3E}">
+        <p14:creationId xmlns:p14="http://schemas.microsoft.com/office/powerpoint/2010/main" val="3076328202"/>
+      </p:ext>
+    </p:extLst>
+  </p:cSld>
+  <p:clrMapOvr>
+    <a:masterClrMapping/>
+  </p:clrMapOvr>
+  <p:timing>
+    <p:tnLst>
+      <p:par>
+        <p:cTn id="1" dur="indefinite" restart="never" nodeType="tmRoot"/>
+      </p:par>
+    </p:tnLst>
+  </p:timing>
+</p:sld>
+</file>
+
+<file path=ppt/slides/slide24.xml><?xml version="1.0" encoding="utf-8"?>
+<p:sld xmlns:a="http://schemas.openxmlformats.org/drawingml/2006/main" xmlns:r="http://schemas.openxmlformats.org/officeDocument/2006/relationships" xmlns:p="http://schemas.openxmlformats.org/presentationml/2006/main">
+  <p:cSld>
+    <p:spTree>
+      <p:nvGrpSpPr>
+        <p:cNvPr id="1" name=""/>
+        <p:cNvGrpSpPr/>
+        <p:nvPr/>
+      </p:nvGrpSpPr>
+      <p:grpSpPr>
+        <a:xfrm>
+          <a:off x="0" y="0"/>
+          <a:ext cx="0" cy="0"/>
+          <a:chOff x="0" y="0"/>
+          <a:chExt cx="0" cy="0"/>
+        </a:xfrm>
+      </p:grpSpPr>
+      <p:sp>
+        <p:nvSpPr>
+          <p:cNvPr id="6" name="Text Placeholder 5"/>
+          <p:cNvSpPr>
+            <a:spLocks noGrp="1"/>
+          </p:cNvSpPr>
+          <p:nvPr>
+            <p:ph type="body" idx="2"/>
+          </p:nvPr>
+        </p:nvSpPr>
+        <p:spPr>
+          <a:xfrm>
+            <a:off x="6324600" y="908720"/>
+            <a:ext cx="2514600" cy="5153943"/>
+          </a:xfrm>
+        </p:spPr>
+        <p:txBody>
+          <a:bodyPr anchor="t">
+            <a:normAutofit/>
+          </a:bodyPr>
+          <a:lstStyle/>
+          <a:p>
+            <a:r>
+              <a:rPr lang="en-US" sz="2400" b="1" dirty="0" smtClean="0">
+                <a:solidFill>
+                  <a:srgbClr val="464653"/>
+                </a:solidFill>
+              </a:rPr>
+              <a:t>Bidirectional Search : 8-Tiles</a:t>
+            </a:r>
+          </a:p>
+          <a:p>
+            <a:r>
+              <a:rPr lang="en-US" dirty="0" smtClean="0"/>
+              <a:t>1.Bidirectional search converges faster than even the Manhattan heuristic.</a:t>
+            </a:r>
+          </a:p>
+          <a:p>
+            <a:r>
+              <a:rPr lang="en-US" dirty="0" smtClean="0"/>
+              <a:t>2. It follows from previous results that bidirectional search will converge faster than other heuristics as well.</a:t>
+            </a:r>
+          </a:p>
+          <a:p>
+            <a:r>
+              <a:rPr lang="en-US" dirty="0" smtClean="0"/>
+              <a:t>3. However, the optimality is not guaranteed.</a:t>
+            </a:r>
+            <a:endParaRPr lang="en-US" dirty="0"/>
+          </a:p>
+          <a:p>
+            <a:endParaRPr lang="en-US" dirty="0"/>
+          </a:p>
+          <a:p>
+            <a:endParaRPr lang="en-US" dirty="0" smtClean="0"/>
+          </a:p>
+        </p:txBody>
+      </p:sp>
+      <p:pic>
+        <p:nvPicPr>
+          <p:cNvPr id="8" name="Content Placeholder 7"/>
+          <p:cNvPicPr>
+            <a:picLocks noGrp="1" noChangeAspect="1"/>
+          </p:cNvPicPr>
+          <p:nvPr>
+            <p:ph sz="quarter" idx="1"/>
+          </p:nvPr>
+        </p:nvPicPr>
+        <p:blipFill>
+          <a:blip r:embed="rId2">
+            <a:extLst>
+              <a:ext uri="{28A0092B-C50C-407E-A947-70E740481C1C}">
+                <a14:useLocalDpi xmlns:a14="http://schemas.microsoft.com/office/drawing/2010/main" val="0"/>
+              </a:ext>
+            </a:extLst>
+          </a:blip>
+          <a:stretch>
+            <a:fillRect/>
+          </a:stretch>
+        </p:blipFill>
+        <p:spPr>
+          <a:xfrm>
+            <a:off x="0" y="1483181"/>
+            <a:ext cx="6019800" cy="4106059"/>
+          </a:xfrm>
+        </p:spPr>
+      </p:pic>
+    </p:spTree>
+    <p:extLst>
+      <p:ext uri="{BB962C8B-B14F-4D97-AF65-F5344CB8AC3E}">
+        <p14:creationId xmlns:p14="http://schemas.microsoft.com/office/powerpoint/2010/main" val="1747443793"/>
+      </p:ext>
+    </p:extLst>
+  </p:cSld>
+  <p:clrMapOvr>
+    <a:masterClrMapping/>
+  </p:clrMapOvr>
+  <p:timing>
+    <p:tnLst>
+      <p:par>
+        <p:cTn id="1" dur="indefinite" restart="never" nodeType="tmRoot"/>
+      </p:par>
+    </p:tnLst>
+  </p:timing>
+</p:sld>
+</file>
+
+<file path=ppt/slides/slide25.xml><?xml version="1.0" encoding="utf-8"?>
+<p:sld xmlns:a="http://schemas.openxmlformats.org/drawingml/2006/main" xmlns:r="http://schemas.openxmlformats.org/officeDocument/2006/relationships" xmlns:p="http://schemas.openxmlformats.org/presentationml/2006/main">
+  <p:cSld>
+    <p:spTree>
+      <p:nvGrpSpPr>
+        <p:cNvPr id="1" name=""/>
+        <p:cNvGrpSpPr/>
+        <p:nvPr/>
+      </p:nvGrpSpPr>
+      <p:grpSpPr>
+        <a:xfrm>
+          <a:off x="0" y="0"/>
+          <a:ext cx="0" cy="0"/>
+          <a:chOff x="0" y="0"/>
+          <a:chExt cx="0" cy="0"/>
+        </a:xfrm>
+      </p:grpSpPr>
+      <p:sp>
+        <p:nvSpPr>
+          <p:cNvPr id="6" name="Text Placeholder 5"/>
+          <p:cNvSpPr>
+            <a:spLocks noGrp="1"/>
+          </p:cNvSpPr>
+          <p:nvPr>
+            <p:ph type="body" idx="2"/>
+          </p:nvPr>
+        </p:nvSpPr>
+        <p:spPr>
+          <a:xfrm>
+            <a:off x="6324600" y="795337"/>
+            <a:ext cx="2514600" cy="5369967"/>
+          </a:xfrm>
+        </p:spPr>
+        <p:txBody>
+          <a:bodyPr anchor="t">
+            <a:noAutofit/>
+          </a:bodyPr>
+          <a:lstStyle/>
+          <a:p>
+            <a:r>
+              <a:rPr lang="en-US" sz="2400" b="1" dirty="0" smtClean="0">
+                <a:solidFill>
+                  <a:srgbClr val="464653"/>
+                </a:solidFill>
+              </a:rPr>
+              <a:t>Non-optimality of Bidirectional Search : 8-Tiles</a:t>
+            </a:r>
+          </a:p>
+          <a:p>
+            <a:r>
+              <a:rPr lang="en-US" dirty="0" smtClean="0"/>
+              <a:t>1. Start </a:t>
+            </a:r>
+            <a:r>
+              <a:rPr lang="en-US" dirty="0"/>
+              <a:t>state = [[5,6,7],[4,0,8],[3,2,1]]  Final state = [[1,2,3],[8,0,4],[7,6,5]]</a:t>
+            </a:r>
+          </a:p>
+          <a:p>
+            <a:r>
+              <a:rPr lang="en-US" dirty="0" smtClean="0"/>
+              <a:t>2. Unidirectional search : Steps = 3837; PL= 31</a:t>
+            </a:r>
+          </a:p>
+          <a:p>
+            <a:r>
+              <a:rPr lang="en-US" dirty="0" smtClean="0"/>
+              <a:t>Bidirectional search : steps = 2925; PL= 35</a:t>
+            </a:r>
+          </a:p>
+          <a:p>
+            <a:r>
+              <a:rPr lang="en-US" dirty="0" smtClean="0"/>
+              <a:t>3.</a:t>
+            </a:r>
+            <a:r>
+              <a:rPr lang="en-US" dirty="0"/>
+              <a:t> </a:t>
+            </a:r>
+            <a:r>
+              <a:rPr lang="en-US" dirty="0" smtClean="0"/>
+              <a:t>Bidirectional </a:t>
+            </a:r>
+            <a:r>
+              <a:rPr lang="en-US" dirty="0"/>
+              <a:t>Search converges faster than the Manhattan heuristic but violates optimality.</a:t>
+            </a:r>
+          </a:p>
+          <a:p>
+            <a:endParaRPr lang="en-US" dirty="0" smtClean="0"/>
+          </a:p>
+          <a:p>
+            <a:endParaRPr lang="en-US" dirty="0" smtClean="0"/>
+          </a:p>
+          <a:p>
+            <a:r>
+              <a:rPr lang="en-US" dirty="0"/>
+              <a:t>	</a:t>
+            </a:r>
+          </a:p>
+          <a:p>
+            <a:endParaRPr lang="en-US" dirty="0" smtClean="0"/>
+          </a:p>
+        </p:txBody>
+      </p:sp>
+      <p:pic>
+        <p:nvPicPr>
+          <p:cNvPr id="3" name="Content Placeholder 2"/>
+          <p:cNvPicPr>
+            <a:picLocks noGrp="1" noChangeAspect="1"/>
+          </p:cNvPicPr>
+          <p:nvPr>
+            <p:ph sz="quarter" idx="1"/>
+          </p:nvPr>
+        </p:nvPicPr>
+        <p:blipFill>
+          <a:blip r:embed="rId2">
+            <a:extLst>
+              <a:ext uri="{28A0092B-C50C-407E-A947-70E740481C1C}">
+                <a14:useLocalDpi xmlns:a14="http://schemas.microsoft.com/office/drawing/2010/main" val="0"/>
+              </a:ext>
+            </a:extLst>
+          </a:blip>
+          <a:stretch>
+            <a:fillRect/>
+          </a:stretch>
+        </p:blipFill>
+        <p:spPr>
+          <a:xfrm>
+            <a:off x="0" y="1251034"/>
+            <a:ext cx="6019800" cy="4554230"/>
+          </a:xfrm>
+        </p:spPr>
+      </p:pic>
+    </p:spTree>
+    <p:extLst>
+      <p:ext uri="{BB962C8B-B14F-4D97-AF65-F5344CB8AC3E}">
+        <p14:creationId xmlns:p14="http://schemas.microsoft.com/office/powerpoint/2010/main" val="3090224064"/>
       </p:ext>
     </p:extLst>
   </p:cSld>
@@ -7091,15 +11178,7 @@
             <a:pPr lvl="1"/>
             <a:r>
               <a:rPr lang="en-US" dirty="0" smtClean="0"/>
-              <a:t>Satisfies </a:t>
-            </a:r>
-            <a:r>
-              <a:rPr lang="en-US" dirty="0" err="1" smtClean="0"/>
-              <a:t>admissiblity</a:t>
-            </a:r>
-            <a:r>
-              <a:rPr lang="en-US" dirty="0" smtClean="0"/>
-              <a:t> of A* .</a:t>
+              <a:t>Satisfies admissibility of A* .</a:t>
             </a:r>
           </a:p>
           <a:p>
@@ -7153,12 +11232,12 @@
               <a:t>Satisfies </a:t>
             </a:r>
             <a:r>
-              <a:rPr lang="en-US" dirty="0" err="1"/>
-              <a:t>admissiblity</a:t>
+              <a:rPr lang="en-US" dirty="0" smtClean="0"/>
+              <a:t>admissibility </a:t>
             </a:r>
             <a:r>
               <a:rPr lang="en-US" dirty="0"/>
-              <a:t> of A* .</a:t>
+              <a:t>of A* .</a:t>
             </a:r>
           </a:p>
           <a:p>
@@ -7168,12 +11247,12 @@
               <a:t>Follows </a:t>
             </a:r>
             <a:r>
-              <a:rPr lang="en-US" dirty="0" err="1"/>
-              <a:t>Montone</a:t>
+              <a:rPr lang="en-US" dirty="0" smtClean="0"/>
+              <a:t>Monotone </a:t>
             </a:r>
             <a:r>
               <a:rPr lang="en-US" dirty="0"/>
-              <a:t> Restriction.</a:t>
+              <a:t>Restriction.</a:t>
             </a:r>
           </a:p>
           <a:p>
@@ -7316,12 +11395,12 @@
               <a:t>Satisfies </a:t>
             </a:r>
             <a:r>
-              <a:rPr lang="en-US" dirty="0" err="1"/>
-              <a:t>admissiblity</a:t>
+              <a:rPr lang="en-US" dirty="0" smtClean="0"/>
+              <a:t>admissibility </a:t>
             </a:r>
             <a:r>
               <a:rPr lang="en-US" dirty="0"/>
-              <a:t> of A* .</a:t>
+              <a:t>of A* .</a:t>
             </a:r>
           </a:p>
           <a:p>
@@ -7331,12 +11410,12 @@
               <a:t>Follows </a:t>
             </a:r>
             <a:r>
-              <a:rPr lang="en-US" dirty="0" err="1"/>
-              <a:t>Montone</a:t>
+              <a:rPr lang="en-US" dirty="0" smtClean="0"/>
+              <a:t>Monotone </a:t>
             </a:r>
             <a:r>
               <a:rPr lang="en-US" dirty="0"/>
-              <a:t> Restriction</a:t>
+              <a:t>Restriction</a:t>
             </a:r>
             <a:r>
               <a:rPr lang="en-US" dirty="0" smtClean="0"/>
@@ -7392,15 +11471,11 @@
             <a:pPr lvl="1"/>
             <a:r>
               <a:rPr lang="en-US" dirty="0" smtClean="0"/>
-              <a:t>Satisfies </a:t>
-            </a:r>
-            <a:r>
-              <a:rPr lang="en-US" dirty="0" err="1"/>
-              <a:t>admissiblity</a:t>
+              <a:t>Satisfies admissibility </a:t>
             </a:r>
             <a:r>
               <a:rPr lang="en-US" dirty="0"/>
-              <a:t> of A* .</a:t>
+              <a:t>of A* .</a:t>
             </a:r>
           </a:p>
           <a:p>
@@ -7410,12 +11485,12 @@
               <a:t>Follows </a:t>
             </a:r>
             <a:r>
-              <a:rPr lang="en-US" dirty="0" err="1"/>
-              <a:t>Montone</a:t>
+              <a:rPr lang="en-US" dirty="0" smtClean="0"/>
+              <a:t>Monotone </a:t>
             </a:r>
             <a:r>
               <a:rPr lang="en-US" dirty="0"/>
-              <a:t> Restriction.</a:t>
+              <a:t>Restriction.</a:t>
             </a:r>
           </a:p>
           <a:p>
@@ -7684,15 +11759,7 @@
           <a:p>
             <a:r>
               <a:rPr lang="en-US" dirty="0" smtClean="0"/>
-              <a:t>Proof of </a:t>
-            </a:r>
-            <a:r>
-              <a:rPr lang="en-US" dirty="0" err="1" smtClean="0"/>
-              <a:t>Montone</a:t>
-            </a:r>
-            <a:r>
-              <a:rPr lang="en-US" dirty="0" smtClean="0"/>
-              <a:t> Restriction</a:t>
+              <a:t>Proof of Monotone Restriction</a:t>
             </a:r>
             <a:endParaRPr lang="en-IN" dirty="0"/>
           </a:p>
